--- a/presentations/pi_21_march_2023/presentations/PI21 ISO 20022 Presentation.pptx
+++ b/presentations/pi_21_march_2023/presentations/PI21 ISO 20022 Presentation.pptx
@@ -136,7 +136,7 @@
 <file path=ppt/revisionInfo.xml><?xml version="1.0" encoding="utf-8"?>
 <p1510:revInfo xmlns:a="http://schemas.openxmlformats.org/drawingml/2006/main" xmlns:r="http://schemas.openxmlformats.org/officeDocument/2006/relationships" xmlns:p1510="http://schemas.microsoft.com/office/powerpoint/2015/10/main">
   <p1510:revLst>
-    <p1510:client id="{D5B57C36-1023-4662-B4C2-B3752CE716B2}" v="1224" dt="2023-03-09T07:10:47.130"/>
+    <p1510:client id="{D5B57C36-1023-4662-B4C2-B3752CE716B2}" v="1237" dt="2023-03-09T08:41:32.603"/>
   </p1510:revLst>
 </p1510:revInfo>
 </file>
@@ -146,12 +146,12 @@
   <pc:docChgLst>
     <pc:chgData name="Michael Richards" userId="6afda9a54147f31e" providerId="LiveId" clId="{D5B57C36-1023-4662-B4C2-B3752CE716B2}"/>
     <pc:docChg chg="undo custSel addSld modSld sldOrd">
-      <pc:chgData name="Michael Richards" userId="6afda9a54147f31e" providerId="LiveId" clId="{D5B57C36-1023-4662-B4C2-B3752CE716B2}" dt="2023-03-09T07:11:50.040" v="6198" actId="20577"/>
+      <pc:chgData name="Michael Richards" userId="6afda9a54147f31e" providerId="LiveId" clId="{D5B57C36-1023-4662-B4C2-B3752CE716B2}" dt="2023-03-09T08:41:32.603" v="6211"/>
       <pc:docMkLst>
         <pc:docMk/>
       </pc:docMkLst>
       <pc:sldChg chg="addSp delSp modSp mod delAnim modAnim">
-        <pc:chgData name="Michael Richards" userId="6afda9a54147f31e" providerId="LiveId" clId="{D5B57C36-1023-4662-B4C2-B3752CE716B2}" dt="2023-03-07T09:27:47.424" v="2151"/>
+        <pc:chgData name="Michael Richards" userId="6afda9a54147f31e" providerId="LiveId" clId="{D5B57C36-1023-4662-B4C2-B3752CE716B2}" dt="2023-03-09T08:39:23.676" v="6201"/>
         <pc:sldMkLst>
           <pc:docMk/>
           <pc:sldMk cId="561229006" sldId="259"/>
@@ -358,7 +358,7 @@
         </pc:cxnChg>
       </pc:sldChg>
       <pc:sldChg chg="modSp mod modAnim">
-        <pc:chgData name="Michael Richards" userId="6afda9a54147f31e" providerId="LiveId" clId="{D5B57C36-1023-4662-B4C2-B3752CE716B2}" dt="2023-03-09T07:00:09.745" v="6069"/>
+        <pc:chgData name="Michael Richards" userId="6afda9a54147f31e" providerId="LiveId" clId="{D5B57C36-1023-4662-B4C2-B3752CE716B2}" dt="2023-03-09T08:40:04.810" v="6204"/>
         <pc:sldMkLst>
           <pc:docMk/>
           <pc:sldMk cId="2183860606" sldId="260"/>
@@ -381,7 +381,7 @@
         </pc:spChg>
       </pc:sldChg>
       <pc:sldChg chg="modSp new mod ord modAnim">
-        <pc:chgData name="Michael Richards" userId="6afda9a54147f31e" providerId="LiveId" clId="{D5B57C36-1023-4662-B4C2-B3752CE716B2}" dt="2023-03-07T09:38:25.915" v="2188"/>
+        <pc:chgData name="Michael Richards" userId="6afda9a54147f31e" providerId="LiveId" clId="{D5B57C36-1023-4662-B4C2-B3752CE716B2}" dt="2023-03-09T08:39:35.767" v="6202"/>
         <pc:sldMkLst>
           <pc:docMk/>
           <pc:sldMk cId="1902038255" sldId="261"/>
@@ -404,7 +404,7 @@
         </pc:spChg>
       </pc:sldChg>
       <pc:sldChg chg="modSp new mod modAnim">
-        <pc:chgData name="Michael Richards" userId="6afda9a54147f31e" providerId="LiveId" clId="{D5B57C36-1023-4662-B4C2-B3752CE716B2}" dt="2023-03-07T08:43:08.937" v="1241"/>
+        <pc:chgData name="Michael Richards" userId="6afda9a54147f31e" providerId="LiveId" clId="{D5B57C36-1023-4662-B4C2-B3752CE716B2}" dt="2023-03-09T08:38:47.682" v="6199"/>
         <pc:sldMkLst>
           <pc:docMk/>
           <pc:sldMk cId="3497692126" sldId="262"/>
@@ -427,7 +427,7 @@
         </pc:spChg>
       </pc:sldChg>
       <pc:sldChg chg="modSp new mod modAnim">
-        <pc:chgData name="Michael Richards" userId="6afda9a54147f31e" providerId="LiveId" clId="{D5B57C36-1023-4662-B4C2-B3752CE716B2}" dt="2023-03-07T09:06:07.458" v="1945"/>
+        <pc:chgData name="Michael Richards" userId="6afda9a54147f31e" providerId="LiveId" clId="{D5B57C36-1023-4662-B4C2-B3752CE716B2}" dt="2023-03-09T08:39:01.683" v="6200"/>
         <pc:sldMkLst>
           <pc:docMk/>
           <pc:sldMk cId="1639579373" sldId="263"/>
@@ -449,8 +449,8 @@
           </ac:spMkLst>
         </pc:spChg>
       </pc:sldChg>
-      <pc:sldChg chg="modSp add mod">
-        <pc:chgData name="Michael Richards" userId="6afda9a54147f31e" providerId="LiveId" clId="{D5B57C36-1023-4662-B4C2-B3752CE716B2}" dt="2023-03-07T09:38:11.221" v="2186" actId="404"/>
+      <pc:sldChg chg="modSp add mod modAnim">
+        <pc:chgData name="Michael Richards" userId="6afda9a54147f31e" providerId="LiveId" clId="{D5B57C36-1023-4662-B4C2-B3752CE716B2}" dt="2023-03-09T08:39:50.657" v="6203"/>
         <pc:sldMkLst>
           <pc:docMk/>
           <pc:sldMk cId="1726088074" sldId="264"/>
@@ -465,7 +465,7 @@
         </pc:spChg>
       </pc:sldChg>
       <pc:sldChg chg="modSp add mod modAnim">
-        <pc:chgData name="Michael Richards" userId="6afda9a54147f31e" providerId="LiveId" clId="{D5B57C36-1023-4662-B4C2-B3752CE716B2}" dt="2023-03-08T12:21:21.254" v="6066"/>
+        <pc:chgData name="Michael Richards" userId="6afda9a54147f31e" providerId="LiveId" clId="{D5B57C36-1023-4662-B4C2-B3752CE716B2}" dt="2023-03-09T08:40:14.278" v="6205"/>
         <pc:sldMkLst>
           <pc:docMk/>
           <pc:sldMk cId="3418873283" sldId="265"/>
@@ -511,7 +511,7 @@
         </pc:spChg>
       </pc:sldChg>
       <pc:sldChg chg="modSp new mod modAnim">
-        <pc:chgData name="Michael Richards" userId="6afda9a54147f31e" providerId="LiveId" clId="{D5B57C36-1023-4662-B4C2-B3752CE716B2}" dt="2023-03-09T07:10:47.130" v="6129" actId="20577"/>
+        <pc:chgData name="Michael Richards" userId="6afda9a54147f31e" providerId="LiveId" clId="{D5B57C36-1023-4662-B4C2-B3752CE716B2}" dt="2023-03-09T08:40:23.133" v="6206"/>
         <pc:sldMkLst>
           <pc:docMk/>
           <pc:sldMk cId="882348881" sldId="267"/>
@@ -564,8 +564,8 @@
           </ac:spMkLst>
         </pc:spChg>
       </pc:sldChg>
-      <pc:sldChg chg="modSp mod modClrScheme chgLayout">
-        <pc:chgData name="Michael Richards" userId="6afda9a54147f31e" providerId="LiveId" clId="{D5B57C36-1023-4662-B4C2-B3752CE716B2}" dt="2023-03-07T15:45:43.009" v="4430" actId="20577"/>
+      <pc:sldChg chg="modSp mod modClrScheme modAnim chgLayout">
+        <pc:chgData name="Michael Richards" userId="6afda9a54147f31e" providerId="LiveId" clId="{D5B57C36-1023-4662-B4C2-B3752CE716B2}" dt="2023-03-09T08:40:39.840" v="6207"/>
         <pc:sldMkLst>
           <pc:docMk/>
           <pc:sldMk cId="0" sldId="269"/>
@@ -596,7 +596,7 @@
         </pc:spChg>
       </pc:sldChg>
       <pc:sldChg chg="modSp mod modClrScheme modAnim chgLayout">
-        <pc:chgData name="Michael Richards" userId="6afda9a54147f31e" providerId="LiveId" clId="{D5B57C36-1023-4662-B4C2-B3752CE716B2}" dt="2023-03-07T10:34:24.860" v="3446" actId="313"/>
+        <pc:chgData name="Michael Richards" userId="6afda9a54147f31e" providerId="LiveId" clId="{D5B57C36-1023-4662-B4C2-B3752CE716B2}" dt="2023-03-09T08:40:48.555" v="6208"/>
         <pc:sldMkLst>
           <pc:docMk/>
           <pc:sldMk cId="3876245129" sldId="270"/>
@@ -673,7 +673,7 @@
         </pc:spChg>
       </pc:sldChg>
       <pc:sldChg chg="modSp new mod modAnim">
-        <pc:chgData name="Michael Richards" userId="6afda9a54147f31e" providerId="LiveId" clId="{D5B57C36-1023-4662-B4C2-B3752CE716B2}" dt="2023-03-08T08:06:08.903" v="5069" actId="15"/>
+        <pc:chgData name="Michael Richards" userId="6afda9a54147f31e" providerId="LiveId" clId="{D5B57C36-1023-4662-B4C2-B3752CE716B2}" dt="2023-03-09T08:40:56.772" v="6209"/>
         <pc:sldMkLst>
           <pc:docMk/>
           <pc:sldMk cId="115064326" sldId="273"/>
@@ -696,7 +696,7 @@
         </pc:spChg>
       </pc:sldChg>
       <pc:sldChg chg="addSp delSp modSp new mod modAnim">
-        <pc:chgData name="Michael Richards" userId="6afda9a54147f31e" providerId="LiveId" clId="{D5B57C36-1023-4662-B4C2-B3752CE716B2}" dt="2023-03-08T12:16:19.640" v="5838" actId="113"/>
+        <pc:chgData name="Michael Richards" userId="6afda9a54147f31e" providerId="LiveId" clId="{D5B57C36-1023-4662-B4C2-B3752CE716B2}" dt="2023-03-09T08:41:15.327" v="6210"/>
         <pc:sldMkLst>
           <pc:docMk/>
           <pc:sldMk cId="2639984205" sldId="274"/>
@@ -943,7 +943,7 @@
         </pc:cxnChg>
       </pc:sldChg>
       <pc:sldChg chg="modSp new mod modAnim">
-        <pc:chgData name="Michael Richards" userId="6afda9a54147f31e" providerId="LiveId" clId="{D5B57C36-1023-4662-B4C2-B3752CE716B2}" dt="2023-03-08T12:19:08.162" v="6030" actId="20577"/>
+        <pc:chgData name="Michael Richards" userId="6afda9a54147f31e" providerId="LiveId" clId="{D5B57C36-1023-4662-B4C2-B3752CE716B2}" dt="2023-03-09T08:41:32.603" v="6211"/>
         <pc:sldMkLst>
           <pc:docMk/>
           <pc:sldMk cId="2186121885" sldId="275"/>
@@ -1159,7 +1159,7 @@
           <a:p>
             <a:fld id="{F43C7158-3EDA-D449-8D0F-DA0A67645948}" type="datetimeFigureOut">
               <a:rPr lang="en-US" smtClean="0"/>
-              <a:t>3/7/2023</a:t>
+              <a:t>3/9/2023</a:t>
             </a:fld>
             <a:endParaRPr lang="en-US"/>
           </a:p>
@@ -5985,673 +5985,6 @@
   <p:clrMapOvr>
     <a:masterClrMapping/>
   </p:clrMapOvr>
-  <p:timing>
-    <p:tnLst>
-      <p:par>
-        <p:cTn id="1" dur="indefinite" restart="never" nodeType="tmRoot">
-          <p:childTnLst>
-            <p:seq concurrent="1" nextAc="seek">
-              <p:cTn id="2" dur="indefinite" nodeType="mainSeq">
-                <p:childTnLst>
-                  <p:par>
-                    <p:cTn id="3" fill="hold">
-                      <p:stCondLst>
-                        <p:cond delay="indefinite"/>
-                      </p:stCondLst>
-                      <p:childTnLst>
-                        <p:par>
-                          <p:cTn id="4" fill="hold">
-                            <p:stCondLst>
-                              <p:cond delay="0"/>
-                            </p:stCondLst>
-                            <p:childTnLst>
-                              <p:par>
-                                <p:cTn id="5" presetID="1" presetClass="entr" presetSubtype="0" fill="hold" nodeType="clickEffect">
-                                  <p:stCondLst>
-                                    <p:cond delay="0"/>
-                                  </p:stCondLst>
-                                  <p:childTnLst>
-                                    <p:set>
-                                      <p:cBhvr>
-                                        <p:cTn id="6" dur="1" fill="hold">
-                                          <p:stCondLst>
-                                            <p:cond delay="0"/>
-                                          </p:stCondLst>
-                                        </p:cTn>
-                                        <p:tgtEl>
-                                          <p:spTgt spid="113">
-                                            <p:txEl>
-                                              <p:pRg st="0" end="0"/>
-                                            </p:txEl>
-                                          </p:spTgt>
-                                        </p:tgtEl>
-                                        <p:attrNameLst>
-                                          <p:attrName>style.visibility</p:attrName>
-                                        </p:attrNameLst>
-                                      </p:cBhvr>
-                                      <p:to>
-                                        <p:strVal val="visible"/>
-                                      </p:to>
-                                    </p:set>
-                                  </p:childTnLst>
-                                </p:cTn>
-                              </p:par>
-                            </p:childTnLst>
-                          </p:cTn>
-                        </p:par>
-                      </p:childTnLst>
-                    </p:cTn>
-                  </p:par>
-                  <p:par>
-                    <p:cTn id="7" fill="hold">
-                      <p:stCondLst>
-                        <p:cond delay="indefinite"/>
-                      </p:stCondLst>
-                      <p:childTnLst>
-                        <p:par>
-                          <p:cTn id="8" fill="hold">
-                            <p:stCondLst>
-                              <p:cond delay="0"/>
-                            </p:stCondLst>
-                            <p:childTnLst>
-                              <p:par>
-                                <p:cTn id="9" presetID="1" presetClass="entr" presetSubtype="0" fill="hold" nodeType="clickEffect">
-                                  <p:stCondLst>
-                                    <p:cond delay="0"/>
-                                  </p:stCondLst>
-                                  <p:childTnLst>
-                                    <p:set>
-                                      <p:cBhvr>
-                                        <p:cTn id="10" dur="1" fill="hold">
-                                          <p:stCondLst>
-                                            <p:cond delay="0"/>
-                                          </p:stCondLst>
-                                        </p:cTn>
-                                        <p:tgtEl>
-                                          <p:spTgt spid="113">
-                                            <p:txEl>
-                                              <p:pRg st="1" end="1"/>
-                                            </p:txEl>
-                                          </p:spTgt>
-                                        </p:tgtEl>
-                                        <p:attrNameLst>
-                                          <p:attrName>style.visibility</p:attrName>
-                                        </p:attrNameLst>
-                                      </p:cBhvr>
-                                      <p:to>
-                                        <p:strVal val="visible"/>
-                                      </p:to>
-                                    </p:set>
-                                  </p:childTnLst>
-                                </p:cTn>
-                              </p:par>
-                            </p:childTnLst>
-                          </p:cTn>
-                        </p:par>
-                      </p:childTnLst>
-                    </p:cTn>
-                  </p:par>
-                  <p:par>
-                    <p:cTn id="11" fill="hold">
-                      <p:stCondLst>
-                        <p:cond delay="indefinite"/>
-                      </p:stCondLst>
-                      <p:childTnLst>
-                        <p:par>
-                          <p:cTn id="12" fill="hold">
-                            <p:stCondLst>
-                              <p:cond delay="0"/>
-                            </p:stCondLst>
-                            <p:childTnLst>
-                              <p:par>
-                                <p:cTn id="13" presetID="1" presetClass="entr" presetSubtype="0" fill="hold" nodeType="clickEffect">
-                                  <p:stCondLst>
-                                    <p:cond delay="0"/>
-                                  </p:stCondLst>
-                                  <p:childTnLst>
-                                    <p:set>
-                                      <p:cBhvr>
-                                        <p:cTn id="14" dur="1" fill="hold">
-                                          <p:stCondLst>
-                                            <p:cond delay="0"/>
-                                          </p:stCondLst>
-                                        </p:cTn>
-                                        <p:tgtEl>
-                                          <p:spTgt spid="113">
-                                            <p:txEl>
-                                              <p:pRg st="2" end="2"/>
-                                            </p:txEl>
-                                          </p:spTgt>
-                                        </p:tgtEl>
-                                        <p:attrNameLst>
-                                          <p:attrName>style.visibility</p:attrName>
-                                        </p:attrNameLst>
-                                      </p:cBhvr>
-                                      <p:to>
-                                        <p:strVal val="visible"/>
-                                      </p:to>
-                                    </p:set>
-                                  </p:childTnLst>
-                                </p:cTn>
-                              </p:par>
-                            </p:childTnLst>
-                          </p:cTn>
-                        </p:par>
-                      </p:childTnLst>
-                    </p:cTn>
-                  </p:par>
-                  <p:par>
-                    <p:cTn id="15" fill="hold">
-                      <p:stCondLst>
-                        <p:cond delay="indefinite"/>
-                      </p:stCondLst>
-                      <p:childTnLst>
-                        <p:par>
-                          <p:cTn id="16" fill="hold">
-                            <p:stCondLst>
-                              <p:cond delay="0"/>
-                            </p:stCondLst>
-                            <p:childTnLst>
-                              <p:par>
-                                <p:cTn id="17" presetID="1" presetClass="entr" presetSubtype="0" fill="hold" nodeType="clickEffect">
-                                  <p:stCondLst>
-                                    <p:cond delay="0"/>
-                                  </p:stCondLst>
-                                  <p:childTnLst>
-                                    <p:set>
-                                      <p:cBhvr>
-                                        <p:cTn id="18" dur="1" fill="hold">
-                                          <p:stCondLst>
-                                            <p:cond delay="0"/>
-                                          </p:stCondLst>
-                                        </p:cTn>
-                                        <p:tgtEl>
-                                          <p:spTgt spid="113">
-                                            <p:txEl>
-                                              <p:pRg st="3" end="3"/>
-                                            </p:txEl>
-                                          </p:spTgt>
-                                        </p:tgtEl>
-                                        <p:attrNameLst>
-                                          <p:attrName>style.visibility</p:attrName>
-                                        </p:attrNameLst>
-                                      </p:cBhvr>
-                                      <p:to>
-                                        <p:strVal val="visible"/>
-                                      </p:to>
-                                    </p:set>
-                                  </p:childTnLst>
-                                </p:cTn>
-                              </p:par>
-                            </p:childTnLst>
-                          </p:cTn>
-                        </p:par>
-                      </p:childTnLst>
-                    </p:cTn>
-                  </p:par>
-                  <p:par>
-                    <p:cTn id="19" fill="hold">
-                      <p:stCondLst>
-                        <p:cond delay="indefinite"/>
-                      </p:stCondLst>
-                      <p:childTnLst>
-                        <p:par>
-                          <p:cTn id="20" fill="hold">
-                            <p:stCondLst>
-                              <p:cond delay="0"/>
-                            </p:stCondLst>
-                            <p:childTnLst>
-                              <p:par>
-                                <p:cTn id="21" presetID="1" presetClass="entr" presetSubtype="0" fill="hold" nodeType="clickEffect">
-                                  <p:stCondLst>
-                                    <p:cond delay="0"/>
-                                  </p:stCondLst>
-                                  <p:childTnLst>
-                                    <p:set>
-                                      <p:cBhvr>
-                                        <p:cTn id="22" dur="1" fill="hold">
-                                          <p:stCondLst>
-                                            <p:cond delay="0"/>
-                                          </p:stCondLst>
-                                        </p:cTn>
-                                        <p:tgtEl>
-                                          <p:spTgt spid="113">
-                                            <p:txEl>
-                                              <p:pRg st="4" end="4"/>
-                                            </p:txEl>
-                                          </p:spTgt>
-                                        </p:tgtEl>
-                                        <p:attrNameLst>
-                                          <p:attrName>style.visibility</p:attrName>
-                                        </p:attrNameLst>
-                                      </p:cBhvr>
-                                      <p:to>
-                                        <p:strVal val="visible"/>
-                                      </p:to>
-                                    </p:set>
-                                  </p:childTnLst>
-                                </p:cTn>
-                              </p:par>
-                            </p:childTnLst>
-                          </p:cTn>
-                        </p:par>
-                      </p:childTnLst>
-                    </p:cTn>
-                  </p:par>
-                  <p:par>
-                    <p:cTn id="23" fill="hold">
-                      <p:stCondLst>
-                        <p:cond delay="indefinite"/>
-                      </p:stCondLst>
-                      <p:childTnLst>
-                        <p:par>
-                          <p:cTn id="24" fill="hold">
-                            <p:stCondLst>
-                              <p:cond delay="0"/>
-                            </p:stCondLst>
-                            <p:childTnLst>
-                              <p:par>
-                                <p:cTn id="25" presetID="1" presetClass="entr" presetSubtype="0" fill="hold" nodeType="clickEffect">
-                                  <p:stCondLst>
-                                    <p:cond delay="0"/>
-                                  </p:stCondLst>
-                                  <p:childTnLst>
-                                    <p:set>
-                                      <p:cBhvr>
-                                        <p:cTn id="26" dur="1" fill="hold">
-                                          <p:stCondLst>
-                                            <p:cond delay="0"/>
-                                          </p:stCondLst>
-                                        </p:cTn>
-                                        <p:tgtEl>
-                                          <p:spTgt spid="113">
-                                            <p:txEl>
-                                              <p:pRg st="5" end="5"/>
-                                            </p:txEl>
-                                          </p:spTgt>
-                                        </p:tgtEl>
-                                        <p:attrNameLst>
-                                          <p:attrName>style.visibility</p:attrName>
-                                        </p:attrNameLst>
-                                      </p:cBhvr>
-                                      <p:to>
-                                        <p:strVal val="visible"/>
-                                      </p:to>
-                                    </p:set>
-                                  </p:childTnLst>
-                                </p:cTn>
-                              </p:par>
-                            </p:childTnLst>
-                          </p:cTn>
-                        </p:par>
-                      </p:childTnLst>
-                    </p:cTn>
-                  </p:par>
-                  <p:par>
-                    <p:cTn id="27" fill="hold">
-                      <p:stCondLst>
-                        <p:cond delay="indefinite"/>
-                      </p:stCondLst>
-                      <p:childTnLst>
-                        <p:par>
-                          <p:cTn id="28" fill="hold">
-                            <p:stCondLst>
-                              <p:cond delay="0"/>
-                            </p:stCondLst>
-                            <p:childTnLst>
-                              <p:par>
-                                <p:cTn id="29" presetID="1" presetClass="entr" presetSubtype="0" fill="hold" nodeType="clickEffect">
-                                  <p:stCondLst>
-                                    <p:cond delay="0"/>
-                                  </p:stCondLst>
-                                  <p:childTnLst>
-                                    <p:set>
-                                      <p:cBhvr>
-                                        <p:cTn id="30" dur="1" fill="hold">
-                                          <p:stCondLst>
-                                            <p:cond delay="0"/>
-                                          </p:stCondLst>
-                                        </p:cTn>
-                                        <p:tgtEl>
-                                          <p:spTgt spid="113">
-                                            <p:txEl>
-                                              <p:pRg st="6" end="6"/>
-                                            </p:txEl>
-                                          </p:spTgt>
-                                        </p:tgtEl>
-                                        <p:attrNameLst>
-                                          <p:attrName>style.visibility</p:attrName>
-                                        </p:attrNameLst>
-                                      </p:cBhvr>
-                                      <p:to>
-                                        <p:strVal val="visible"/>
-                                      </p:to>
-                                    </p:set>
-                                  </p:childTnLst>
-                                </p:cTn>
-                              </p:par>
-                            </p:childTnLst>
-                          </p:cTn>
-                        </p:par>
-                      </p:childTnLst>
-                    </p:cTn>
-                  </p:par>
-                  <p:par>
-                    <p:cTn id="31" fill="hold">
-                      <p:stCondLst>
-                        <p:cond delay="indefinite"/>
-                      </p:stCondLst>
-                      <p:childTnLst>
-                        <p:par>
-                          <p:cTn id="32" fill="hold">
-                            <p:stCondLst>
-                              <p:cond delay="0"/>
-                            </p:stCondLst>
-                            <p:childTnLst>
-                              <p:par>
-                                <p:cTn id="33" presetID="1" presetClass="entr" presetSubtype="0" fill="hold" nodeType="clickEffect">
-                                  <p:stCondLst>
-                                    <p:cond delay="0"/>
-                                  </p:stCondLst>
-                                  <p:childTnLst>
-                                    <p:set>
-                                      <p:cBhvr>
-                                        <p:cTn id="34" dur="1" fill="hold">
-                                          <p:stCondLst>
-                                            <p:cond delay="0"/>
-                                          </p:stCondLst>
-                                        </p:cTn>
-                                        <p:tgtEl>
-                                          <p:spTgt spid="113">
-                                            <p:txEl>
-                                              <p:pRg st="7" end="7"/>
-                                            </p:txEl>
-                                          </p:spTgt>
-                                        </p:tgtEl>
-                                        <p:attrNameLst>
-                                          <p:attrName>style.visibility</p:attrName>
-                                        </p:attrNameLst>
-                                      </p:cBhvr>
-                                      <p:to>
-                                        <p:strVal val="visible"/>
-                                      </p:to>
-                                    </p:set>
-                                  </p:childTnLst>
-                                </p:cTn>
-                              </p:par>
-                            </p:childTnLst>
-                          </p:cTn>
-                        </p:par>
-                      </p:childTnLst>
-                    </p:cTn>
-                  </p:par>
-                  <p:par>
-                    <p:cTn id="35" fill="hold">
-                      <p:stCondLst>
-                        <p:cond delay="indefinite"/>
-                      </p:stCondLst>
-                      <p:childTnLst>
-                        <p:par>
-                          <p:cTn id="36" fill="hold">
-                            <p:stCondLst>
-                              <p:cond delay="0"/>
-                            </p:stCondLst>
-                            <p:childTnLst>
-                              <p:par>
-                                <p:cTn id="37" presetID="1" presetClass="entr" presetSubtype="0" fill="hold" nodeType="clickEffect">
-                                  <p:stCondLst>
-                                    <p:cond delay="0"/>
-                                  </p:stCondLst>
-                                  <p:childTnLst>
-                                    <p:set>
-                                      <p:cBhvr>
-                                        <p:cTn id="38" dur="1" fill="hold">
-                                          <p:stCondLst>
-                                            <p:cond delay="0"/>
-                                          </p:stCondLst>
-                                        </p:cTn>
-                                        <p:tgtEl>
-                                          <p:spTgt spid="113">
-                                            <p:txEl>
-                                              <p:pRg st="8" end="8"/>
-                                            </p:txEl>
-                                          </p:spTgt>
-                                        </p:tgtEl>
-                                        <p:attrNameLst>
-                                          <p:attrName>style.visibility</p:attrName>
-                                        </p:attrNameLst>
-                                      </p:cBhvr>
-                                      <p:to>
-                                        <p:strVal val="visible"/>
-                                      </p:to>
-                                    </p:set>
-                                  </p:childTnLst>
-                                </p:cTn>
-                              </p:par>
-                            </p:childTnLst>
-                          </p:cTn>
-                        </p:par>
-                      </p:childTnLst>
-                    </p:cTn>
-                  </p:par>
-                  <p:par>
-                    <p:cTn id="39" fill="hold">
-                      <p:stCondLst>
-                        <p:cond delay="indefinite"/>
-                      </p:stCondLst>
-                      <p:childTnLst>
-                        <p:par>
-                          <p:cTn id="40" fill="hold">
-                            <p:stCondLst>
-                              <p:cond delay="0"/>
-                            </p:stCondLst>
-                            <p:childTnLst>
-                              <p:par>
-                                <p:cTn id="41" presetID="1" presetClass="entr" presetSubtype="0" fill="hold" nodeType="clickEffect">
-                                  <p:stCondLst>
-                                    <p:cond delay="0"/>
-                                  </p:stCondLst>
-                                  <p:childTnLst>
-                                    <p:set>
-                                      <p:cBhvr>
-                                        <p:cTn id="42" dur="1" fill="hold">
-                                          <p:stCondLst>
-                                            <p:cond delay="0"/>
-                                          </p:stCondLst>
-                                        </p:cTn>
-                                        <p:tgtEl>
-                                          <p:spTgt spid="113">
-                                            <p:txEl>
-                                              <p:pRg st="9" end="9"/>
-                                            </p:txEl>
-                                          </p:spTgt>
-                                        </p:tgtEl>
-                                        <p:attrNameLst>
-                                          <p:attrName>style.visibility</p:attrName>
-                                        </p:attrNameLst>
-                                      </p:cBhvr>
-                                      <p:to>
-                                        <p:strVal val="visible"/>
-                                      </p:to>
-                                    </p:set>
-                                  </p:childTnLst>
-                                </p:cTn>
-                              </p:par>
-                            </p:childTnLst>
-                          </p:cTn>
-                        </p:par>
-                      </p:childTnLst>
-                    </p:cTn>
-                  </p:par>
-                  <p:par>
-                    <p:cTn id="43" fill="hold">
-                      <p:stCondLst>
-                        <p:cond delay="indefinite"/>
-                      </p:stCondLst>
-                      <p:childTnLst>
-                        <p:par>
-                          <p:cTn id="44" fill="hold">
-                            <p:stCondLst>
-                              <p:cond delay="0"/>
-                            </p:stCondLst>
-                            <p:childTnLst>
-                              <p:par>
-                                <p:cTn id="45" presetID="1" presetClass="entr" presetSubtype="0" fill="hold" nodeType="clickEffect">
-                                  <p:stCondLst>
-                                    <p:cond delay="0"/>
-                                  </p:stCondLst>
-                                  <p:childTnLst>
-                                    <p:set>
-                                      <p:cBhvr>
-                                        <p:cTn id="46" dur="1" fill="hold">
-                                          <p:stCondLst>
-                                            <p:cond delay="0"/>
-                                          </p:stCondLst>
-                                        </p:cTn>
-                                        <p:tgtEl>
-                                          <p:spTgt spid="113">
-                                            <p:txEl>
-                                              <p:pRg st="10" end="10"/>
-                                            </p:txEl>
-                                          </p:spTgt>
-                                        </p:tgtEl>
-                                        <p:attrNameLst>
-                                          <p:attrName>style.visibility</p:attrName>
-                                        </p:attrNameLst>
-                                      </p:cBhvr>
-                                      <p:to>
-                                        <p:strVal val="visible"/>
-                                      </p:to>
-                                    </p:set>
-                                  </p:childTnLst>
-                                </p:cTn>
-                              </p:par>
-                            </p:childTnLst>
-                          </p:cTn>
-                        </p:par>
-                      </p:childTnLst>
-                    </p:cTn>
-                  </p:par>
-                  <p:par>
-                    <p:cTn id="47" fill="hold">
-                      <p:stCondLst>
-                        <p:cond delay="indefinite"/>
-                      </p:stCondLst>
-                      <p:childTnLst>
-                        <p:par>
-                          <p:cTn id="48" fill="hold">
-                            <p:stCondLst>
-                              <p:cond delay="0"/>
-                            </p:stCondLst>
-                            <p:childTnLst>
-                              <p:par>
-                                <p:cTn id="49" presetID="1" presetClass="entr" presetSubtype="0" fill="hold" nodeType="clickEffect">
-                                  <p:stCondLst>
-                                    <p:cond delay="0"/>
-                                  </p:stCondLst>
-                                  <p:childTnLst>
-                                    <p:set>
-                                      <p:cBhvr>
-                                        <p:cTn id="50" dur="1" fill="hold">
-                                          <p:stCondLst>
-                                            <p:cond delay="0"/>
-                                          </p:stCondLst>
-                                        </p:cTn>
-                                        <p:tgtEl>
-                                          <p:spTgt spid="113">
-                                            <p:txEl>
-                                              <p:pRg st="11" end="11"/>
-                                            </p:txEl>
-                                          </p:spTgt>
-                                        </p:tgtEl>
-                                        <p:attrNameLst>
-                                          <p:attrName>style.visibility</p:attrName>
-                                        </p:attrNameLst>
-                                      </p:cBhvr>
-                                      <p:to>
-                                        <p:strVal val="visible"/>
-                                      </p:to>
-                                    </p:set>
-                                  </p:childTnLst>
-                                </p:cTn>
-                              </p:par>
-                            </p:childTnLst>
-                          </p:cTn>
-                        </p:par>
-                      </p:childTnLst>
-                    </p:cTn>
-                  </p:par>
-                  <p:par>
-                    <p:cTn id="51" fill="hold">
-                      <p:stCondLst>
-                        <p:cond delay="indefinite"/>
-                      </p:stCondLst>
-                      <p:childTnLst>
-                        <p:par>
-                          <p:cTn id="52" fill="hold">
-                            <p:stCondLst>
-                              <p:cond delay="0"/>
-                            </p:stCondLst>
-                            <p:childTnLst>
-                              <p:par>
-                                <p:cTn id="53" presetID="1" presetClass="entr" presetSubtype="0" fill="hold" nodeType="clickEffect">
-                                  <p:stCondLst>
-                                    <p:cond delay="0"/>
-                                  </p:stCondLst>
-                                  <p:childTnLst>
-                                    <p:set>
-                                      <p:cBhvr>
-                                        <p:cTn id="54" dur="1" fill="hold">
-                                          <p:stCondLst>
-                                            <p:cond delay="0"/>
-                                          </p:stCondLst>
-                                        </p:cTn>
-                                        <p:tgtEl>
-                                          <p:spTgt spid="113">
-                                            <p:txEl>
-                                              <p:pRg st="12" end="12"/>
-                                            </p:txEl>
-                                          </p:spTgt>
-                                        </p:tgtEl>
-                                        <p:attrNameLst>
-                                          <p:attrName>style.visibility</p:attrName>
-                                        </p:attrNameLst>
-                                      </p:cBhvr>
-                                      <p:to>
-                                        <p:strVal val="visible"/>
-                                      </p:to>
-                                    </p:set>
-                                  </p:childTnLst>
-                                </p:cTn>
-                              </p:par>
-                            </p:childTnLst>
-                          </p:cTn>
-                        </p:par>
-                      </p:childTnLst>
-                    </p:cTn>
-                  </p:par>
-                </p:childTnLst>
-              </p:cTn>
-              <p:prevCondLst>
-                <p:cond evt="onPrev" delay="0">
-                  <p:tgtEl>
-                    <p:sldTgt/>
-                  </p:tgtEl>
-                </p:cond>
-              </p:prevCondLst>
-              <p:nextCondLst>
-                <p:cond evt="onNext" delay="0">
-                  <p:tgtEl>
-                    <p:sldTgt/>
-                  </p:tgtEl>
-                </p:cond>
-              </p:nextCondLst>
-            </p:seq>
-          </p:childTnLst>
-        </p:cTn>
-      </p:par>
-    </p:tnLst>
-  </p:timing>
 </p:sld>
 </file>
 
@@ -6959,477 +6292,6 @@
   <p:clrMapOvr>
     <a:masterClrMapping/>
   </p:clrMapOvr>
-  <p:timing>
-    <p:tnLst>
-      <p:par>
-        <p:cTn id="1" dur="indefinite" restart="never" nodeType="tmRoot">
-          <p:childTnLst>
-            <p:seq concurrent="1" nextAc="seek">
-              <p:cTn id="2" dur="indefinite" nodeType="mainSeq">
-                <p:childTnLst>
-                  <p:par>
-                    <p:cTn id="3" fill="hold">
-                      <p:stCondLst>
-                        <p:cond delay="indefinite"/>
-                      </p:stCondLst>
-                      <p:childTnLst>
-                        <p:par>
-                          <p:cTn id="4" fill="hold">
-                            <p:stCondLst>
-                              <p:cond delay="0"/>
-                            </p:stCondLst>
-                            <p:childTnLst>
-                              <p:par>
-                                <p:cTn id="5" presetID="1" presetClass="entr" presetSubtype="0" fill="hold" nodeType="clickEffect">
-                                  <p:stCondLst>
-                                    <p:cond delay="0"/>
-                                  </p:stCondLst>
-                                  <p:childTnLst>
-                                    <p:set>
-                                      <p:cBhvr>
-                                        <p:cTn id="6" dur="1" fill="hold">
-                                          <p:stCondLst>
-                                            <p:cond delay="0"/>
-                                          </p:stCondLst>
-                                        </p:cTn>
-                                        <p:tgtEl>
-                                          <p:spTgt spid="113">
-                                            <p:txEl>
-                                              <p:pRg st="0" end="0"/>
-                                            </p:txEl>
-                                          </p:spTgt>
-                                        </p:tgtEl>
-                                        <p:attrNameLst>
-                                          <p:attrName>style.visibility</p:attrName>
-                                        </p:attrNameLst>
-                                      </p:cBhvr>
-                                      <p:to>
-                                        <p:strVal val="visible"/>
-                                      </p:to>
-                                    </p:set>
-                                  </p:childTnLst>
-                                </p:cTn>
-                              </p:par>
-                            </p:childTnLst>
-                          </p:cTn>
-                        </p:par>
-                      </p:childTnLst>
-                    </p:cTn>
-                  </p:par>
-                  <p:par>
-                    <p:cTn id="7" fill="hold">
-                      <p:stCondLst>
-                        <p:cond delay="indefinite"/>
-                      </p:stCondLst>
-                      <p:childTnLst>
-                        <p:par>
-                          <p:cTn id="8" fill="hold">
-                            <p:stCondLst>
-                              <p:cond delay="0"/>
-                            </p:stCondLst>
-                            <p:childTnLst>
-                              <p:par>
-                                <p:cTn id="9" presetID="1" presetClass="entr" presetSubtype="0" fill="hold" nodeType="clickEffect">
-                                  <p:stCondLst>
-                                    <p:cond delay="0"/>
-                                  </p:stCondLst>
-                                  <p:childTnLst>
-                                    <p:set>
-                                      <p:cBhvr>
-                                        <p:cTn id="10" dur="1" fill="hold">
-                                          <p:stCondLst>
-                                            <p:cond delay="0"/>
-                                          </p:stCondLst>
-                                        </p:cTn>
-                                        <p:tgtEl>
-                                          <p:spTgt spid="113">
-                                            <p:txEl>
-                                              <p:pRg st="1" end="1"/>
-                                            </p:txEl>
-                                          </p:spTgt>
-                                        </p:tgtEl>
-                                        <p:attrNameLst>
-                                          <p:attrName>style.visibility</p:attrName>
-                                        </p:attrNameLst>
-                                      </p:cBhvr>
-                                      <p:to>
-                                        <p:strVal val="visible"/>
-                                      </p:to>
-                                    </p:set>
-                                  </p:childTnLst>
-                                </p:cTn>
-                              </p:par>
-                            </p:childTnLst>
-                          </p:cTn>
-                        </p:par>
-                      </p:childTnLst>
-                    </p:cTn>
-                  </p:par>
-                  <p:par>
-                    <p:cTn id="11" fill="hold">
-                      <p:stCondLst>
-                        <p:cond delay="indefinite"/>
-                      </p:stCondLst>
-                      <p:childTnLst>
-                        <p:par>
-                          <p:cTn id="12" fill="hold">
-                            <p:stCondLst>
-                              <p:cond delay="0"/>
-                            </p:stCondLst>
-                            <p:childTnLst>
-                              <p:par>
-                                <p:cTn id="13" presetID="1" presetClass="entr" presetSubtype="0" fill="hold" nodeType="clickEffect">
-                                  <p:stCondLst>
-                                    <p:cond delay="0"/>
-                                  </p:stCondLst>
-                                  <p:childTnLst>
-                                    <p:set>
-                                      <p:cBhvr>
-                                        <p:cTn id="14" dur="1" fill="hold">
-                                          <p:stCondLst>
-                                            <p:cond delay="0"/>
-                                          </p:stCondLst>
-                                        </p:cTn>
-                                        <p:tgtEl>
-                                          <p:spTgt spid="113">
-                                            <p:txEl>
-                                              <p:pRg st="2" end="2"/>
-                                            </p:txEl>
-                                          </p:spTgt>
-                                        </p:tgtEl>
-                                        <p:attrNameLst>
-                                          <p:attrName>style.visibility</p:attrName>
-                                        </p:attrNameLst>
-                                      </p:cBhvr>
-                                      <p:to>
-                                        <p:strVal val="visible"/>
-                                      </p:to>
-                                    </p:set>
-                                  </p:childTnLst>
-                                </p:cTn>
-                              </p:par>
-                            </p:childTnLst>
-                          </p:cTn>
-                        </p:par>
-                      </p:childTnLst>
-                    </p:cTn>
-                  </p:par>
-                  <p:par>
-                    <p:cTn id="15" fill="hold">
-                      <p:stCondLst>
-                        <p:cond delay="indefinite"/>
-                      </p:stCondLst>
-                      <p:childTnLst>
-                        <p:par>
-                          <p:cTn id="16" fill="hold">
-                            <p:stCondLst>
-                              <p:cond delay="0"/>
-                            </p:stCondLst>
-                            <p:childTnLst>
-                              <p:par>
-                                <p:cTn id="17" presetID="1" presetClass="entr" presetSubtype="0" fill="hold" nodeType="clickEffect">
-                                  <p:stCondLst>
-                                    <p:cond delay="0"/>
-                                  </p:stCondLst>
-                                  <p:childTnLst>
-                                    <p:set>
-                                      <p:cBhvr>
-                                        <p:cTn id="18" dur="1" fill="hold">
-                                          <p:stCondLst>
-                                            <p:cond delay="0"/>
-                                          </p:stCondLst>
-                                        </p:cTn>
-                                        <p:tgtEl>
-                                          <p:spTgt spid="113">
-                                            <p:txEl>
-                                              <p:pRg st="3" end="3"/>
-                                            </p:txEl>
-                                          </p:spTgt>
-                                        </p:tgtEl>
-                                        <p:attrNameLst>
-                                          <p:attrName>style.visibility</p:attrName>
-                                        </p:attrNameLst>
-                                      </p:cBhvr>
-                                      <p:to>
-                                        <p:strVal val="visible"/>
-                                      </p:to>
-                                    </p:set>
-                                  </p:childTnLst>
-                                </p:cTn>
-                              </p:par>
-                            </p:childTnLst>
-                          </p:cTn>
-                        </p:par>
-                      </p:childTnLst>
-                    </p:cTn>
-                  </p:par>
-                  <p:par>
-                    <p:cTn id="19" fill="hold">
-                      <p:stCondLst>
-                        <p:cond delay="indefinite"/>
-                      </p:stCondLst>
-                      <p:childTnLst>
-                        <p:par>
-                          <p:cTn id="20" fill="hold">
-                            <p:stCondLst>
-                              <p:cond delay="0"/>
-                            </p:stCondLst>
-                            <p:childTnLst>
-                              <p:par>
-                                <p:cTn id="21" presetID="1" presetClass="entr" presetSubtype="0" fill="hold" nodeType="clickEffect">
-                                  <p:stCondLst>
-                                    <p:cond delay="0"/>
-                                  </p:stCondLst>
-                                  <p:childTnLst>
-                                    <p:set>
-                                      <p:cBhvr>
-                                        <p:cTn id="22" dur="1" fill="hold">
-                                          <p:stCondLst>
-                                            <p:cond delay="0"/>
-                                          </p:stCondLst>
-                                        </p:cTn>
-                                        <p:tgtEl>
-                                          <p:spTgt spid="113">
-                                            <p:txEl>
-                                              <p:pRg st="4" end="4"/>
-                                            </p:txEl>
-                                          </p:spTgt>
-                                        </p:tgtEl>
-                                        <p:attrNameLst>
-                                          <p:attrName>style.visibility</p:attrName>
-                                        </p:attrNameLst>
-                                      </p:cBhvr>
-                                      <p:to>
-                                        <p:strVal val="visible"/>
-                                      </p:to>
-                                    </p:set>
-                                  </p:childTnLst>
-                                </p:cTn>
-                              </p:par>
-                            </p:childTnLst>
-                          </p:cTn>
-                        </p:par>
-                      </p:childTnLst>
-                    </p:cTn>
-                  </p:par>
-                  <p:par>
-                    <p:cTn id="23" fill="hold">
-                      <p:stCondLst>
-                        <p:cond delay="indefinite"/>
-                      </p:stCondLst>
-                      <p:childTnLst>
-                        <p:par>
-                          <p:cTn id="24" fill="hold">
-                            <p:stCondLst>
-                              <p:cond delay="0"/>
-                            </p:stCondLst>
-                            <p:childTnLst>
-                              <p:par>
-                                <p:cTn id="25" presetID="1" presetClass="entr" presetSubtype="0" fill="hold" nodeType="clickEffect">
-                                  <p:stCondLst>
-                                    <p:cond delay="0"/>
-                                  </p:stCondLst>
-                                  <p:childTnLst>
-                                    <p:set>
-                                      <p:cBhvr>
-                                        <p:cTn id="26" dur="1" fill="hold">
-                                          <p:stCondLst>
-                                            <p:cond delay="0"/>
-                                          </p:stCondLst>
-                                        </p:cTn>
-                                        <p:tgtEl>
-                                          <p:spTgt spid="113">
-                                            <p:txEl>
-                                              <p:pRg st="5" end="5"/>
-                                            </p:txEl>
-                                          </p:spTgt>
-                                        </p:tgtEl>
-                                        <p:attrNameLst>
-                                          <p:attrName>style.visibility</p:attrName>
-                                        </p:attrNameLst>
-                                      </p:cBhvr>
-                                      <p:to>
-                                        <p:strVal val="visible"/>
-                                      </p:to>
-                                    </p:set>
-                                  </p:childTnLst>
-                                </p:cTn>
-                              </p:par>
-                            </p:childTnLst>
-                          </p:cTn>
-                        </p:par>
-                      </p:childTnLst>
-                    </p:cTn>
-                  </p:par>
-                  <p:par>
-                    <p:cTn id="27" fill="hold">
-                      <p:stCondLst>
-                        <p:cond delay="indefinite"/>
-                      </p:stCondLst>
-                      <p:childTnLst>
-                        <p:par>
-                          <p:cTn id="28" fill="hold">
-                            <p:stCondLst>
-                              <p:cond delay="0"/>
-                            </p:stCondLst>
-                            <p:childTnLst>
-                              <p:par>
-                                <p:cTn id="29" presetID="1" presetClass="entr" presetSubtype="0" fill="hold" nodeType="clickEffect">
-                                  <p:stCondLst>
-                                    <p:cond delay="0"/>
-                                  </p:stCondLst>
-                                  <p:childTnLst>
-                                    <p:set>
-                                      <p:cBhvr>
-                                        <p:cTn id="30" dur="1" fill="hold">
-                                          <p:stCondLst>
-                                            <p:cond delay="0"/>
-                                          </p:stCondLst>
-                                        </p:cTn>
-                                        <p:tgtEl>
-                                          <p:spTgt spid="113">
-                                            <p:txEl>
-                                              <p:pRg st="6" end="6"/>
-                                            </p:txEl>
-                                          </p:spTgt>
-                                        </p:tgtEl>
-                                        <p:attrNameLst>
-                                          <p:attrName>style.visibility</p:attrName>
-                                        </p:attrNameLst>
-                                      </p:cBhvr>
-                                      <p:to>
-                                        <p:strVal val="visible"/>
-                                      </p:to>
-                                    </p:set>
-                                  </p:childTnLst>
-                                </p:cTn>
-                              </p:par>
-                            </p:childTnLst>
-                          </p:cTn>
-                        </p:par>
-                      </p:childTnLst>
-                    </p:cTn>
-                  </p:par>
-                  <p:par>
-                    <p:cTn id="31" fill="hold">
-                      <p:stCondLst>
-                        <p:cond delay="indefinite"/>
-                      </p:stCondLst>
-                      <p:childTnLst>
-                        <p:par>
-                          <p:cTn id="32" fill="hold">
-                            <p:stCondLst>
-                              <p:cond delay="0"/>
-                            </p:stCondLst>
-                            <p:childTnLst>
-                              <p:par>
-                                <p:cTn id="33" presetID="1" presetClass="entr" presetSubtype="0" fill="hold" nodeType="clickEffect">
-                                  <p:stCondLst>
-                                    <p:cond delay="0"/>
-                                  </p:stCondLst>
-                                  <p:childTnLst>
-                                    <p:set>
-                                      <p:cBhvr>
-                                        <p:cTn id="34" dur="1" fill="hold">
-                                          <p:stCondLst>
-                                            <p:cond delay="0"/>
-                                          </p:stCondLst>
-                                        </p:cTn>
-                                        <p:tgtEl>
-                                          <p:spTgt spid="113">
-                                            <p:txEl>
-                                              <p:pRg st="7" end="7"/>
-                                            </p:txEl>
-                                          </p:spTgt>
-                                        </p:tgtEl>
-                                        <p:attrNameLst>
-                                          <p:attrName>style.visibility</p:attrName>
-                                        </p:attrNameLst>
-                                      </p:cBhvr>
-                                      <p:to>
-                                        <p:strVal val="visible"/>
-                                      </p:to>
-                                    </p:set>
-                                  </p:childTnLst>
-                                </p:cTn>
-                              </p:par>
-                            </p:childTnLst>
-                          </p:cTn>
-                        </p:par>
-                      </p:childTnLst>
-                    </p:cTn>
-                  </p:par>
-                  <p:par>
-                    <p:cTn id="35" fill="hold">
-                      <p:stCondLst>
-                        <p:cond delay="indefinite"/>
-                      </p:stCondLst>
-                      <p:childTnLst>
-                        <p:par>
-                          <p:cTn id="36" fill="hold">
-                            <p:stCondLst>
-                              <p:cond delay="0"/>
-                            </p:stCondLst>
-                            <p:childTnLst>
-                              <p:par>
-                                <p:cTn id="37" presetID="1" presetClass="entr" presetSubtype="0" fill="hold" nodeType="clickEffect">
-                                  <p:stCondLst>
-                                    <p:cond delay="0"/>
-                                  </p:stCondLst>
-                                  <p:childTnLst>
-                                    <p:set>
-                                      <p:cBhvr>
-                                        <p:cTn id="38" dur="1" fill="hold">
-                                          <p:stCondLst>
-                                            <p:cond delay="0"/>
-                                          </p:stCondLst>
-                                        </p:cTn>
-                                        <p:tgtEl>
-                                          <p:spTgt spid="113">
-                                            <p:txEl>
-                                              <p:pRg st="8" end="8"/>
-                                            </p:txEl>
-                                          </p:spTgt>
-                                        </p:tgtEl>
-                                        <p:attrNameLst>
-                                          <p:attrName>style.visibility</p:attrName>
-                                        </p:attrNameLst>
-                                      </p:cBhvr>
-                                      <p:to>
-                                        <p:strVal val="visible"/>
-                                      </p:to>
-                                    </p:set>
-                                  </p:childTnLst>
-                                </p:cTn>
-                              </p:par>
-                            </p:childTnLst>
-                          </p:cTn>
-                        </p:par>
-                      </p:childTnLst>
-                    </p:cTn>
-                  </p:par>
-                </p:childTnLst>
-              </p:cTn>
-              <p:prevCondLst>
-                <p:cond evt="onPrev" delay="0">
-                  <p:tgtEl>
-                    <p:sldTgt/>
-                  </p:tgtEl>
-                </p:cond>
-              </p:prevCondLst>
-              <p:nextCondLst>
-                <p:cond evt="onNext" delay="0">
-                  <p:tgtEl>
-                    <p:sldTgt/>
-                  </p:tgtEl>
-                </p:cond>
-              </p:nextCondLst>
-            </p:seq>
-          </p:childTnLst>
-        </p:cTn>
-      </p:par>
-    </p:tnLst>
-  </p:timing>
 </p:sld>
 </file>
 
@@ -7585,379 +6447,6 @@
   <p:clrMapOvr>
     <a:masterClrMapping/>
   </p:clrMapOvr>
-  <p:timing>
-    <p:tnLst>
-      <p:par>
-        <p:cTn id="1" dur="indefinite" restart="never" nodeType="tmRoot">
-          <p:childTnLst>
-            <p:seq concurrent="1" nextAc="seek">
-              <p:cTn id="2" dur="indefinite" nodeType="mainSeq">
-                <p:childTnLst>
-                  <p:par>
-                    <p:cTn id="3" fill="hold">
-                      <p:stCondLst>
-                        <p:cond delay="indefinite"/>
-                      </p:stCondLst>
-                      <p:childTnLst>
-                        <p:par>
-                          <p:cTn id="4" fill="hold">
-                            <p:stCondLst>
-                              <p:cond delay="0"/>
-                            </p:stCondLst>
-                            <p:childTnLst>
-                              <p:par>
-                                <p:cTn id="5" presetID="1" presetClass="entr" presetSubtype="0" fill="hold" nodeType="clickEffect">
-                                  <p:stCondLst>
-                                    <p:cond delay="0"/>
-                                  </p:stCondLst>
-                                  <p:childTnLst>
-                                    <p:set>
-                                      <p:cBhvr>
-                                        <p:cTn id="6" dur="1" fill="hold">
-                                          <p:stCondLst>
-                                            <p:cond delay="0"/>
-                                          </p:stCondLst>
-                                        </p:cTn>
-                                        <p:tgtEl>
-                                          <p:spTgt spid="3">
-                                            <p:txEl>
-                                              <p:pRg st="0" end="0"/>
-                                            </p:txEl>
-                                          </p:spTgt>
-                                        </p:tgtEl>
-                                        <p:attrNameLst>
-                                          <p:attrName>style.visibility</p:attrName>
-                                        </p:attrNameLst>
-                                      </p:cBhvr>
-                                      <p:to>
-                                        <p:strVal val="visible"/>
-                                      </p:to>
-                                    </p:set>
-                                  </p:childTnLst>
-                                </p:cTn>
-                              </p:par>
-                            </p:childTnLst>
-                          </p:cTn>
-                        </p:par>
-                      </p:childTnLst>
-                    </p:cTn>
-                  </p:par>
-                  <p:par>
-                    <p:cTn id="7" fill="hold">
-                      <p:stCondLst>
-                        <p:cond delay="indefinite"/>
-                      </p:stCondLst>
-                      <p:childTnLst>
-                        <p:par>
-                          <p:cTn id="8" fill="hold">
-                            <p:stCondLst>
-                              <p:cond delay="0"/>
-                            </p:stCondLst>
-                            <p:childTnLst>
-                              <p:par>
-                                <p:cTn id="9" presetID="1" presetClass="entr" presetSubtype="0" fill="hold" nodeType="clickEffect">
-                                  <p:stCondLst>
-                                    <p:cond delay="0"/>
-                                  </p:stCondLst>
-                                  <p:childTnLst>
-                                    <p:set>
-                                      <p:cBhvr>
-                                        <p:cTn id="10" dur="1" fill="hold">
-                                          <p:stCondLst>
-                                            <p:cond delay="0"/>
-                                          </p:stCondLst>
-                                        </p:cTn>
-                                        <p:tgtEl>
-                                          <p:spTgt spid="3">
-                                            <p:txEl>
-                                              <p:pRg st="1" end="1"/>
-                                            </p:txEl>
-                                          </p:spTgt>
-                                        </p:tgtEl>
-                                        <p:attrNameLst>
-                                          <p:attrName>style.visibility</p:attrName>
-                                        </p:attrNameLst>
-                                      </p:cBhvr>
-                                      <p:to>
-                                        <p:strVal val="visible"/>
-                                      </p:to>
-                                    </p:set>
-                                  </p:childTnLst>
-                                </p:cTn>
-                              </p:par>
-                            </p:childTnLst>
-                          </p:cTn>
-                        </p:par>
-                      </p:childTnLst>
-                    </p:cTn>
-                  </p:par>
-                  <p:par>
-                    <p:cTn id="11" fill="hold">
-                      <p:stCondLst>
-                        <p:cond delay="indefinite"/>
-                      </p:stCondLst>
-                      <p:childTnLst>
-                        <p:par>
-                          <p:cTn id="12" fill="hold">
-                            <p:stCondLst>
-                              <p:cond delay="0"/>
-                            </p:stCondLst>
-                            <p:childTnLst>
-                              <p:par>
-                                <p:cTn id="13" presetID="1" presetClass="entr" presetSubtype="0" fill="hold" nodeType="clickEffect">
-                                  <p:stCondLst>
-                                    <p:cond delay="0"/>
-                                  </p:stCondLst>
-                                  <p:childTnLst>
-                                    <p:set>
-                                      <p:cBhvr>
-                                        <p:cTn id="14" dur="1" fill="hold">
-                                          <p:stCondLst>
-                                            <p:cond delay="0"/>
-                                          </p:stCondLst>
-                                        </p:cTn>
-                                        <p:tgtEl>
-                                          <p:spTgt spid="3">
-                                            <p:txEl>
-                                              <p:pRg st="2" end="2"/>
-                                            </p:txEl>
-                                          </p:spTgt>
-                                        </p:tgtEl>
-                                        <p:attrNameLst>
-                                          <p:attrName>style.visibility</p:attrName>
-                                        </p:attrNameLst>
-                                      </p:cBhvr>
-                                      <p:to>
-                                        <p:strVal val="visible"/>
-                                      </p:to>
-                                    </p:set>
-                                  </p:childTnLst>
-                                </p:cTn>
-                              </p:par>
-                            </p:childTnLst>
-                          </p:cTn>
-                        </p:par>
-                      </p:childTnLst>
-                    </p:cTn>
-                  </p:par>
-                  <p:par>
-                    <p:cTn id="15" fill="hold">
-                      <p:stCondLst>
-                        <p:cond delay="indefinite"/>
-                      </p:stCondLst>
-                      <p:childTnLst>
-                        <p:par>
-                          <p:cTn id="16" fill="hold">
-                            <p:stCondLst>
-                              <p:cond delay="0"/>
-                            </p:stCondLst>
-                            <p:childTnLst>
-                              <p:par>
-                                <p:cTn id="17" presetID="1" presetClass="entr" presetSubtype="0" fill="hold" nodeType="clickEffect">
-                                  <p:stCondLst>
-                                    <p:cond delay="0"/>
-                                  </p:stCondLst>
-                                  <p:childTnLst>
-                                    <p:set>
-                                      <p:cBhvr>
-                                        <p:cTn id="18" dur="1" fill="hold">
-                                          <p:stCondLst>
-                                            <p:cond delay="0"/>
-                                          </p:stCondLst>
-                                        </p:cTn>
-                                        <p:tgtEl>
-                                          <p:spTgt spid="3">
-                                            <p:txEl>
-                                              <p:pRg st="3" end="3"/>
-                                            </p:txEl>
-                                          </p:spTgt>
-                                        </p:tgtEl>
-                                        <p:attrNameLst>
-                                          <p:attrName>style.visibility</p:attrName>
-                                        </p:attrNameLst>
-                                      </p:cBhvr>
-                                      <p:to>
-                                        <p:strVal val="visible"/>
-                                      </p:to>
-                                    </p:set>
-                                  </p:childTnLst>
-                                </p:cTn>
-                              </p:par>
-                            </p:childTnLst>
-                          </p:cTn>
-                        </p:par>
-                      </p:childTnLst>
-                    </p:cTn>
-                  </p:par>
-                  <p:par>
-                    <p:cTn id="19" fill="hold">
-                      <p:stCondLst>
-                        <p:cond delay="indefinite"/>
-                      </p:stCondLst>
-                      <p:childTnLst>
-                        <p:par>
-                          <p:cTn id="20" fill="hold">
-                            <p:stCondLst>
-                              <p:cond delay="0"/>
-                            </p:stCondLst>
-                            <p:childTnLst>
-                              <p:par>
-                                <p:cTn id="21" presetID="1" presetClass="entr" presetSubtype="0" fill="hold" nodeType="clickEffect">
-                                  <p:stCondLst>
-                                    <p:cond delay="0"/>
-                                  </p:stCondLst>
-                                  <p:childTnLst>
-                                    <p:set>
-                                      <p:cBhvr>
-                                        <p:cTn id="22" dur="1" fill="hold">
-                                          <p:stCondLst>
-                                            <p:cond delay="0"/>
-                                          </p:stCondLst>
-                                        </p:cTn>
-                                        <p:tgtEl>
-                                          <p:spTgt spid="3">
-                                            <p:txEl>
-                                              <p:pRg st="4" end="4"/>
-                                            </p:txEl>
-                                          </p:spTgt>
-                                        </p:tgtEl>
-                                        <p:attrNameLst>
-                                          <p:attrName>style.visibility</p:attrName>
-                                        </p:attrNameLst>
-                                      </p:cBhvr>
-                                      <p:to>
-                                        <p:strVal val="visible"/>
-                                      </p:to>
-                                    </p:set>
-                                  </p:childTnLst>
-                                </p:cTn>
-                              </p:par>
-                            </p:childTnLst>
-                          </p:cTn>
-                        </p:par>
-                      </p:childTnLst>
-                    </p:cTn>
-                  </p:par>
-                  <p:par>
-                    <p:cTn id="23" fill="hold">
-                      <p:stCondLst>
-                        <p:cond delay="indefinite"/>
-                      </p:stCondLst>
-                      <p:childTnLst>
-                        <p:par>
-                          <p:cTn id="24" fill="hold">
-                            <p:stCondLst>
-                              <p:cond delay="0"/>
-                            </p:stCondLst>
-                            <p:childTnLst>
-                              <p:par>
-                                <p:cTn id="25" presetID="1" presetClass="entr" presetSubtype="0" fill="hold" nodeType="clickEffect">
-                                  <p:stCondLst>
-                                    <p:cond delay="0"/>
-                                  </p:stCondLst>
-                                  <p:childTnLst>
-                                    <p:set>
-                                      <p:cBhvr>
-                                        <p:cTn id="26" dur="1" fill="hold">
-                                          <p:stCondLst>
-                                            <p:cond delay="0"/>
-                                          </p:stCondLst>
-                                        </p:cTn>
-                                        <p:tgtEl>
-                                          <p:spTgt spid="3">
-                                            <p:txEl>
-                                              <p:pRg st="5" end="5"/>
-                                            </p:txEl>
-                                          </p:spTgt>
-                                        </p:tgtEl>
-                                        <p:attrNameLst>
-                                          <p:attrName>style.visibility</p:attrName>
-                                        </p:attrNameLst>
-                                      </p:cBhvr>
-                                      <p:to>
-                                        <p:strVal val="visible"/>
-                                      </p:to>
-                                    </p:set>
-                                  </p:childTnLst>
-                                </p:cTn>
-                              </p:par>
-                            </p:childTnLst>
-                          </p:cTn>
-                        </p:par>
-                      </p:childTnLst>
-                    </p:cTn>
-                  </p:par>
-                  <p:par>
-                    <p:cTn id="27" fill="hold">
-                      <p:stCondLst>
-                        <p:cond delay="indefinite"/>
-                      </p:stCondLst>
-                      <p:childTnLst>
-                        <p:par>
-                          <p:cTn id="28" fill="hold">
-                            <p:stCondLst>
-                              <p:cond delay="0"/>
-                            </p:stCondLst>
-                            <p:childTnLst>
-                              <p:par>
-                                <p:cTn id="29" presetID="1" presetClass="entr" presetSubtype="0" fill="hold" nodeType="clickEffect">
-                                  <p:stCondLst>
-                                    <p:cond delay="0"/>
-                                  </p:stCondLst>
-                                  <p:childTnLst>
-                                    <p:set>
-                                      <p:cBhvr>
-                                        <p:cTn id="30" dur="1" fill="hold">
-                                          <p:stCondLst>
-                                            <p:cond delay="0"/>
-                                          </p:stCondLst>
-                                        </p:cTn>
-                                        <p:tgtEl>
-                                          <p:spTgt spid="3">
-                                            <p:txEl>
-                                              <p:pRg st="6" end="6"/>
-                                            </p:txEl>
-                                          </p:spTgt>
-                                        </p:tgtEl>
-                                        <p:attrNameLst>
-                                          <p:attrName>style.visibility</p:attrName>
-                                        </p:attrNameLst>
-                                      </p:cBhvr>
-                                      <p:to>
-                                        <p:strVal val="visible"/>
-                                      </p:to>
-                                    </p:set>
-                                  </p:childTnLst>
-                                </p:cTn>
-                              </p:par>
-                            </p:childTnLst>
-                          </p:cTn>
-                        </p:par>
-                      </p:childTnLst>
-                    </p:cTn>
-                  </p:par>
-                </p:childTnLst>
-              </p:cTn>
-              <p:prevCondLst>
-                <p:cond evt="onPrev" delay="0">
-                  <p:tgtEl>
-                    <p:sldTgt/>
-                  </p:tgtEl>
-                </p:cond>
-              </p:prevCondLst>
-              <p:nextCondLst>
-                <p:cond evt="onNext" delay="0">
-                  <p:tgtEl>
-                    <p:sldTgt/>
-                  </p:tgtEl>
-                </p:cond>
-              </p:nextCondLst>
-            </p:seq>
-          </p:childTnLst>
-        </p:cTn>
-      </p:par>
-    </p:tnLst>
-  </p:timing>
 </p:sld>
 </file>
 
@@ -9303,942 +7792,6 @@
   <p:clrMapOvr>
     <a:masterClrMapping/>
   </p:clrMapOvr>
-  <p:timing>
-    <p:tnLst>
-      <p:par>
-        <p:cTn id="1" dur="indefinite" restart="never" nodeType="tmRoot">
-          <p:childTnLst>
-            <p:seq concurrent="1" nextAc="seek">
-              <p:cTn id="2" dur="indefinite" nodeType="mainSeq">
-                <p:childTnLst>
-                  <p:par>
-                    <p:cTn id="3" fill="hold">
-                      <p:stCondLst>
-                        <p:cond delay="indefinite"/>
-                      </p:stCondLst>
-                      <p:childTnLst>
-                        <p:par>
-                          <p:cTn id="4" fill="hold">
-                            <p:stCondLst>
-                              <p:cond delay="0"/>
-                            </p:stCondLst>
-                            <p:childTnLst>
-                              <p:par>
-                                <p:cTn id="5" presetID="1" presetClass="entr" presetSubtype="0" fill="hold" grpId="0" nodeType="clickEffect">
-                                  <p:stCondLst>
-                                    <p:cond delay="0"/>
-                                  </p:stCondLst>
-                                  <p:childTnLst>
-                                    <p:set>
-                                      <p:cBhvr>
-                                        <p:cTn id="6" dur="1" fill="hold">
-                                          <p:stCondLst>
-                                            <p:cond delay="0"/>
-                                          </p:stCondLst>
-                                        </p:cTn>
-                                        <p:tgtEl>
-                                          <p:spTgt spid="5"/>
-                                        </p:tgtEl>
-                                        <p:attrNameLst>
-                                          <p:attrName>style.visibility</p:attrName>
-                                        </p:attrNameLst>
-                                      </p:cBhvr>
-                                      <p:to>
-                                        <p:strVal val="visible"/>
-                                      </p:to>
-                                    </p:set>
-                                  </p:childTnLst>
-                                </p:cTn>
-                              </p:par>
-                            </p:childTnLst>
-                          </p:cTn>
-                        </p:par>
-                      </p:childTnLst>
-                    </p:cTn>
-                  </p:par>
-                  <p:par>
-                    <p:cTn id="7" fill="hold">
-                      <p:stCondLst>
-                        <p:cond delay="indefinite"/>
-                      </p:stCondLst>
-                      <p:childTnLst>
-                        <p:par>
-                          <p:cTn id="8" fill="hold">
-                            <p:stCondLst>
-                              <p:cond delay="0"/>
-                            </p:stCondLst>
-                            <p:childTnLst>
-                              <p:par>
-                                <p:cTn id="9" presetID="1" presetClass="entr" presetSubtype="0" fill="hold" grpId="0" nodeType="clickEffect">
-                                  <p:stCondLst>
-                                    <p:cond delay="0"/>
-                                  </p:stCondLst>
-                                  <p:childTnLst>
-                                    <p:set>
-                                      <p:cBhvr>
-                                        <p:cTn id="10" dur="1" fill="hold">
-                                          <p:stCondLst>
-                                            <p:cond delay="0"/>
-                                          </p:stCondLst>
-                                        </p:cTn>
-                                        <p:tgtEl>
-                                          <p:spTgt spid="7"/>
-                                        </p:tgtEl>
-                                        <p:attrNameLst>
-                                          <p:attrName>style.visibility</p:attrName>
-                                        </p:attrNameLst>
-                                      </p:cBhvr>
-                                      <p:to>
-                                        <p:strVal val="visible"/>
-                                      </p:to>
-                                    </p:set>
-                                  </p:childTnLst>
-                                </p:cTn>
-                              </p:par>
-                            </p:childTnLst>
-                          </p:cTn>
-                        </p:par>
-                      </p:childTnLst>
-                    </p:cTn>
-                  </p:par>
-                  <p:par>
-                    <p:cTn id="11" fill="hold">
-                      <p:stCondLst>
-                        <p:cond delay="indefinite"/>
-                      </p:stCondLst>
-                      <p:childTnLst>
-                        <p:par>
-                          <p:cTn id="12" fill="hold">
-                            <p:stCondLst>
-                              <p:cond delay="0"/>
-                            </p:stCondLst>
-                            <p:childTnLst>
-                              <p:par>
-                                <p:cTn id="13" presetID="1" presetClass="entr" presetSubtype="0" fill="hold" nodeType="clickEffect">
-                                  <p:stCondLst>
-                                    <p:cond delay="0"/>
-                                  </p:stCondLst>
-                                  <p:childTnLst>
-                                    <p:set>
-                                      <p:cBhvr>
-                                        <p:cTn id="14" dur="1" fill="hold">
-                                          <p:stCondLst>
-                                            <p:cond delay="0"/>
-                                          </p:stCondLst>
-                                        </p:cTn>
-                                        <p:tgtEl>
-                                          <p:spTgt spid="11"/>
-                                        </p:tgtEl>
-                                        <p:attrNameLst>
-                                          <p:attrName>style.visibility</p:attrName>
-                                        </p:attrNameLst>
-                                      </p:cBhvr>
-                                      <p:to>
-                                        <p:strVal val="visible"/>
-                                      </p:to>
-                                    </p:set>
-                                  </p:childTnLst>
-                                </p:cTn>
-                              </p:par>
-                              <p:par>
-                                <p:cTn id="15" presetID="1" presetClass="entr" presetSubtype="0" fill="hold" grpId="0" nodeType="withEffect">
-                                  <p:stCondLst>
-                                    <p:cond delay="0"/>
-                                  </p:stCondLst>
-                                  <p:childTnLst>
-                                    <p:set>
-                                      <p:cBhvr>
-                                        <p:cTn id="16" dur="1" fill="hold">
-                                          <p:stCondLst>
-                                            <p:cond delay="0"/>
-                                          </p:stCondLst>
-                                        </p:cTn>
-                                        <p:tgtEl>
-                                          <p:spTgt spid="6"/>
-                                        </p:tgtEl>
-                                        <p:attrNameLst>
-                                          <p:attrName>style.visibility</p:attrName>
-                                        </p:attrNameLst>
-                                      </p:cBhvr>
-                                      <p:to>
-                                        <p:strVal val="visible"/>
-                                      </p:to>
-                                    </p:set>
-                                  </p:childTnLst>
-                                </p:cTn>
-                              </p:par>
-                              <p:par>
-                                <p:cTn id="17" presetID="1" presetClass="entr" presetSubtype="0" fill="hold" nodeType="withEffect">
-                                  <p:stCondLst>
-                                    <p:cond delay="0"/>
-                                  </p:stCondLst>
-                                  <p:childTnLst>
-                                    <p:set>
-                                      <p:cBhvr>
-                                        <p:cTn id="18" dur="1" fill="hold">
-                                          <p:stCondLst>
-                                            <p:cond delay="0"/>
-                                          </p:stCondLst>
-                                        </p:cTn>
-                                        <p:tgtEl>
-                                          <p:spTgt spid="14"/>
-                                        </p:tgtEl>
-                                        <p:attrNameLst>
-                                          <p:attrName>style.visibility</p:attrName>
-                                        </p:attrNameLst>
-                                      </p:cBhvr>
-                                      <p:to>
-                                        <p:strVal val="visible"/>
-                                      </p:to>
-                                    </p:set>
-                                  </p:childTnLst>
-                                </p:cTn>
-                              </p:par>
-                            </p:childTnLst>
-                          </p:cTn>
-                        </p:par>
-                      </p:childTnLst>
-                    </p:cTn>
-                  </p:par>
-                  <p:par>
-                    <p:cTn id="19" fill="hold">
-                      <p:stCondLst>
-                        <p:cond delay="indefinite"/>
-                      </p:stCondLst>
-                      <p:childTnLst>
-                        <p:par>
-                          <p:cTn id="20" fill="hold">
-                            <p:stCondLst>
-                              <p:cond delay="0"/>
-                            </p:stCondLst>
-                            <p:childTnLst>
-                              <p:par>
-                                <p:cTn id="21" presetID="1" presetClass="entr" presetSubtype="0" fill="hold" nodeType="clickEffect">
-                                  <p:stCondLst>
-                                    <p:cond delay="0"/>
-                                  </p:stCondLst>
-                                  <p:childTnLst>
-                                    <p:set>
-                                      <p:cBhvr>
-                                        <p:cTn id="22" dur="1" fill="hold">
-                                          <p:stCondLst>
-                                            <p:cond delay="0"/>
-                                          </p:stCondLst>
-                                        </p:cTn>
-                                        <p:tgtEl>
-                                          <p:spTgt spid="23"/>
-                                        </p:tgtEl>
-                                        <p:attrNameLst>
-                                          <p:attrName>style.visibility</p:attrName>
-                                        </p:attrNameLst>
-                                      </p:cBhvr>
-                                      <p:to>
-                                        <p:strVal val="visible"/>
-                                      </p:to>
-                                    </p:set>
-                                  </p:childTnLst>
-                                </p:cTn>
-                              </p:par>
-                              <p:par>
-                                <p:cTn id="23" presetID="1" presetClass="entr" presetSubtype="0" fill="hold" grpId="0" nodeType="withEffect">
-                                  <p:stCondLst>
-                                    <p:cond delay="0"/>
-                                  </p:stCondLst>
-                                  <p:childTnLst>
-                                    <p:set>
-                                      <p:cBhvr>
-                                        <p:cTn id="24" dur="1" fill="hold">
-                                          <p:stCondLst>
-                                            <p:cond delay="0"/>
-                                          </p:stCondLst>
-                                        </p:cTn>
-                                        <p:tgtEl>
-                                          <p:spTgt spid="22"/>
-                                        </p:tgtEl>
-                                        <p:attrNameLst>
-                                          <p:attrName>style.visibility</p:attrName>
-                                        </p:attrNameLst>
-                                      </p:cBhvr>
-                                      <p:to>
-                                        <p:strVal val="visible"/>
-                                      </p:to>
-                                    </p:set>
-                                  </p:childTnLst>
-                                </p:cTn>
-                              </p:par>
-                              <p:par>
-                                <p:cTn id="25" presetID="1" presetClass="entr" presetSubtype="0" fill="hold" nodeType="withEffect">
-                                  <p:stCondLst>
-                                    <p:cond delay="0"/>
-                                  </p:stCondLst>
-                                  <p:childTnLst>
-                                    <p:set>
-                                      <p:cBhvr>
-                                        <p:cTn id="26" dur="1" fill="hold">
-                                          <p:stCondLst>
-                                            <p:cond delay="0"/>
-                                          </p:stCondLst>
-                                        </p:cTn>
-                                        <p:tgtEl>
-                                          <p:spTgt spid="26"/>
-                                        </p:tgtEl>
-                                        <p:attrNameLst>
-                                          <p:attrName>style.visibility</p:attrName>
-                                        </p:attrNameLst>
-                                      </p:cBhvr>
-                                      <p:to>
-                                        <p:strVal val="visible"/>
-                                      </p:to>
-                                    </p:set>
-                                  </p:childTnLst>
-                                </p:cTn>
-                              </p:par>
-                            </p:childTnLst>
-                          </p:cTn>
-                        </p:par>
-                      </p:childTnLst>
-                    </p:cTn>
-                  </p:par>
-                  <p:par>
-                    <p:cTn id="27" fill="hold">
-                      <p:stCondLst>
-                        <p:cond delay="indefinite"/>
-                      </p:stCondLst>
-                      <p:childTnLst>
-                        <p:par>
-                          <p:cTn id="28" fill="hold">
-                            <p:stCondLst>
-                              <p:cond delay="0"/>
-                            </p:stCondLst>
-                            <p:childTnLst>
-                              <p:par>
-                                <p:cTn id="29" presetID="1" presetClass="entr" presetSubtype="0" fill="hold" grpId="0" nodeType="clickEffect">
-                                  <p:stCondLst>
-                                    <p:cond delay="0"/>
-                                  </p:stCondLst>
-                                  <p:childTnLst>
-                                    <p:set>
-                                      <p:cBhvr>
-                                        <p:cTn id="30" dur="1" fill="hold">
-                                          <p:stCondLst>
-                                            <p:cond delay="0"/>
-                                          </p:stCondLst>
-                                        </p:cTn>
-                                        <p:tgtEl>
-                                          <p:spTgt spid="8"/>
-                                        </p:tgtEl>
-                                        <p:attrNameLst>
-                                          <p:attrName>style.visibility</p:attrName>
-                                        </p:attrNameLst>
-                                      </p:cBhvr>
-                                      <p:to>
-                                        <p:strVal val="visible"/>
-                                      </p:to>
-                                    </p:set>
-                                  </p:childTnLst>
-                                </p:cTn>
-                              </p:par>
-                            </p:childTnLst>
-                          </p:cTn>
-                        </p:par>
-                      </p:childTnLst>
-                    </p:cTn>
-                  </p:par>
-                  <p:par>
-                    <p:cTn id="31" fill="hold">
-                      <p:stCondLst>
-                        <p:cond delay="indefinite"/>
-                      </p:stCondLst>
-                      <p:childTnLst>
-                        <p:par>
-                          <p:cTn id="32" fill="hold">
-                            <p:stCondLst>
-                              <p:cond delay="0"/>
-                            </p:stCondLst>
-                            <p:childTnLst>
-                              <p:par>
-                                <p:cTn id="33" presetID="1" presetClass="entr" presetSubtype="0" fill="hold" grpId="0" nodeType="clickEffect">
-                                  <p:stCondLst>
-                                    <p:cond delay="0"/>
-                                  </p:stCondLst>
-                                  <p:childTnLst>
-                                    <p:set>
-                                      <p:cBhvr>
-                                        <p:cTn id="34" dur="1" fill="hold">
-                                          <p:stCondLst>
-                                            <p:cond delay="0"/>
-                                          </p:stCondLst>
-                                        </p:cTn>
-                                        <p:tgtEl>
-                                          <p:spTgt spid="31"/>
-                                        </p:tgtEl>
-                                        <p:attrNameLst>
-                                          <p:attrName>style.visibility</p:attrName>
-                                        </p:attrNameLst>
-                                      </p:cBhvr>
-                                      <p:to>
-                                        <p:strVal val="visible"/>
-                                      </p:to>
-                                    </p:set>
-                                  </p:childTnLst>
-                                </p:cTn>
-                              </p:par>
-                              <p:par>
-                                <p:cTn id="35" presetID="1" presetClass="entr" presetSubtype="0" fill="hold" nodeType="withEffect">
-                                  <p:stCondLst>
-                                    <p:cond delay="0"/>
-                                  </p:stCondLst>
-                                  <p:childTnLst>
-                                    <p:set>
-                                      <p:cBhvr>
-                                        <p:cTn id="36" dur="1" fill="hold">
-                                          <p:stCondLst>
-                                            <p:cond delay="0"/>
-                                          </p:stCondLst>
-                                        </p:cTn>
-                                        <p:tgtEl>
-                                          <p:spTgt spid="37"/>
-                                        </p:tgtEl>
-                                        <p:attrNameLst>
-                                          <p:attrName>style.visibility</p:attrName>
-                                        </p:attrNameLst>
-                                      </p:cBhvr>
-                                      <p:to>
-                                        <p:strVal val="visible"/>
-                                      </p:to>
-                                    </p:set>
-                                  </p:childTnLst>
-                                </p:cTn>
-                              </p:par>
-                              <p:par>
-                                <p:cTn id="37" presetID="1" presetClass="entr" presetSubtype="0" fill="hold" nodeType="withEffect">
-                                  <p:stCondLst>
-                                    <p:cond delay="0"/>
-                                  </p:stCondLst>
-                                  <p:childTnLst>
-                                    <p:set>
-                                      <p:cBhvr>
-                                        <p:cTn id="38" dur="1" fill="hold">
-                                          <p:stCondLst>
-                                            <p:cond delay="0"/>
-                                          </p:stCondLst>
-                                        </p:cTn>
-                                        <p:tgtEl>
-                                          <p:spTgt spid="40"/>
-                                        </p:tgtEl>
-                                        <p:attrNameLst>
-                                          <p:attrName>style.visibility</p:attrName>
-                                        </p:attrNameLst>
-                                      </p:cBhvr>
-                                      <p:to>
-                                        <p:strVal val="visible"/>
-                                      </p:to>
-                                    </p:set>
-                                  </p:childTnLst>
-                                </p:cTn>
-                              </p:par>
-                            </p:childTnLst>
-                          </p:cTn>
-                        </p:par>
-                      </p:childTnLst>
-                    </p:cTn>
-                  </p:par>
-                  <p:par>
-                    <p:cTn id="39" fill="hold">
-                      <p:stCondLst>
-                        <p:cond delay="indefinite"/>
-                      </p:stCondLst>
-                      <p:childTnLst>
-                        <p:par>
-                          <p:cTn id="40" fill="hold">
-                            <p:stCondLst>
-                              <p:cond delay="0"/>
-                            </p:stCondLst>
-                            <p:childTnLst>
-                              <p:par>
-                                <p:cTn id="41" presetID="1" presetClass="entr" presetSubtype="0" fill="hold" nodeType="clickEffect">
-                                  <p:stCondLst>
-                                    <p:cond delay="0"/>
-                                  </p:stCondLst>
-                                  <p:childTnLst>
-                                    <p:set>
-                                      <p:cBhvr>
-                                        <p:cTn id="42" dur="1" fill="hold">
-                                          <p:stCondLst>
-                                            <p:cond delay="0"/>
-                                          </p:stCondLst>
-                                        </p:cTn>
-                                        <p:tgtEl>
-                                          <p:spTgt spid="43"/>
-                                        </p:tgtEl>
-                                        <p:attrNameLst>
-                                          <p:attrName>style.visibility</p:attrName>
-                                        </p:attrNameLst>
-                                      </p:cBhvr>
-                                      <p:to>
-                                        <p:strVal val="visible"/>
-                                      </p:to>
-                                    </p:set>
-                                  </p:childTnLst>
-                                </p:cTn>
-                              </p:par>
-                              <p:par>
-                                <p:cTn id="43" presetID="1" presetClass="entr" presetSubtype="0" fill="hold" grpId="0" nodeType="withEffect">
-                                  <p:stCondLst>
-                                    <p:cond delay="0"/>
-                                  </p:stCondLst>
-                                  <p:childTnLst>
-                                    <p:set>
-                                      <p:cBhvr>
-                                        <p:cTn id="44" dur="1" fill="hold">
-                                          <p:stCondLst>
-                                            <p:cond delay="0"/>
-                                          </p:stCondLst>
-                                        </p:cTn>
-                                        <p:tgtEl>
-                                          <p:spTgt spid="34"/>
-                                        </p:tgtEl>
-                                        <p:attrNameLst>
-                                          <p:attrName>style.visibility</p:attrName>
-                                        </p:attrNameLst>
-                                      </p:cBhvr>
-                                      <p:to>
-                                        <p:strVal val="visible"/>
-                                      </p:to>
-                                    </p:set>
-                                  </p:childTnLst>
-                                </p:cTn>
-                              </p:par>
-                              <p:par>
-                                <p:cTn id="45" presetID="1" presetClass="entr" presetSubtype="0" fill="hold" nodeType="withEffect">
-                                  <p:stCondLst>
-                                    <p:cond delay="0"/>
-                                  </p:stCondLst>
-                                  <p:childTnLst>
-                                    <p:set>
-                                      <p:cBhvr>
-                                        <p:cTn id="46" dur="1" fill="hold">
-                                          <p:stCondLst>
-                                            <p:cond delay="0"/>
-                                          </p:stCondLst>
-                                        </p:cTn>
-                                        <p:tgtEl>
-                                          <p:spTgt spid="49"/>
-                                        </p:tgtEl>
-                                        <p:attrNameLst>
-                                          <p:attrName>style.visibility</p:attrName>
-                                        </p:attrNameLst>
-                                      </p:cBhvr>
-                                      <p:to>
-                                        <p:strVal val="visible"/>
-                                      </p:to>
-                                    </p:set>
-                                  </p:childTnLst>
-                                </p:cTn>
-                              </p:par>
-                            </p:childTnLst>
-                          </p:cTn>
-                        </p:par>
-                      </p:childTnLst>
-                    </p:cTn>
-                  </p:par>
-                  <p:par>
-                    <p:cTn id="47" fill="hold">
-                      <p:stCondLst>
-                        <p:cond delay="indefinite"/>
-                      </p:stCondLst>
-                      <p:childTnLst>
-                        <p:par>
-                          <p:cTn id="48" fill="hold">
-                            <p:stCondLst>
-                              <p:cond delay="0"/>
-                            </p:stCondLst>
-                            <p:childTnLst>
-                              <p:par>
-                                <p:cTn id="49" presetID="1" presetClass="entr" presetSubtype="0" fill="hold" nodeType="clickEffect">
-                                  <p:stCondLst>
-                                    <p:cond delay="0"/>
-                                  </p:stCondLst>
-                                  <p:childTnLst>
-                                    <p:set>
-                                      <p:cBhvr>
-                                        <p:cTn id="50" dur="1" fill="hold">
-                                          <p:stCondLst>
-                                            <p:cond delay="0"/>
-                                          </p:stCondLst>
-                                        </p:cTn>
-                                        <p:tgtEl>
-                                          <p:spTgt spid="52"/>
-                                        </p:tgtEl>
-                                        <p:attrNameLst>
-                                          <p:attrName>style.visibility</p:attrName>
-                                        </p:attrNameLst>
-                                      </p:cBhvr>
-                                      <p:to>
-                                        <p:strVal val="visible"/>
-                                      </p:to>
-                                    </p:set>
-                                  </p:childTnLst>
-                                </p:cTn>
-                              </p:par>
-                              <p:par>
-                                <p:cTn id="51" presetID="1" presetClass="entr" presetSubtype="0" fill="hold" grpId="0" nodeType="withEffect">
-                                  <p:stCondLst>
-                                    <p:cond delay="0"/>
-                                  </p:stCondLst>
-                                  <p:childTnLst>
-                                    <p:set>
-                                      <p:cBhvr>
-                                        <p:cTn id="52" dur="1" fill="hold">
-                                          <p:stCondLst>
-                                            <p:cond delay="0"/>
-                                          </p:stCondLst>
-                                        </p:cTn>
-                                        <p:tgtEl>
-                                          <p:spTgt spid="35"/>
-                                        </p:tgtEl>
-                                        <p:attrNameLst>
-                                          <p:attrName>style.visibility</p:attrName>
-                                        </p:attrNameLst>
-                                      </p:cBhvr>
-                                      <p:to>
-                                        <p:strVal val="visible"/>
-                                      </p:to>
-                                    </p:set>
-                                  </p:childTnLst>
-                                </p:cTn>
-                              </p:par>
-                              <p:par>
-                                <p:cTn id="53" presetID="1" presetClass="entr" presetSubtype="0" fill="hold" nodeType="withEffect">
-                                  <p:stCondLst>
-                                    <p:cond delay="0"/>
-                                  </p:stCondLst>
-                                  <p:childTnLst>
-                                    <p:set>
-                                      <p:cBhvr>
-                                        <p:cTn id="54" dur="1" fill="hold">
-                                          <p:stCondLst>
-                                            <p:cond delay="0"/>
-                                          </p:stCondLst>
-                                        </p:cTn>
-                                        <p:tgtEl>
-                                          <p:spTgt spid="55"/>
-                                        </p:tgtEl>
-                                        <p:attrNameLst>
-                                          <p:attrName>style.visibility</p:attrName>
-                                        </p:attrNameLst>
-                                      </p:cBhvr>
-                                      <p:to>
-                                        <p:strVal val="visible"/>
-                                      </p:to>
-                                    </p:set>
-                                  </p:childTnLst>
-                                </p:cTn>
-                              </p:par>
-                              <p:par>
-                                <p:cTn id="55" presetID="1" presetClass="entr" presetSubtype="0" fill="hold" nodeType="withEffect">
-                                  <p:stCondLst>
-                                    <p:cond delay="0"/>
-                                  </p:stCondLst>
-                                  <p:childTnLst>
-                                    <p:set>
-                                      <p:cBhvr>
-                                        <p:cTn id="56" dur="1" fill="hold">
-                                          <p:stCondLst>
-                                            <p:cond delay="0"/>
-                                          </p:stCondLst>
-                                        </p:cTn>
-                                        <p:tgtEl>
-                                          <p:spTgt spid="58"/>
-                                        </p:tgtEl>
-                                        <p:attrNameLst>
-                                          <p:attrName>style.visibility</p:attrName>
-                                        </p:attrNameLst>
-                                      </p:cBhvr>
-                                      <p:to>
-                                        <p:strVal val="visible"/>
-                                      </p:to>
-                                    </p:set>
-                                  </p:childTnLst>
-                                </p:cTn>
-                              </p:par>
-                              <p:par>
-                                <p:cTn id="57" presetID="1" presetClass="entr" presetSubtype="0" fill="hold" grpId="0" nodeType="withEffect">
-                                  <p:stCondLst>
-                                    <p:cond delay="0"/>
-                                  </p:stCondLst>
-                                  <p:childTnLst>
-                                    <p:set>
-                                      <p:cBhvr>
-                                        <p:cTn id="58" dur="1" fill="hold">
-                                          <p:stCondLst>
-                                            <p:cond delay="0"/>
-                                          </p:stCondLst>
-                                        </p:cTn>
-                                        <p:tgtEl>
-                                          <p:spTgt spid="36"/>
-                                        </p:tgtEl>
-                                        <p:attrNameLst>
-                                          <p:attrName>style.visibility</p:attrName>
-                                        </p:attrNameLst>
-                                      </p:cBhvr>
-                                      <p:to>
-                                        <p:strVal val="visible"/>
-                                      </p:to>
-                                    </p:set>
-                                  </p:childTnLst>
-                                </p:cTn>
-                              </p:par>
-                              <p:par>
-                                <p:cTn id="59" presetID="1" presetClass="entr" presetSubtype="0" fill="hold" nodeType="withEffect">
-                                  <p:stCondLst>
-                                    <p:cond delay="0"/>
-                                  </p:stCondLst>
-                                  <p:childTnLst>
-                                    <p:set>
-                                      <p:cBhvr>
-                                        <p:cTn id="60" dur="1" fill="hold">
-                                          <p:stCondLst>
-                                            <p:cond delay="0"/>
-                                          </p:stCondLst>
-                                        </p:cTn>
-                                        <p:tgtEl>
-                                          <p:spTgt spid="61"/>
-                                        </p:tgtEl>
-                                        <p:attrNameLst>
-                                          <p:attrName>style.visibility</p:attrName>
-                                        </p:attrNameLst>
-                                      </p:cBhvr>
-                                      <p:to>
-                                        <p:strVal val="visible"/>
-                                      </p:to>
-                                    </p:set>
-                                  </p:childTnLst>
-                                </p:cTn>
-                              </p:par>
-                            </p:childTnLst>
-                          </p:cTn>
-                        </p:par>
-                      </p:childTnLst>
-                    </p:cTn>
-                  </p:par>
-                  <p:par>
-                    <p:cTn id="61" fill="hold">
-                      <p:stCondLst>
-                        <p:cond delay="indefinite"/>
-                      </p:stCondLst>
-                      <p:childTnLst>
-                        <p:par>
-                          <p:cTn id="62" fill="hold">
-                            <p:stCondLst>
-                              <p:cond delay="0"/>
-                            </p:stCondLst>
-                            <p:childTnLst>
-                              <p:par>
-                                <p:cTn id="63" presetID="1" presetClass="entr" presetSubtype="0" fill="hold" grpId="0" nodeType="clickEffect">
-                                  <p:stCondLst>
-                                    <p:cond delay="0"/>
-                                  </p:stCondLst>
-                                  <p:childTnLst>
-                                    <p:set>
-                                      <p:cBhvr>
-                                        <p:cTn id="64" dur="1" fill="hold">
-                                          <p:stCondLst>
-                                            <p:cond delay="0"/>
-                                          </p:stCondLst>
-                                        </p:cTn>
-                                        <p:tgtEl>
-                                          <p:spTgt spid="65"/>
-                                        </p:tgtEl>
-                                        <p:attrNameLst>
-                                          <p:attrName>style.visibility</p:attrName>
-                                        </p:attrNameLst>
-                                      </p:cBhvr>
-                                      <p:to>
-                                        <p:strVal val="visible"/>
-                                      </p:to>
-                                    </p:set>
-                                  </p:childTnLst>
-                                </p:cTn>
-                              </p:par>
-                            </p:childTnLst>
-                          </p:cTn>
-                        </p:par>
-                      </p:childTnLst>
-                    </p:cTn>
-                  </p:par>
-                  <p:par>
-                    <p:cTn id="65" fill="hold">
-                      <p:stCondLst>
-                        <p:cond delay="indefinite"/>
-                      </p:stCondLst>
-                      <p:childTnLst>
-                        <p:par>
-                          <p:cTn id="66" fill="hold">
-                            <p:stCondLst>
-                              <p:cond delay="0"/>
-                            </p:stCondLst>
-                            <p:childTnLst>
-                              <p:par>
-                                <p:cTn id="67" presetID="1" presetClass="entr" presetSubtype="0" fill="hold" grpId="0" nodeType="clickEffect">
-                                  <p:stCondLst>
-                                    <p:cond delay="0"/>
-                                  </p:stCondLst>
-                                  <p:childTnLst>
-                                    <p:set>
-                                      <p:cBhvr>
-                                        <p:cTn id="68" dur="1" fill="hold">
-                                          <p:stCondLst>
-                                            <p:cond delay="0"/>
-                                          </p:stCondLst>
-                                        </p:cTn>
-                                        <p:tgtEl>
-                                          <p:spTgt spid="66"/>
-                                        </p:tgtEl>
-                                        <p:attrNameLst>
-                                          <p:attrName>style.visibility</p:attrName>
-                                        </p:attrNameLst>
-                                      </p:cBhvr>
-                                      <p:to>
-                                        <p:strVal val="visible"/>
-                                      </p:to>
-                                    </p:set>
-                                  </p:childTnLst>
-                                </p:cTn>
-                              </p:par>
-                            </p:childTnLst>
-                          </p:cTn>
-                        </p:par>
-                      </p:childTnLst>
-                    </p:cTn>
-                  </p:par>
-                  <p:par>
-                    <p:cTn id="69" fill="hold">
-                      <p:stCondLst>
-                        <p:cond delay="indefinite"/>
-                      </p:stCondLst>
-                      <p:childTnLst>
-                        <p:par>
-                          <p:cTn id="70" fill="hold">
-                            <p:stCondLst>
-                              <p:cond delay="0"/>
-                            </p:stCondLst>
-                            <p:childTnLst>
-                              <p:par>
-                                <p:cTn id="71" presetID="1" presetClass="entr" presetSubtype="0" fill="hold" grpId="0" nodeType="clickEffect">
-                                  <p:stCondLst>
-                                    <p:cond delay="0"/>
-                                  </p:stCondLst>
-                                  <p:childTnLst>
-                                    <p:set>
-                                      <p:cBhvr>
-                                        <p:cTn id="72" dur="1" fill="hold">
-                                          <p:stCondLst>
-                                            <p:cond delay="0"/>
-                                          </p:stCondLst>
-                                        </p:cTn>
-                                        <p:tgtEl>
-                                          <p:spTgt spid="67"/>
-                                        </p:tgtEl>
-                                        <p:attrNameLst>
-                                          <p:attrName>style.visibility</p:attrName>
-                                        </p:attrNameLst>
-                                      </p:cBhvr>
-                                      <p:to>
-                                        <p:strVal val="visible"/>
-                                      </p:to>
-                                    </p:set>
-                                  </p:childTnLst>
-                                </p:cTn>
-                              </p:par>
-                            </p:childTnLst>
-                          </p:cTn>
-                        </p:par>
-                      </p:childTnLst>
-                    </p:cTn>
-                  </p:par>
-                  <p:par>
-                    <p:cTn id="73" fill="hold">
-                      <p:stCondLst>
-                        <p:cond delay="indefinite"/>
-                      </p:stCondLst>
-                      <p:childTnLst>
-                        <p:par>
-                          <p:cTn id="74" fill="hold">
-                            <p:stCondLst>
-                              <p:cond delay="0"/>
-                            </p:stCondLst>
-                            <p:childTnLst>
-                              <p:par>
-                                <p:cTn id="75" presetID="1" presetClass="entr" presetSubtype="0" fill="hold" grpId="0" nodeType="clickEffect">
-                                  <p:stCondLst>
-                                    <p:cond delay="0"/>
-                                  </p:stCondLst>
-                                  <p:childTnLst>
-                                    <p:set>
-                                      <p:cBhvr>
-                                        <p:cTn id="76" dur="1" fill="hold">
-                                          <p:stCondLst>
-                                            <p:cond delay="0"/>
-                                          </p:stCondLst>
-                                        </p:cTn>
-                                        <p:tgtEl>
-                                          <p:spTgt spid="68"/>
-                                        </p:tgtEl>
-                                        <p:attrNameLst>
-                                          <p:attrName>style.visibility</p:attrName>
-                                        </p:attrNameLst>
-                                      </p:cBhvr>
-                                      <p:to>
-                                        <p:strVal val="visible"/>
-                                      </p:to>
-                                    </p:set>
-                                  </p:childTnLst>
-                                </p:cTn>
-                              </p:par>
-                            </p:childTnLst>
-                          </p:cTn>
-                        </p:par>
-                      </p:childTnLst>
-                    </p:cTn>
-                  </p:par>
-                </p:childTnLst>
-              </p:cTn>
-              <p:prevCondLst>
-                <p:cond evt="onPrev" delay="0">
-                  <p:tgtEl>
-                    <p:sldTgt/>
-                  </p:tgtEl>
-                </p:cond>
-              </p:prevCondLst>
-              <p:nextCondLst>
-                <p:cond evt="onNext" delay="0">
-                  <p:tgtEl>
-                    <p:sldTgt/>
-                  </p:tgtEl>
-                </p:cond>
-              </p:nextCondLst>
-            </p:seq>
-          </p:childTnLst>
-        </p:cTn>
-      </p:par>
-    </p:tnLst>
-    <p:bldLst>
-      <p:bldP spid="5" grpId="0" animBg="1"/>
-      <p:bldP spid="6" grpId="0" animBg="1"/>
-      <p:bldP spid="7" grpId="0" animBg="1"/>
-      <p:bldP spid="8" grpId="0" animBg="1"/>
-      <p:bldP spid="22" grpId="0" animBg="1"/>
-      <p:bldP spid="31" grpId="0" animBg="1"/>
-      <p:bldP spid="34" grpId="0" animBg="1"/>
-      <p:bldP spid="35" grpId="0" animBg="1"/>
-      <p:bldP spid="36" grpId="0" animBg="1"/>
-      <p:bldP spid="65" grpId="0" animBg="1"/>
-      <p:bldP spid="66" grpId="0" animBg="1"/>
-      <p:bldP spid="67" grpId="0" animBg="1"/>
-      <p:bldP spid="68" grpId="0" animBg="1"/>
-    </p:bldLst>
-  </p:timing>
 </p:sld>
 </file>
 
@@ -10387,240 +7940,6 @@
   <p:clrMapOvr>
     <a:masterClrMapping/>
   </p:clrMapOvr>
-  <p:timing>
-    <p:tnLst>
-      <p:par>
-        <p:cTn id="1" dur="indefinite" restart="never" nodeType="tmRoot">
-          <p:childTnLst>
-            <p:seq concurrent="1" nextAc="seek">
-              <p:cTn id="2" dur="indefinite" nodeType="mainSeq">
-                <p:childTnLst>
-                  <p:par>
-                    <p:cTn id="3" fill="hold">
-                      <p:stCondLst>
-                        <p:cond delay="indefinite"/>
-                      </p:stCondLst>
-                      <p:childTnLst>
-                        <p:par>
-                          <p:cTn id="4" fill="hold">
-                            <p:stCondLst>
-                              <p:cond delay="0"/>
-                            </p:stCondLst>
-                            <p:childTnLst>
-                              <p:par>
-                                <p:cTn id="5" presetID="1" presetClass="entr" presetSubtype="0" fill="hold" nodeType="clickEffect">
-                                  <p:stCondLst>
-                                    <p:cond delay="0"/>
-                                  </p:stCondLst>
-                                  <p:childTnLst>
-                                    <p:set>
-                                      <p:cBhvr>
-                                        <p:cTn id="6" dur="1" fill="hold">
-                                          <p:stCondLst>
-                                            <p:cond delay="0"/>
-                                          </p:stCondLst>
-                                        </p:cTn>
-                                        <p:tgtEl>
-                                          <p:spTgt spid="3">
-                                            <p:txEl>
-                                              <p:pRg st="0" end="0"/>
-                                            </p:txEl>
-                                          </p:spTgt>
-                                        </p:tgtEl>
-                                        <p:attrNameLst>
-                                          <p:attrName>style.visibility</p:attrName>
-                                        </p:attrNameLst>
-                                      </p:cBhvr>
-                                      <p:to>
-                                        <p:strVal val="visible"/>
-                                      </p:to>
-                                    </p:set>
-                                  </p:childTnLst>
-                                </p:cTn>
-                              </p:par>
-                              <p:par>
-                                <p:cTn id="7" presetID="1" presetClass="entr" presetSubtype="0" fill="hold" nodeType="withEffect">
-                                  <p:stCondLst>
-                                    <p:cond delay="0"/>
-                                  </p:stCondLst>
-                                  <p:childTnLst>
-                                    <p:set>
-                                      <p:cBhvr>
-                                        <p:cTn id="8" dur="1" fill="hold">
-                                          <p:stCondLst>
-                                            <p:cond delay="0"/>
-                                          </p:stCondLst>
-                                        </p:cTn>
-                                        <p:tgtEl>
-                                          <p:spTgt spid="3">
-                                            <p:txEl>
-                                              <p:pRg st="1" end="1"/>
-                                            </p:txEl>
-                                          </p:spTgt>
-                                        </p:tgtEl>
-                                        <p:attrNameLst>
-                                          <p:attrName>style.visibility</p:attrName>
-                                        </p:attrNameLst>
-                                      </p:cBhvr>
-                                      <p:to>
-                                        <p:strVal val="visible"/>
-                                      </p:to>
-                                    </p:set>
-                                  </p:childTnLst>
-                                </p:cTn>
-                              </p:par>
-                              <p:par>
-                                <p:cTn id="9" presetID="1" presetClass="entr" presetSubtype="0" fill="hold" nodeType="withEffect">
-                                  <p:stCondLst>
-                                    <p:cond delay="0"/>
-                                  </p:stCondLst>
-                                  <p:childTnLst>
-                                    <p:set>
-                                      <p:cBhvr>
-                                        <p:cTn id="10" dur="1" fill="hold">
-                                          <p:stCondLst>
-                                            <p:cond delay="0"/>
-                                          </p:stCondLst>
-                                        </p:cTn>
-                                        <p:tgtEl>
-                                          <p:spTgt spid="3">
-                                            <p:txEl>
-                                              <p:pRg st="2" end="2"/>
-                                            </p:txEl>
-                                          </p:spTgt>
-                                        </p:tgtEl>
-                                        <p:attrNameLst>
-                                          <p:attrName>style.visibility</p:attrName>
-                                        </p:attrNameLst>
-                                      </p:cBhvr>
-                                      <p:to>
-                                        <p:strVal val="visible"/>
-                                      </p:to>
-                                    </p:set>
-                                  </p:childTnLst>
-                                </p:cTn>
-                              </p:par>
-                              <p:par>
-                                <p:cTn id="11" presetID="1" presetClass="entr" presetSubtype="0" fill="hold" nodeType="withEffect">
-                                  <p:stCondLst>
-                                    <p:cond delay="0"/>
-                                  </p:stCondLst>
-                                  <p:childTnLst>
-                                    <p:set>
-                                      <p:cBhvr>
-                                        <p:cTn id="12" dur="1" fill="hold">
-                                          <p:stCondLst>
-                                            <p:cond delay="0"/>
-                                          </p:stCondLst>
-                                        </p:cTn>
-                                        <p:tgtEl>
-                                          <p:spTgt spid="3">
-                                            <p:txEl>
-                                              <p:pRg st="3" end="3"/>
-                                            </p:txEl>
-                                          </p:spTgt>
-                                        </p:tgtEl>
-                                        <p:attrNameLst>
-                                          <p:attrName>style.visibility</p:attrName>
-                                        </p:attrNameLst>
-                                      </p:cBhvr>
-                                      <p:to>
-                                        <p:strVal val="visible"/>
-                                      </p:to>
-                                    </p:set>
-                                  </p:childTnLst>
-                                </p:cTn>
-                              </p:par>
-                              <p:par>
-                                <p:cTn id="13" presetID="1" presetClass="entr" presetSubtype="0" fill="hold" nodeType="withEffect">
-                                  <p:stCondLst>
-                                    <p:cond delay="0"/>
-                                  </p:stCondLst>
-                                  <p:childTnLst>
-                                    <p:set>
-                                      <p:cBhvr>
-                                        <p:cTn id="14" dur="1" fill="hold">
-                                          <p:stCondLst>
-                                            <p:cond delay="0"/>
-                                          </p:stCondLst>
-                                        </p:cTn>
-                                        <p:tgtEl>
-                                          <p:spTgt spid="3">
-                                            <p:txEl>
-                                              <p:pRg st="4" end="4"/>
-                                            </p:txEl>
-                                          </p:spTgt>
-                                        </p:tgtEl>
-                                        <p:attrNameLst>
-                                          <p:attrName>style.visibility</p:attrName>
-                                        </p:attrNameLst>
-                                      </p:cBhvr>
-                                      <p:to>
-                                        <p:strVal val="visible"/>
-                                      </p:to>
-                                    </p:set>
-                                  </p:childTnLst>
-                                </p:cTn>
-                              </p:par>
-                              <p:par>
-                                <p:cTn id="15" presetID="1" presetClass="entr" presetSubtype="0" fill="hold" nodeType="withEffect">
-                                  <p:stCondLst>
-                                    <p:cond delay="0"/>
-                                  </p:stCondLst>
-                                  <p:childTnLst>
-                                    <p:set>
-                                      <p:cBhvr>
-                                        <p:cTn id="16" dur="1" fill="hold">
-                                          <p:stCondLst>
-                                            <p:cond delay="0"/>
-                                          </p:stCondLst>
-                                        </p:cTn>
-                                        <p:tgtEl>
-                                          <p:spTgt spid="3">
-                                            <p:txEl>
-                                              <p:pRg st="5" end="5"/>
-                                            </p:txEl>
-                                          </p:spTgt>
-                                        </p:tgtEl>
-                                        <p:attrNameLst>
-                                          <p:attrName>style.visibility</p:attrName>
-                                        </p:attrNameLst>
-                                      </p:cBhvr>
-                                      <p:to>
-                                        <p:strVal val="visible"/>
-                                      </p:to>
-                                    </p:set>
-                                  </p:childTnLst>
-                                </p:cTn>
-                              </p:par>
-                            </p:childTnLst>
-                          </p:cTn>
-                        </p:par>
-                      </p:childTnLst>
-                    </p:cTn>
-                  </p:par>
-                </p:childTnLst>
-              </p:cTn>
-              <p:prevCondLst>
-                <p:cond evt="onPrev" delay="0">
-                  <p:tgtEl>
-                    <p:sldTgt/>
-                  </p:tgtEl>
-                </p:cond>
-              </p:prevCondLst>
-              <p:nextCondLst>
-                <p:cond evt="onNext" delay="0">
-                  <p:tgtEl>
-                    <p:sldTgt/>
-                  </p:tgtEl>
-                </p:cond>
-              </p:nextCondLst>
-            </p:seq>
-          </p:childTnLst>
-        </p:cTn>
-      </p:par>
-    </p:tnLst>
-  </p:timing>
 </p:sld>
 </file>
 
@@ -11071,134 +8390,6 @@
   <p:clrMapOvr>
     <a:masterClrMapping/>
   </p:clrMapOvr>
-  <p:timing>
-    <p:tnLst>
-      <p:par>
-        <p:cTn id="1" dur="indefinite" restart="never" nodeType="tmRoot">
-          <p:childTnLst>
-            <p:seq concurrent="1" nextAc="seek">
-              <p:cTn id="2" dur="indefinite" nodeType="mainSeq">
-                <p:childTnLst>
-                  <p:par>
-                    <p:cTn id="3" fill="hold">
-                      <p:stCondLst>
-                        <p:cond delay="indefinite"/>
-                      </p:stCondLst>
-                      <p:childTnLst>
-                        <p:par>
-                          <p:cTn id="4" fill="hold">
-                            <p:stCondLst>
-                              <p:cond delay="0"/>
-                            </p:stCondLst>
-                            <p:childTnLst>
-                              <p:par>
-                                <p:cTn id="5" presetID="1" presetClass="entr" presetSubtype="0" fill="hold" nodeType="clickEffect">
-                                  <p:stCondLst>
-                                    <p:cond delay="0"/>
-                                  </p:stCondLst>
-                                  <p:childTnLst>
-                                    <p:set>
-                                      <p:cBhvr>
-                                        <p:cTn id="6" dur="1" fill="hold">
-                                          <p:stCondLst>
-                                            <p:cond delay="0"/>
-                                          </p:stCondLst>
-                                        </p:cTn>
-                                        <p:tgtEl>
-                                          <p:spTgt spid="3">
-                                            <p:txEl>
-                                              <p:pRg st="0" end="0"/>
-                                            </p:txEl>
-                                          </p:spTgt>
-                                        </p:tgtEl>
-                                        <p:attrNameLst>
-                                          <p:attrName>style.visibility</p:attrName>
-                                        </p:attrNameLst>
-                                      </p:cBhvr>
-                                      <p:to>
-                                        <p:strVal val="visible"/>
-                                      </p:to>
-                                    </p:set>
-                                  </p:childTnLst>
-                                </p:cTn>
-                              </p:par>
-                            </p:childTnLst>
-                          </p:cTn>
-                        </p:par>
-                      </p:childTnLst>
-                    </p:cTn>
-                  </p:par>
-                  <p:par>
-                    <p:cTn id="7" fill="hold">
-                      <p:stCondLst>
-                        <p:cond delay="indefinite"/>
-                      </p:stCondLst>
-                      <p:childTnLst>
-                        <p:par>
-                          <p:cTn id="8" fill="hold">
-                            <p:stCondLst>
-                              <p:cond delay="0"/>
-                            </p:stCondLst>
-                            <p:childTnLst>
-                              <p:par>
-                                <p:cTn id="9" presetID="1" presetClass="entr" presetSubtype="0" fill="hold" nodeType="clickEffect">
-                                  <p:stCondLst>
-                                    <p:cond delay="0"/>
-                                  </p:stCondLst>
-                                  <p:childTnLst>
-                                    <p:set>
-                                      <p:cBhvr>
-                                        <p:cTn id="10" dur="1" fill="hold">
-                                          <p:stCondLst>
-                                            <p:cond delay="0"/>
-                                          </p:stCondLst>
-                                        </p:cTn>
-                                        <p:tgtEl>
-                                          <p:spTgt spid="3">
-                                            <p:txEl>
-                                              <p:pRg st="1" end="1"/>
-                                            </p:txEl>
-                                          </p:spTgt>
-                                        </p:tgtEl>
-                                        <p:attrNameLst>
-                                          <p:attrName>style.visibility</p:attrName>
-                                        </p:attrNameLst>
-                                      </p:cBhvr>
-                                      <p:to>
-                                        <p:strVal val="visible"/>
-                                      </p:to>
-                                    </p:set>
-                                  </p:childTnLst>
-                                </p:cTn>
-                              </p:par>
-                            </p:childTnLst>
-                          </p:cTn>
-                        </p:par>
-                      </p:childTnLst>
-                    </p:cTn>
-                  </p:par>
-                </p:childTnLst>
-              </p:cTn>
-              <p:prevCondLst>
-                <p:cond evt="onPrev" delay="0">
-                  <p:tgtEl>
-                    <p:sldTgt/>
-                  </p:tgtEl>
-                </p:cond>
-              </p:prevCondLst>
-              <p:nextCondLst>
-                <p:cond evt="onNext" delay="0">
-                  <p:tgtEl>
-                    <p:sldTgt/>
-                  </p:tgtEl>
-                </p:cond>
-              </p:nextCondLst>
-            </p:seq>
-          </p:childTnLst>
-        </p:cTn>
-      </p:par>
-    </p:tnLst>
-  </p:timing>
 </p:sld>
 </file>
 
@@ -11362,428 +8553,6 @@
   <p:clrMapOvr>
     <a:masterClrMapping/>
   </p:clrMapOvr>
-  <p:timing>
-    <p:tnLst>
-      <p:par>
-        <p:cTn id="1" dur="indefinite" restart="never" nodeType="tmRoot">
-          <p:childTnLst>
-            <p:seq concurrent="1" nextAc="seek">
-              <p:cTn id="2" dur="indefinite" nodeType="mainSeq">
-                <p:childTnLst>
-                  <p:par>
-                    <p:cTn id="3" fill="hold">
-                      <p:stCondLst>
-                        <p:cond delay="indefinite"/>
-                      </p:stCondLst>
-                      <p:childTnLst>
-                        <p:par>
-                          <p:cTn id="4" fill="hold">
-                            <p:stCondLst>
-                              <p:cond delay="0"/>
-                            </p:stCondLst>
-                            <p:childTnLst>
-                              <p:par>
-                                <p:cTn id="5" presetID="1" presetClass="entr" presetSubtype="0" fill="hold" nodeType="clickEffect">
-                                  <p:stCondLst>
-                                    <p:cond delay="0"/>
-                                  </p:stCondLst>
-                                  <p:childTnLst>
-                                    <p:set>
-                                      <p:cBhvr>
-                                        <p:cTn id="6" dur="1" fill="hold">
-                                          <p:stCondLst>
-                                            <p:cond delay="0"/>
-                                          </p:stCondLst>
-                                        </p:cTn>
-                                        <p:tgtEl>
-                                          <p:spTgt spid="3">
-                                            <p:txEl>
-                                              <p:pRg st="0" end="0"/>
-                                            </p:txEl>
-                                          </p:spTgt>
-                                        </p:tgtEl>
-                                        <p:attrNameLst>
-                                          <p:attrName>style.visibility</p:attrName>
-                                        </p:attrNameLst>
-                                      </p:cBhvr>
-                                      <p:to>
-                                        <p:strVal val="visible"/>
-                                      </p:to>
-                                    </p:set>
-                                  </p:childTnLst>
-                                </p:cTn>
-                              </p:par>
-                            </p:childTnLst>
-                          </p:cTn>
-                        </p:par>
-                      </p:childTnLst>
-                    </p:cTn>
-                  </p:par>
-                  <p:par>
-                    <p:cTn id="7" fill="hold">
-                      <p:stCondLst>
-                        <p:cond delay="indefinite"/>
-                      </p:stCondLst>
-                      <p:childTnLst>
-                        <p:par>
-                          <p:cTn id="8" fill="hold">
-                            <p:stCondLst>
-                              <p:cond delay="0"/>
-                            </p:stCondLst>
-                            <p:childTnLst>
-                              <p:par>
-                                <p:cTn id="9" presetID="1" presetClass="entr" presetSubtype="0" fill="hold" nodeType="clickEffect">
-                                  <p:stCondLst>
-                                    <p:cond delay="0"/>
-                                  </p:stCondLst>
-                                  <p:childTnLst>
-                                    <p:set>
-                                      <p:cBhvr>
-                                        <p:cTn id="10" dur="1" fill="hold">
-                                          <p:stCondLst>
-                                            <p:cond delay="0"/>
-                                          </p:stCondLst>
-                                        </p:cTn>
-                                        <p:tgtEl>
-                                          <p:spTgt spid="3">
-                                            <p:txEl>
-                                              <p:pRg st="1" end="1"/>
-                                            </p:txEl>
-                                          </p:spTgt>
-                                        </p:tgtEl>
-                                        <p:attrNameLst>
-                                          <p:attrName>style.visibility</p:attrName>
-                                        </p:attrNameLst>
-                                      </p:cBhvr>
-                                      <p:to>
-                                        <p:strVal val="visible"/>
-                                      </p:to>
-                                    </p:set>
-                                  </p:childTnLst>
-                                </p:cTn>
-                              </p:par>
-                            </p:childTnLst>
-                          </p:cTn>
-                        </p:par>
-                      </p:childTnLst>
-                    </p:cTn>
-                  </p:par>
-                  <p:par>
-                    <p:cTn id="11" fill="hold">
-                      <p:stCondLst>
-                        <p:cond delay="indefinite"/>
-                      </p:stCondLst>
-                      <p:childTnLst>
-                        <p:par>
-                          <p:cTn id="12" fill="hold">
-                            <p:stCondLst>
-                              <p:cond delay="0"/>
-                            </p:stCondLst>
-                            <p:childTnLst>
-                              <p:par>
-                                <p:cTn id="13" presetID="1" presetClass="entr" presetSubtype="0" fill="hold" nodeType="clickEffect">
-                                  <p:stCondLst>
-                                    <p:cond delay="0"/>
-                                  </p:stCondLst>
-                                  <p:childTnLst>
-                                    <p:set>
-                                      <p:cBhvr>
-                                        <p:cTn id="14" dur="1" fill="hold">
-                                          <p:stCondLst>
-                                            <p:cond delay="0"/>
-                                          </p:stCondLst>
-                                        </p:cTn>
-                                        <p:tgtEl>
-                                          <p:spTgt spid="3">
-                                            <p:txEl>
-                                              <p:pRg st="2" end="2"/>
-                                            </p:txEl>
-                                          </p:spTgt>
-                                        </p:tgtEl>
-                                        <p:attrNameLst>
-                                          <p:attrName>style.visibility</p:attrName>
-                                        </p:attrNameLst>
-                                      </p:cBhvr>
-                                      <p:to>
-                                        <p:strVal val="visible"/>
-                                      </p:to>
-                                    </p:set>
-                                  </p:childTnLst>
-                                </p:cTn>
-                              </p:par>
-                            </p:childTnLst>
-                          </p:cTn>
-                        </p:par>
-                      </p:childTnLst>
-                    </p:cTn>
-                  </p:par>
-                  <p:par>
-                    <p:cTn id="15" fill="hold">
-                      <p:stCondLst>
-                        <p:cond delay="indefinite"/>
-                      </p:stCondLst>
-                      <p:childTnLst>
-                        <p:par>
-                          <p:cTn id="16" fill="hold">
-                            <p:stCondLst>
-                              <p:cond delay="0"/>
-                            </p:stCondLst>
-                            <p:childTnLst>
-                              <p:par>
-                                <p:cTn id="17" presetID="1" presetClass="entr" presetSubtype="0" fill="hold" nodeType="clickEffect">
-                                  <p:stCondLst>
-                                    <p:cond delay="0"/>
-                                  </p:stCondLst>
-                                  <p:childTnLst>
-                                    <p:set>
-                                      <p:cBhvr>
-                                        <p:cTn id="18" dur="1" fill="hold">
-                                          <p:stCondLst>
-                                            <p:cond delay="0"/>
-                                          </p:stCondLst>
-                                        </p:cTn>
-                                        <p:tgtEl>
-                                          <p:spTgt spid="3">
-                                            <p:txEl>
-                                              <p:pRg st="3" end="3"/>
-                                            </p:txEl>
-                                          </p:spTgt>
-                                        </p:tgtEl>
-                                        <p:attrNameLst>
-                                          <p:attrName>style.visibility</p:attrName>
-                                        </p:attrNameLst>
-                                      </p:cBhvr>
-                                      <p:to>
-                                        <p:strVal val="visible"/>
-                                      </p:to>
-                                    </p:set>
-                                  </p:childTnLst>
-                                </p:cTn>
-                              </p:par>
-                            </p:childTnLst>
-                          </p:cTn>
-                        </p:par>
-                      </p:childTnLst>
-                    </p:cTn>
-                  </p:par>
-                  <p:par>
-                    <p:cTn id="19" fill="hold">
-                      <p:stCondLst>
-                        <p:cond delay="indefinite"/>
-                      </p:stCondLst>
-                      <p:childTnLst>
-                        <p:par>
-                          <p:cTn id="20" fill="hold">
-                            <p:stCondLst>
-                              <p:cond delay="0"/>
-                            </p:stCondLst>
-                            <p:childTnLst>
-                              <p:par>
-                                <p:cTn id="21" presetID="1" presetClass="entr" presetSubtype="0" fill="hold" nodeType="clickEffect">
-                                  <p:stCondLst>
-                                    <p:cond delay="0"/>
-                                  </p:stCondLst>
-                                  <p:childTnLst>
-                                    <p:set>
-                                      <p:cBhvr>
-                                        <p:cTn id="22" dur="1" fill="hold">
-                                          <p:stCondLst>
-                                            <p:cond delay="0"/>
-                                          </p:stCondLst>
-                                        </p:cTn>
-                                        <p:tgtEl>
-                                          <p:spTgt spid="3">
-                                            <p:txEl>
-                                              <p:pRg st="4" end="4"/>
-                                            </p:txEl>
-                                          </p:spTgt>
-                                        </p:tgtEl>
-                                        <p:attrNameLst>
-                                          <p:attrName>style.visibility</p:attrName>
-                                        </p:attrNameLst>
-                                      </p:cBhvr>
-                                      <p:to>
-                                        <p:strVal val="visible"/>
-                                      </p:to>
-                                    </p:set>
-                                  </p:childTnLst>
-                                </p:cTn>
-                              </p:par>
-                            </p:childTnLst>
-                          </p:cTn>
-                        </p:par>
-                      </p:childTnLst>
-                    </p:cTn>
-                  </p:par>
-                  <p:par>
-                    <p:cTn id="23" fill="hold">
-                      <p:stCondLst>
-                        <p:cond delay="indefinite"/>
-                      </p:stCondLst>
-                      <p:childTnLst>
-                        <p:par>
-                          <p:cTn id="24" fill="hold">
-                            <p:stCondLst>
-                              <p:cond delay="0"/>
-                            </p:stCondLst>
-                            <p:childTnLst>
-                              <p:par>
-                                <p:cTn id="25" presetID="1" presetClass="entr" presetSubtype="0" fill="hold" nodeType="clickEffect">
-                                  <p:stCondLst>
-                                    <p:cond delay="0"/>
-                                  </p:stCondLst>
-                                  <p:childTnLst>
-                                    <p:set>
-                                      <p:cBhvr>
-                                        <p:cTn id="26" dur="1" fill="hold">
-                                          <p:stCondLst>
-                                            <p:cond delay="0"/>
-                                          </p:stCondLst>
-                                        </p:cTn>
-                                        <p:tgtEl>
-                                          <p:spTgt spid="3">
-                                            <p:txEl>
-                                              <p:pRg st="5" end="5"/>
-                                            </p:txEl>
-                                          </p:spTgt>
-                                        </p:tgtEl>
-                                        <p:attrNameLst>
-                                          <p:attrName>style.visibility</p:attrName>
-                                        </p:attrNameLst>
-                                      </p:cBhvr>
-                                      <p:to>
-                                        <p:strVal val="visible"/>
-                                      </p:to>
-                                    </p:set>
-                                  </p:childTnLst>
-                                </p:cTn>
-                              </p:par>
-                            </p:childTnLst>
-                          </p:cTn>
-                        </p:par>
-                      </p:childTnLst>
-                    </p:cTn>
-                  </p:par>
-                  <p:par>
-                    <p:cTn id="27" fill="hold">
-                      <p:stCondLst>
-                        <p:cond delay="indefinite"/>
-                      </p:stCondLst>
-                      <p:childTnLst>
-                        <p:par>
-                          <p:cTn id="28" fill="hold">
-                            <p:stCondLst>
-                              <p:cond delay="0"/>
-                            </p:stCondLst>
-                            <p:childTnLst>
-                              <p:par>
-                                <p:cTn id="29" presetID="1" presetClass="entr" presetSubtype="0" fill="hold" nodeType="clickEffect">
-                                  <p:stCondLst>
-                                    <p:cond delay="0"/>
-                                  </p:stCondLst>
-                                  <p:childTnLst>
-                                    <p:set>
-                                      <p:cBhvr>
-                                        <p:cTn id="30" dur="1" fill="hold">
-                                          <p:stCondLst>
-                                            <p:cond delay="0"/>
-                                          </p:stCondLst>
-                                        </p:cTn>
-                                        <p:tgtEl>
-                                          <p:spTgt spid="3">
-                                            <p:txEl>
-                                              <p:pRg st="6" end="6"/>
-                                            </p:txEl>
-                                          </p:spTgt>
-                                        </p:tgtEl>
-                                        <p:attrNameLst>
-                                          <p:attrName>style.visibility</p:attrName>
-                                        </p:attrNameLst>
-                                      </p:cBhvr>
-                                      <p:to>
-                                        <p:strVal val="visible"/>
-                                      </p:to>
-                                    </p:set>
-                                  </p:childTnLst>
-                                </p:cTn>
-                              </p:par>
-                            </p:childTnLst>
-                          </p:cTn>
-                        </p:par>
-                      </p:childTnLst>
-                    </p:cTn>
-                  </p:par>
-                  <p:par>
-                    <p:cTn id="31" fill="hold">
-                      <p:stCondLst>
-                        <p:cond delay="indefinite"/>
-                      </p:stCondLst>
-                      <p:childTnLst>
-                        <p:par>
-                          <p:cTn id="32" fill="hold">
-                            <p:stCondLst>
-                              <p:cond delay="0"/>
-                            </p:stCondLst>
-                            <p:childTnLst>
-                              <p:par>
-                                <p:cTn id="33" presetID="1" presetClass="entr" presetSubtype="0" fill="hold" nodeType="clickEffect">
-                                  <p:stCondLst>
-                                    <p:cond delay="0"/>
-                                  </p:stCondLst>
-                                  <p:childTnLst>
-                                    <p:set>
-                                      <p:cBhvr>
-                                        <p:cTn id="34" dur="1" fill="hold">
-                                          <p:stCondLst>
-                                            <p:cond delay="0"/>
-                                          </p:stCondLst>
-                                        </p:cTn>
-                                        <p:tgtEl>
-                                          <p:spTgt spid="3">
-                                            <p:txEl>
-                                              <p:pRg st="7" end="7"/>
-                                            </p:txEl>
-                                          </p:spTgt>
-                                        </p:tgtEl>
-                                        <p:attrNameLst>
-                                          <p:attrName>style.visibility</p:attrName>
-                                        </p:attrNameLst>
-                                      </p:cBhvr>
-                                      <p:to>
-                                        <p:strVal val="visible"/>
-                                      </p:to>
-                                    </p:set>
-                                  </p:childTnLst>
-                                </p:cTn>
-                              </p:par>
-                            </p:childTnLst>
-                          </p:cTn>
-                        </p:par>
-                      </p:childTnLst>
-                    </p:cTn>
-                  </p:par>
-                </p:childTnLst>
-              </p:cTn>
-              <p:prevCondLst>
-                <p:cond evt="onPrev" delay="0">
-                  <p:tgtEl>
-                    <p:sldTgt/>
-                  </p:tgtEl>
-                </p:cond>
-              </p:prevCondLst>
-              <p:nextCondLst>
-                <p:cond evt="onNext" delay="0">
-                  <p:tgtEl>
-                    <p:sldTgt/>
-                  </p:tgtEl>
-                </p:cond>
-              </p:nextCondLst>
-            </p:seq>
-          </p:childTnLst>
-        </p:cTn>
-      </p:par>
-    </p:tnLst>
-  </p:timing>
 </p:sld>
 </file>
 
@@ -12712,668 +9481,6 @@
   <p:clrMapOvr>
     <a:masterClrMapping/>
   </p:clrMapOvr>
-  <p:timing>
-    <p:tnLst>
-      <p:par>
-        <p:cTn id="1" dur="indefinite" restart="never" nodeType="tmRoot">
-          <p:childTnLst>
-            <p:seq concurrent="1" nextAc="seek">
-              <p:cTn id="2" dur="indefinite" nodeType="mainSeq">
-                <p:childTnLst>
-                  <p:par>
-                    <p:cTn id="3" fill="hold">
-                      <p:stCondLst>
-                        <p:cond delay="indefinite"/>
-                      </p:stCondLst>
-                      <p:childTnLst>
-                        <p:par>
-                          <p:cTn id="4" fill="hold">
-                            <p:stCondLst>
-                              <p:cond delay="0"/>
-                            </p:stCondLst>
-                            <p:childTnLst>
-                              <p:par>
-                                <p:cTn id="5" presetID="1" presetClass="entr" presetSubtype="0" fill="hold" grpId="0" nodeType="clickEffect">
-                                  <p:stCondLst>
-                                    <p:cond delay="0"/>
-                                  </p:stCondLst>
-                                  <p:childTnLst>
-                                    <p:set>
-                                      <p:cBhvr>
-                                        <p:cTn id="6" dur="1" fill="hold">
-                                          <p:stCondLst>
-                                            <p:cond delay="0"/>
-                                          </p:stCondLst>
-                                        </p:cTn>
-                                        <p:tgtEl>
-                                          <p:spTgt spid="7"/>
-                                        </p:tgtEl>
-                                        <p:attrNameLst>
-                                          <p:attrName>style.visibility</p:attrName>
-                                        </p:attrNameLst>
-                                      </p:cBhvr>
-                                      <p:to>
-                                        <p:strVal val="visible"/>
-                                      </p:to>
-                                    </p:set>
-                                  </p:childTnLst>
-                                </p:cTn>
-                              </p:par>
-                            </p:childTnLst>
-                          </p:cTn>
-                        </p:par>
-                      </p:childTnLst>
-                    </p:cTn>
-                  </p:par>
-                  <p:par>
-                    <p:cTn id="7" fill="hold">
-                      <p:stCondLst>
-                        <p:cond delay="indefinite"/>
-                      </p:stCondLst>
-                      <p:childTnLst>
-                        <p:par>
-                          <p:cTn id="8" fill="hold">
-                            <p:stCondLst>
-                              <p:cond delay="0"/>
-                            </p:stCondLst>
-                            <p:childTnLst>
-                              <p:par>
-                                <p:cTn id="9" presetID="1" presetClass="entr" presetSubtype="0" fill="hold" nodeType="clickEffect">
-                                  <p:stCondLst>
-                                    <p:cond delay="0"/>
-                                  </p:stCondLst>
-                                  <p:childTnLst>
-                                    <p:set>
-                                      <p:cBhvr>
-                                        <p:cTn id="10" dur="1" fill="hold">
-                                          <p:stCondLst>
-                                            <p:cond delay="0"/>
-                                          </p:stCondLst>
-                                        </p:cTn>
-                                        <p:tgtEl>
-                                          <p:spTgt spid="14"/>
-                                        </p:tgtEl>
-                                        <p:attrNameLst>
-                                          <p:attrName>style.visibility</p:attrName>
-                                        </p:attrNameLst>
-                                      </p:cBhvr>
-                                      <p:to>
-                                        <p:strVal val="visible"/>
-                                      </p:to>
-                                    </p:set>
-                                  </p:childTnLst>
-                                </p:cTn>
-                              </p:par>
-                              <p:par>
-                                <p:cTn id="11" presetID="1" presetClass="entr" presetSubtype="0" fill="hold" grpId="0" nodeType="withEffect">
-                                  <p:stCondLst>
-                                    <p:cond delay="0"/>
-                                  </p:stCondLst>
-                                  <p:childTnLst>
-                                    <p:set>
-                                      <p:cBhvr>
-                                        <p:cTn id="12" dur="1" fill="hold">
-                                          <p:stCondLst>
-                                            <p:cond delay="0"/>
-                                          </p:stCondLst>
-                                        </p:cTn>
-                                        <p:tgtEl>
-                                          <p:spTgt spid="8"/>
-                                        </p:tgtEl>
-                                        <p:attrNameLst>
-                                          <p:attrName>style.visibility</p:attrName>
-                                        </p:attrNameLst>
-                                      </p:cBhvr>
-                                      <p:to>
-                                        <p:strVal val="visible"/>
-                                      </p:to>
-                                    </p:set>
-                                  </p:childTnLst>
-                                </p:cTn>
-                              </p:par>
-                            </p:childTnLst>
-                          </p:cTn>
-                        </p:par>
-                      </p:childTnLst>
-                    </p:cTn>
-                  </p:par>
-                  <p:par>
-                    <p:cTn id="13" fill="hold">
-                      <p:stCondLst>
-                        <p:cond delay="indefinite"/>
-                      </p:stCondLst>
-                      <p:childTnLst>
-                        <p:par>
-                          <p:cTn id="14" fill="hold">
-                            <p:stCondLst>
-                              <p:cond delay="0"/>
-                            </p:stCondLst>
-                            <p:childTnLst>
-                              <p:par>
-                                <p:cTn id="15" presetID="1" presetClass="entr" presetSubtype="0" fill="hold" grpId="0" nodeType="clickEffect">
-                                  <p:stCondLst>
-                                    <p:cond delay="0"/>
-                                  </p:stCondLst>
-                                  <p:childTnLst>
-                                    <p:set>
-                                      <p:cBhvr>
-                                        <p:cTn id="16" dur="1" fill="hold">
-                                          <p:stCondLst>
-                                            <p:cond delay="0"/>
-                                          </p:stCondLst>
-                                        </p:cTn>
-                                        <p:tgtEl>
-                                          <p:spTgt spid="51"/>
-                                        </p:tgtEl>
-                                        <p:attrNameLst>
-                                          <p:attrName>style.visibility</p:attrName>
-                                        </p:attrNameLst>
-                                      </p:cBhvr>
-                                      <p:to>
-                                        <p:strVal val="visible"/>
-                                      </p:to>
-                                    </p:set>
-                                  </p:childTnLst>
-                                </p:cTn>
-                              </p:par>
-                              <p:par>
-                                <p:cTn id="17" presetID="1" presetClass="entr" presetSubtype="0" fill="hold" nodeType="withEffect">
-                                  <p:stCondLst>
-                                    <p:cond delay="0"/>
-                                  </p:stCondLst>
-                                  <p:childTnLst>
-                                    <p:set>
-                                      <p:cBhvr>
-                                        <p:cTn id="18" dur="1" fill="hold">
-                                          <p:stCondLst>
-                                            <p:cond delay="0"/>
-                                          </p:stCondLst>
-                                        </p:cTn>
-                                        <p:tgtEl>
-                                          <p:spTgt spid="19"/>
-                                        </p:tgtEl>
-                                        <p:attrNameLst>
-                                          <p:attrName>style.visibility</p:attrName>
-                                        </p:attrNameLst>
-                                      </p:cBhvr>
-                                      <p:to>
-                                        <p:strVal val="visible"/>
-                                      </p:to>
-                                    </p:set>
-                                  </p:childTnLst>
-                                </p:cTn>
-                              </p:par>
-                            </p:childTnLst>
-                          </p:cTn>
-                        </p:par>
-                      </p:childTnLst>
-                    </p:cTn>
-                  </p:par>
-                  <p:par>
-                    <p:cTn id="19" fill="hold">
-                      <p:stCondLst>
-                        <p:cond delay="indefinite"/>
-                      </p:stCondLst>
-                      <p:childTnLst>
-                        <p:par>
-                          <p:cTn id="20" fill="hold">
-                            <p:stCondLst>
-                              <p:cond delay="0"/>
-                            </p:stCondLst>
-                            <p:childTnLst>
-                              <p:par>
-                                <p:cTn id="21" presetID="1" presetClass="entr" presetSubtype="0" fill="hold" grpId="0" nodeType="clickEffect">
-                                  <p:stCondLst>
-                                    <p:cond delay="0"/>
-                                  </p:stCondLst>
-                                  <p:childTnLst>
-                                    <p:set>
-                                      <p:cBhvr>
-                                        <p:cTn id="22" dur="1" fill="hold">
-                                          <p:stCondLst>
-                                            <p:cond delay="0"/>
-                                          </p:stCondLst>
-                                        </p:cTn>
-                                        <p:tgtEl>
-                                          <p:spTgt spid="45"/>
-                                        </p:tgtEl>
-                                        <p:attrNameLst>
-                                          <p:attrName>style.visibility</p:attrName>
-                                        </p:attrNameLst>
-                                      </p:cBhvr>
-                                      <p:to>
-                                        <p:strVal val="visible"/>
-                                      </p:to>
-                                    </p:set>
-                                  </p:childTnLst>
-                                </p:cTn>
-                              </p:par>
-                              <p:par>
-                                <p:cTn id="23" presetID="1" presetClass="entr" presetSubtype="0" fill="hold" nodeType="withEffect">
-                                  <p:stCondLst>
-                                    <p:cond delay="0"/>
-                                  </p:stCondLst>
-                                  <p:childTnLst>
-                                    <p:set>
-                                      <p:cBhvr>
-                                        <p:cTn id="24" dur="1" fill="hold">
-                                          <p:stCondLst>
-                                            <p:cond delay="0"/>
-                                          </p:stCondLst>
-                                        </p:cTn>
-                                        <p:tgtEl>
-                                          <p:spTgt spid="21"/>
-                                        </p:tgtEl>
-                                        <p:attrNameLst>
-                                          <p:attrName>style.visibility</p:attrName>
-                                        </p:attrNameLst>
-                                      </p:cBhvr>
-                                      <p:to>
-                                        <p:strVal val="visible"/>
-                                      </p:to>
-                                    </p:set>
-                                  </p:childTnLst>
-                                </p:cTn>
-                              </p:par>
-                            </p:childTnLst>
-                          </p:cTn>
-                        </p:par>
-                      </p:childTnLst>
-                    </p:cTn>
-                  </p:par>
-                  <p:par>
-                    <p:cTn id="25" fill="hold">
-                      <p:stCondLst>
-                        <p:cond delay="indefinite"/>
-                      </p:stCondLst>
-                      <p:childTnLst>
-                        <p:par>
-                          <p:cTn id="26" fill="hold">
-                            <p:stCondLst>
-                              <p:cond delay="0"/>
-                            </p:stCondLst>
-                            <p:childTnLst>
-                              <p:par>
-                                <p:cTn id="27" presetID="1" presetClass="entr" presetSubtype="0" fill="hold" grpId="0" nodeType="clickEffect">
-                                  <p:stCondLst>
-                                    <p:cond delay="0"/>
-                                  </p:stCondLst>
-                                  <p:childTnLst>
-                                    <p:set>
-                                      <p:cBhvr>
-                                        <p:cTn id="28" dur="1" fill="hold">
-                                          <p:stCondLst>
-                                            <p:cond delay="0"/>
-                                          </p:stCondLst>
-                                        </p:cTn>
-                                        <p:tgtEl>
-                                          <p:spTgt spid="11"/>
-                                        </p:tgtEl>
-                                        <p:attrNameLst>
-                                          <p:attrName>style.visibility</p:attrName>
-                                        </p:attrNameLst>
-                                      </p:cBhvr>
-                                      <p:to>
-                                        <p:strVal val="visible"/>
-                                      </p:to>
-                                    </p:set>
-                                  </p:childTnLst>
-                                </p:cTn>
-                              </p:par>
-                              <p:par>
-                                <p:cTn id="29" presetID="1" presetClass="entr" presetSubtype="0" fill="hold" nodeType="withEffect">
-                                  <p:stCondLst>
-                                    <p:cond delay="0"/>
-                                  </p:stCondLst>
-                                  <p:childTnLst>
-                                    <p:set>
-                                      <p:cBhvr>
-                                        <p:cTn id="30" dur="1" fill="hold">
-                                          <p:stCondLst>
-                                            <p:cond delay="0"/>
-                                          </p:stCondLst>
-                                        </p:cTn>
-                                        <p:tgtEl>
-                                          <p:spTgt spid="16"/>
-                                        </p:tgtEl>
-                                        <p:attrNameLst>
-                                          <p:attrName>style.visibility</p:attrName>
-                                        </p:attrNameLst>
-                                      </p:cBhvr>
-                                      <p:to>
-                                        <p:strVal val="visible"/>
-                                      </p:to>
-                                    </p:set>
-                                  </p:childTnLst>
-                                </p:cTn>
-                              </p:par>
-                            </p:childTnLst>
-                          </p:cTn>
-                        </p:par>
-                      </p:childTnLst>
-                    </p:cTn>
-                  </p:par>
-                  <p:par>
-                    <p:cTn id="31" fill="hold">
-                      <p:stCondLst>
-                        <p:cond delay="indefinite"/>
-                      </p:stCondLst>
-                      <p:childTnLst>
-                        <p:par>
-                          <p:cTn id="32" fill="hold">
-                            <p:stCondLst>
-                              <p:cond delay="0"/>
-                            </p:stCondLst>
-                            <p:childTnLst>
-                              <p:par>
-                                <p:cTn id="33" presetID="1" presetClass="entr" presetSubtype="0" fill="hold" grpId="0" nodeType="clickEffect">
-                                  <p:stCondLst>
-                                    <p:cond delay="0"/>
-                                  </p:stCondLst>
-                                  <p:childTnLst>
-                                    <p:set>
-                                      <p:cBhvr>
-                                        <p:cTn id="34" dur="1" fill="hold">
-                                          <p:stCondLst>
-                                            <p:cond delay="0"/>
-                                          </p:stCondLst>
-                                        </p:cTn>
-                                        <p:tgtEl>
-                                          <p:spTgt spid="52"/>
-                                        </p:tgtEl>
-                                        <p:attrNameLst>
-                                          <p:attrName>style.visibility</p:attrName>
-                                        </p:attrNameLst>
-                                      </p:cBhvr>
-                                      <p:to>
-                                        <p:strVal val="visible"/>
-                                      </p:to>
-                                    </p:set>
-                                  </p:childTnLst>
-                                </p:cTn>
-                              </p:par>
-                              <p:par>
-                                <p:cTn id="35" presetID="1" presetClass="entr" presetSubtype="0" fill="hold" nodeType="withEffect">
-                                  <p:stCondLst>
-                                    <p:cond delay="0"/>
-                                  </p:stCondLst>
-                                  <p:childTnLst>
-                                    <p:set>
-                                      <p:cBhvr>
-                                        <p:cTn id="36" dur="1" fill="hold">
-                                          <p:stCondLst>
-                                            <p:cond delay="0"/>
-                                          </p:stCondLst>
-                                        </p:cTn>
-                                        <p:tgtEl>
-                                          <p:spTgt spid="63"/>
-                                        </p:tgtEl>
-                                        <p:attrNameLst>
-                                          <p:attrName>style.visibility</p:attrName>
-                                        </p:attrNameLst>
-                                      </p:cBhvr>
-                                      <p:to>
-                                        <p:strVal val="visible"/>
-                                      </p:to>
-                                    </p:set>
-                                  </p:childTnLst>
-                                </p:cTn>
-                              </p:par>
-                            </p:childTnLst>
-                          </p:cTn>
-                        </p:par>
-                      </p:childTnLst>
-                    </p:cTn>
-                  </p:par>
-                  <p:par>
-                    <p:cTn id="37" fill="hold">
-                      <p:stCondLst>
-                        <p:cond delay="indefinite"/>
-                      </p:stCondLst>
-                      <p:childTnLst>
-                        <p:par>
-                          <p:cTn id="38" fill="hold">
-                            <p:stCondLst>
-                              <p:cond delay="0"/>
-                            </p:stCondLst>
-                            <p:childTnLst>
-                              <p:par>
-                                <p:cTn id="39" presetID="1" presetClass="entr" presetSubtype="0" fill="hold" grpId="0" nodeType="clickEffect">
-                                  <p:stCondLst>
-                                    <p:cond delay="0"/>
-                                  </p:stCondLst>
-                                  <p:childTnLst>
-                                    <p:set>
-                                      <p:cBhvr>
-                                        <p:cTn id="40" dur="1" fill="hold">
-                                          <p:stCondLst>
-                                            <p:cond delay="0"/>
-                                          </p:stCondLst>
-                                        </p:cTn>
-                                        <p:tgtEl>
-                                          <p:spTgt spid="53"/>
-                                        </p:tgtEl>
-                                        <p:attrNameLst>
-                                          <p:attrName>style.visibility</p:attrName>
-                                        </p:attrNameLst>
-                                      </p:cBhvr>
-                                      <p:to>
-                                        <p:strVal val="visible"/>
-                                      </p:to>
-                                    </p:set>
-                                  </p:childTnLst>
-                                </p:cTn>
-                              </p:par>
-                              <p:par>
-                                <p:cTn id="41" presetID="1" presetClass="entr" presetSubtype="0" fill="hold" nodeType="withEffect">
-                                  <p:stCondLst>
-                                    <p:cond delay="0"/>
-                                  </p:stCondLst>
-                                  <p:childTnLst>
-                                    <p:set>
-                                      <p:cBhvr>
-                                        <p:cTn id="42" dur="1" fill="hold">
-                                          <p:stCondLst>
-                                            <p:cond delay="0"/>
-                                          </p:stCondLst>
-                                        </p:cTn>
-                                        <p:tgtEl>
-                                          <p:spTgt spid="68"/>
-                                        </p:tgtEl>
-                                        <p:attrNameLst>
-                                          <p:attrName>style.visibility</p:attrName>
-                                        </p:attrNameLst>
-                                      </p:cBhvr>
-                                      <p:to>
-                                        <p:strVal val="visible"/>
-                                      </p:to>
-                                    </p:set>
-                                  </p:childTnLst>
-                                </p:cTn>
-                              </p:par>
-                            </p:childTnLst>
-                          </p:cTn>
-                        </p:par>
-                      </p:childTnLst>
-                    </p:cTn>
-                  </p:par>
-                  <p:par>
-                    <p:cTn id="43" fill="hold">
-                      <p:stCondLst>
-                        <p:cond delay="indefinite"/>
-                      </p:stCondLst>
-                      <p:childTnLst>
-                        <p:par>
-                          <p:cTn id="44" fill="hold">
-                            <p:stCondLst>
-                              <p:cond delay="0"/>
-                            </p:stCondLst>
-                            <p:childTnLst>
-                              <p:par>
-                                <p:cTn id="45" presetID="1" presetClass="entr" presetSubtype="0" fill="hold" grpId="0" nodeType="clickEffect">
-                                  <p:stCondLst>
-                                    <p:cond delay="0"/>
-                                  </p:stCondLst>
-                                  <p:childTnLst>
-                                    <p:set>
-                                      <p:cBhvr>
-                                        <p:cTn id="46" dur="1" fill="hold">
-                                          <p:stCondLst>
-                                            <p:cond delay="0"/>
-                                          </p:stCondLst>
-                                        </p:cTn>
-                                        <p:tgtEl>
-                                          <p:spTgt spid="9"/>
-                                        </p:tgtEl>
-                                        <p:attrNameLst>
-                                          <p:attrName>style.visibility</p:attrName>
-                                        </p:attrNameLst>
-                                      </p:cBhvr>
-                                      <p:to>
-                                        <p:strVal val="visible"/>
-                                      </p:to>
-                                    </p:set>
-                                  </p:childTnLst>
-                                </p:cTn>
-                              </p:par>
-                              <p:par>
-                                <p:cTn id="47" presetID="1" presetClass="entr" presetSubtype="0" fill="hold" nodeType="withEffect">
-                                  <p:stCondLst>
-                                    <p:cond delay="0"/>
-                                  </p:stCondLst>
-                                  <p:childTnLst>
-                                    <p:set>
-                                      <p:cBhvr>
-                                        <p:cTn id="48" dur="1" fill="hold">
-                                          <p:stCondLst>
-                                            <p:cond delay="0"/>
-                                          </p:stCondLst>
-                                        </p:cTn>
-                                        <p:tgtEl>
-                                          <p:spTgt spid="15"/>
-                                        </p:tgtEl>
-                                        <p:attrNameLst>
-                                          <p:attrName>style.visibility</p:attrName>
-                                        </p:attrNameLst>
-                                      </p:cBhvr>
-                                      <p:to>
-                                        <p:strVal val="visible"/>
-                                      </p:to>
-                                    </p:set>
-                                  </p:childTnLst>
-                                </p:cTn>
-                              </p:par>
-                            </p:childTnLst>
-                          </p:cTn>
-                        </p:par>
-                      </p:childTnLst>
-                    </p:cTn>
-                  </p:par>
-                  <p:par>
-                    <p:cTn id="49" fill="hold">
-                      <p:stCondLst>
-                        <p:cond delay="indefinite"/>
-                      </p:stCondLst>
-                      <p:childTnLst>
-                        <p:par>
-                          <p:cTn id="50" fill="hold">
-                            <p:stCondLst>
-                              <p:cond delay="0"/>
-                            </p:stCondLst>
-                            <p:childTnLst>
-                              <p:par>
-                                <p:cTn id="51" presetID="1" presetClass="entr" presetSubtype="0" fill="hold" nodeType="clickEffect">
-                                  <p:stCondLst>
-                                    <p:cond delay="0"/>
-                                  </p:stCondLst>
-                                  <p:childTnLst>
-                                    <p:set>
-                                      <p:cBhvr>
-                                        <p:cTn id="52" dur="1" fill="hold">
-                                          <p:stCondLst>
-                                            <p:cond delay="0"/>
-                                          </p:stCondLst>
-                                        </p:cTn>
-                                        <p:tgtEl>
-                                          <p:spTgt spid="17"/>
-                                        </p:tgtEl>
-                                        <p:attrNameLst>
-                                          <p:attrName>style.visibility</p:attrName>
-                                        </p:attrNameLst>
-                                      </p:cBhvr>
-                                      <p:to>
-                                        <p:strVal val="visible"/>
-                                      </p:to>
-                                    </p:set>
-                                  </p:childTnLst>
-                                </p:cTn>
-                              </p:par>
-                              <p:par>
-                                <p:cTn id="53" presetID="1" presetClass="entr" presetSubtype="0" fill="hold" grpId="0" nodeType="withEffect">
-                                  <p:stCondLst>
-                                    <p:cond delay="0"/>
-                                  </p:stCondLst>
-                                  <p:childTnLst>
-                                    <p:set>
-                                      <p:cBhvr>
-                                        <p:cTn id="54" dur="1" fill="hold">
-                                          <p:stCondLst>
-                                            <p:cond delay="0"/>
-                                          </p:stCondLst>
-                                        </p:cTn>
-                                        <p:tgtEl>
-                                          <p:spTgt spid="33"/>
-                                        </p:tgtEl>
-                                        <p:attrNameLst>
-                                          <p:attrName>style.visibility</p:attrName>
-                                        </p:attrNameLst>
-                                      </p:cBhvr>
-                                      <p:to>
-                                        <p:strVal val="visible"/>
-                                      </p:to>
-                                    </p:set>
-                                  </p:childTnLst>
-                                </p:cTn>
-                              </p:par>
-                            </p:childTnLst>
-                          </p:cTn>
-                        </p:par>
-                      </p:childTnLst>
-                    </p:cTn>
-                  </p:par>
-                </p:childTnLst>
-              </p:cTn>
-              <p:prevCondLst>
-                <p:cond evt="onPrev" delay="0">
-                  <p:tgtEl>
-                    <p:sldTgt/>
-                  </p:tgtEl>
-                </p:cond>
-              </p:prevCondLst>
-              <p:nextCondLst>
-                <p:cond evt="onNext" delay="0">
-                  <p:tgtEl>
-                    <p:sldTgt/>
-                  </p:tgtEl>
-                </p:cond>
-              </p:nextCondLst>
-            </p:seq>
-          </p:childTnLst>
-        </p:cTn>
-      </p:par>
-    </p:tnLst>
-    <p:bldLst>
-      <p:bldP spid="7" grpId="0" animBg="1"/>
-      <p:bldP spid="8" grpId="0" animBg="1"/>
-      <p:bldP spid="9" grpId="0" animBg="1"/>
-      <p:bldP spid="11" grpId="0" animBg="1"/>
-      <p:bldP spid="33" grpId="0" animBg="1"/>
-      <p:bldP spid="45" grpId="0" animBg="1"/>
-      <p:bldP spid="51" grpId="0" animBg="1"/>
-      <p:bldP spid="52" grpId="0" animBg="1"/>
-      <p:bldP spid="53" grpId="0" animBg="1"/>
-    </p:bldLst>
-  </p:timing>
 </p:sld>
 </file>
 
@@ -13565,483 +9672,6 @@
   <p:clrMapOvr>
     <a:masterClrMapping/>
   </p:clrMapOvr>
-  <p:timing>
-    <p:tnLst>
-      <p:par>
-        <p:cTn id="1" dur="indefinite" restart="never" nodeType="tmRoot">
-          <p:childTnLst>
-            <p:seq concurrent="1" nextAc="seek">
-              <p:cTn id="2" dur="indefinite" nodeType="mainSeq">
-                <p:childTnLst>
-                  <p:par>
-                    <p:cTn id="3" fill="hold">
-                      <p:stCondLst>
-                        <p:cond delay="indefinite"/>
-                      </p:stCondLst>
-                      <p:childTnLst>
-                        <p:par>
-                          <p:cTn id="4" fill="hold">
-                            <p:stCondLst>
-                              <p:cond delay="0"/>
-                            </p:stCondLst>
-                            <p:childTnLst>
-                              <p:par>
-                                <p:cTn id="5" presetID="1" presetClass="entr" presetSubtype="0" fill="hold" grpId="0" nodeType="clickEffect">
-                                  <p:stCondLst>
-                                    <p:cond delay="0"/>
-                                  </p:stCondLst>
-                                  <p:childTnLst>
-                                    <p:set>
-                                      <p:cBhvr>
-                                        <p:cTn id="6" dur="1" fill="hold">
-                                          <p:stCondLst>
-                                            <p:cond delay="0"/>
-                                          </p:stCondLst>
-                                        </p:cTn>
-                                        <p:tgtEl>
-                                          <p:spTgt spid="3">
-                                            <p:txEl>
-                                              <p:pRg st="0" end="0"/>
-                                            </p:txEl>
-                                          </p:spTgt>
-                                        </p:tgtEl>
-                                        <p:attrNameLst>
-                                          <p:attrName>style.visibility</p:attrName>
-                                        </p:attrNameLst>
-                                      </p:cBhvr>
-                                      <p:to>
-                                        <p:strVal val="visible"/>
-                                      </p:to>
-                                    </p:set>
-                                  </p:childTnLst>
-                                </p:cTn>
-                              </p:par>
-                            </p:childTnLst>
-                          </p:cTn>
-                        </p:par>
-                      </p:childTnLst>
-                    </p:cTn>
-                  </p:par>
-                  <p:par>
-                    <p:cTn id="7" fill="hold">
-                      <p:stCondLst>
-                        <p:cond delay="indefinite"/>
-                      </p:stCondLst>
-                      <p:childTnLst>
-                        <p:par>
-                          <p:cTn id="8" fill="hold">
-                            <p:stCondLst>
-                              <p:cond delay="0"/>
-                            </p:stCondLst>
-                            <p:childTnLst>
-                              <p:par>
-                                <p:cTn id="9" presetID="1" presetClass="entr" presetSubtype="0" fill="hold" grpId="0" nodeType="clickEffect">
-                                  <p:stCondLst>
-                                    <p:cond delay="0"/>
-                                  </p:stCondLst>
-                                  <p:childTnLst>
-                                    <p:set>
-                                      <p:cBhvr>
-                                        <p:cTn id="10" dur="1" fill="hold">
-                                          <p:stCondLst>
-                                            <p:cond delay="0"/>
-                                          </p:stCondLst>
-                                        </p:cTn>
-                                        <p:tgtEl>
-                                          <p:spTgt spid="3">
-                                            <p:txEl>
-                                              <p:pRg st="1" end="1"/>
-                                            </p:txEl>
-                                          </p:spTgt>
-                                        </p:tgtEl>
-                                        <p:attrNameLst>
-                                          <p:attrName>style.visibility</p:attrName>
-                                        </p:attrNameLst>
-                                      </p:cBhvr>
-                                      <p:to>
-                                        <p:strVal val="visible"/>
-                                      </p:to>
-                                    </p:set>
-                                  </p:childTnLst>
-                                </p:cTn>
-                              </p:par>
-                            </p:childTnLst>
-                          </p:cTn>
-                        </p:par>
-                      </p:childTnLst>
-                    </p:cTn>
-                  </p:par>
-                  <p:par>
-                    <p:cTn id="11" fill="hold">
-                      <p:stCondLst>
-                        <p:cond delay="indefinite"/>
-                      </p:stCondLst>
-                      <p:childTnLst>
-                        <p:par>
-                          <p:cTn id="12" fill="hold">
-                            <p:stCondLst>
-                              <p:cond delay="0"/>
-                            </p:stCondLst>
-                            <p:childTnLst>
-                              <p:par>
-                                <p:cTn id="13" presetID="1" presetClass="entr" presetSubtype="0" fill="hold" grpId="0" nodeType="clickEffect">
-                                  <p:stCondLst>
-                                    <p:cond delay="0"/>
-                                  </p:stCondLst>
-                                  <p:childTnLst>
-                                    <p:set>
-                                      <p:cBhvr>
-                                        <p:cTn id="14" dur="1" fill="hold">
-                                          <p:stCondLst>
-                                            <p:cond delay="0"/>
-                                          </p:stCondLst>
-                                        </p:cTn>
-                                        <p:tgtEl>
-                                          <p:spTgt spid="3">
-                                            <p:txEl>
-                                              <p:pRg st="2" end="2"/>
-                                            </p:txEl>
-                                          </p:spTgt>
-                                        </p:tgtEl>
-                                        <p:attrNameLst>
-                                          <p:attrName>style.visibility</p:attrName>
-                                        </p:attrNameLst>
-                                      </p:cBhvr>
-                                      <p:to>
-                                        <p:strVal val="visible"/>
-                                      </p:to>
-                                    </p:set>
-                                  </p:childTnLst>
-                                </p:cTn>
-                              </p:par>
-                              <p:par>
-                                <p:cTn id="15" presetID="1" presetClass="entr" presetSubtype="0" fill="hold" grpId="0" nodeType="withEffect">
-                                  <p:stCondLst>
-                                    <p:cond delay="0"/>
-                                  </p:stCondLst>
-                                  <p:childTnLst>
-                                    <p:set>
-                                      <p:cBhvr>
-                                        <p:cTn id="16" dur="1" fill="hold">
-                                          <p:stCondLst>
-                                            <p:cond delay="0"/>
-                                          </p:stCondLst>
-                                        </p:cTn>
-                                        <p:tgtEl>
-                                          <p:spTgt spid="3">
-                                            <p:txEl>
-                                              <p:pRg st="3" end="3"/>
-                                            </p:txEl>
-                                          </p:spTgt>
-                                        </p:tgtEl>
-                                        <p:attrNameLst>
-                                          <p:attrName>style.visibility</p:attrName>
-                                        </p:attrNameLst>
-                                      </p:cBhvr>
-                                      <p:to>
-                                        <p:strVal val="visible"/>
-                                      </p:to>
-                                    </p:set>
-                                  </p:childTnLst>
-                                </p:cTn>
-                              </p:par>
-                              <p:par>
-                                <p:cTn id="17" presetID="1" presetClass="entr" presetSubtype="0" fill="hold" grpId="0" nodeType="withEffect">
-                                  <p:stCondLst>
-                                    <p:cond delay="0"/>
-                                  </p:stCondLst>
-                                  <p:childTnLst>
-                                    <p:set>
-                                      <p:cBhvr>
-                                        <p:cTn id="18" dur="1" fill="hold">
-                                          <p:stCondLst>
-                                            <p:cond delay="0"/>
-                                          </p:stCondLst>
-                                        </p:cTn>
-                                        <p:tgtEl>
-                                          <p:spTgt spid="3">
-                                            <p:txEl>
-                                              <p:pRg st="4" end="4"/>
-                                            </p:txEl>
-                                          </p:spTgt>
-                                        </p:tgtEl>
-                                        <p:attrNameLst>
-                                          <p:attrName>style.visibility</p:attrName>
-                                        </p:attrNameLst>
-                                      </p:cBhvr>
-                                      <p:to>
-                                        <p:strVal val="visible"/>
-                                      </p:to>
-                                    </p:set>
-                                  </p:childTnLst>
-                                </p:cTn>
-                              </p:par>
-                              <p:par>
-                                <p:cTn id="19" presetID="1" presetClass="entr" presetSubtype="0" fill="hold" grpId="0" nodeType="withEffect">
-                                  <p:stCondLst>
-                                    <p:cond delay="0"/>
-                                  </p:stCondLst>
-                                  <p:childTnLst>
-                                    <p:set>
-                                      <p:cBhvr>
-                                        <p:cTn id="20" dur="1" fill="hold">
-                                          <p:stCondLst>
-                                            <p:cond delay="0"/>
-                                          </p:stCondLst>
-                                        </p:cTn>
-                                        <p:tgtEl>
-                                          <p:spTgt spid="3">
-                                            <p:txEl>
-                                              <p:pRg st="5" end="5"/>
-                                            </p:txEl>
-                                          </p:spTgt>
-                                        </p:tgtEl>
-                                        <p:attrNameLst>
-                                          <p:attrName>style.visibility</p:attrName>
-                                        </p:attrNameLst>
-                                      </p:cBhvr>
-                                      <p:to>
-                                        <p:strVal val="visible"/>
-                                      </p:to>
-                                    </p:set>
-                                  </p:childTnLst>
-                                </p:cTn>
-                              </p:par>
-                              <p:par>
-                                <p:cTn id="21" presetID="1" presetClass="entr" presetSubtype="0" fill="hold" grpId="0" nodeType="withEffect">
-                                  <p:stCondLst>
-                                    <p:cond delay="0"/>
-                                  </p:stCondLst>
-                                  <p:childTnLst>
-                                    <p:set>
-                                      <p:cBhvr>
-                                        <p:cTn id="22" dur="1" fill="hold">
-                                          <p:stCondLst>
-                                            <p:cond delay="0"/>
-                                          </p:stCondLst>
-                                        </p:cTn>
-                                        <p:tgtEl>
-                                          <p:spTgt spid="3">
-                                            <p:txEl>
-                                              <p:pRg st="6" end="6"/>
-                                            </p:txEl>
-                                          </p:spTgt>
-                                        </p:tgtEl>
-                                        <p:attrNameLst>
-                                          <p:attrName>style.visibility</p:attrName>
-                                        </p:attrNameLst>
-                                      </p:cBhvr>
-                                      <p:to>
-                                        <p:strVal val="visible"/>
-                                      </p:to>
-                                    </p:set>
-                                  </p:childTnLst>
-                                </p:cTn>
-                              </p:par>
-                              <p:par>
-                                <p:cTn id="23" presetID="1" presetClass="entr" presetSubtype="0" fill="hold" grpId="0" nodeType="withEffect">
-                                  <p:stCondLst>
-                                    <p:cond delay="0"/>
-                                  </p:stCondLst>
-                                  <p:childTnLst>
-                                    <p:set>
-                                      <p:cBhvr>
-                                        <p:cTn id="24" dur="1" fill="hold">
-                                          <p:stCondLst>
-                                            <p:cond delay="0"/>
-                                          </p:stCondLst>
-                                        </p:cTn>
-                                        <p:tgtEl>
-                                          <p:spTgt spid="3">
-                                            <p:txEl>
-                                              <p:pRg st="7" end="7"/>
-                                            </p:txEl>
-                                          </p:spTgt>
-                                        </p:tgtEl>
-                                        <p:attrNameLst>
-                                          <p:attrName>style.visibility</p:attrName>
-                                        </p:attrNameLst>
-                                      </p:cBhvr>
-                                      <p:to>
-                                        <p:strVal val="visible"/>
-                                      </p:to>
-                                    </p:set>
-                                  </p:childTnLst>
-                                </p:cTn>
-                              </p:par>
-                              <p:par>
-                                <p:cTn id="25" presetID="1" presetClass="entr" presetSubtype="0" fill="hold" grpId="0" nodeType="withEffect">
-                                  <p:stCondLst>
-                                    <p:cond delay="0"/>
-                                  </p:stCondLst>
-                                  <p:childTnLst>
-                                    <p:set>
-                                      <p:cBhvr>
-                                        <p:cTn id="26" dur="1" fill="hold">
-                                          <p:stCondLst>
-                                            <p:cond delay="0"/>
-                                          </p:stCondLst>
-                                        </p:cTn>
-                                        <p:tgtEl>
-                                          <p:spTgt spid="3">
-                                            <p:txEl>
-                                              <p:pRg st="8" end="8"/>
-                                            </p:txEl>
-                                          </p:spTgt>
-                                        </p:tgtEl>
-                                        <p:attrNameLst>
-                                          <p:attrName>style.visibility</p:attrName>
-                                        </p:attrNameLst>
-                                      </p:cBhvr>
-                                      <p:to>
-                                        <p:strVal val="visible"/>
-                                      </p:to>
-                                    </p:set>
-                                  </p:childTnLst>
-                                </p:cTn>
-                              </p:par>
-                            </p:childTnLst>
-                          </p:cTn>
-                        </p:par>
-                      </p:childTnLst>
-                    </p:cTn>
-                  </p:par>
-                  <p:par>
-                    <p:cTn id="27" fill="hold">
-                      <p:stCondLst>
-                        <p:cond delay="indefinite"/>
-                      </p:stCondLst>
-                      <p:childTnLst>
-                        <p:par>
-                          <p:cTn id="28" fill="hold">
-                            <p:stCondLst>
-                              <p:cond delay="0"/>
-                            </p:stCondLst>
-                            <p:childTnLst>
-                              <p:par>
-                                <p:cTn id="29" presetID="1" presetClass="entr" presetSubtype="0" fill="hold" grpId="0" nodeType="clickEffect">
-                                  <p:stCondLst>
-                                    <p:cond delay="0"/>
-                                  </p:stCondLst>
-                                  <p:childTnLst>
-                                    <p:set>
-                                      <p:cBhvr>
-                                        <p:cTn id="30" dur="1" fill="hold">
-                                          <p:stCondLst>
-                                            <p:cond delay="0"/>
-                                          </p:stCondLst>
-                                        </p:cTn>
-                                        <p:tgtEl>
-                                          <p:spTgt spid="3">
-                                            <p:txEl>
-                                              <p:pRg st="9" end="9"/>
-                                            </p:txEl>
-                                          </p:spTgt>
-                                        </p:tgtEl>
-                                        <p:attrNameLst>
-                                          <p:attrName>style.visibility</p:attrName>
-                                        </p:attrNameLst>
-                                      </p:cBhvr>
-                                      <p:to>
-                                        <p:strVal val="visible"/>
-                                      </p:to>
-                                    </p:set>
-                                  </p:childTnLst>
-                                </p:cTn>
-                              </p:par>
-                              <p:par>
-                                <p:cTn id="31" presetID="1" presetClass="entr" presetSubtype="0" fill="hold" grpId="0" nodeType="withEffect">
-                                  <p:stCondLst>
-                                    <p:cond delay="0"/>
-                                  </p:stCondLst>
-                                  <p:childTnLst>
-                                    <p:set>
-                                      <p:cBhvr>
-                                        <p:cTn id="32" dur="1" fill="hold">
-                                          <p:stCondLst>
-                                            <p:cond delay="0"/>
-                                          </p:stCondLst>
-                                        </p:cTn>
-                                        <p:tgtEl>
-                                          <p:spTgt spid="3">
-                                            <p:txEl>
-                                              <p:pRg st="10" end="10"/>
-                                            </p:txEl>
-                                          </p:spTgt>
-                                        </p:tgtEl>
-                                        <p:attrNameLst>
-                                          <p:attrName>style.visibility</p:attrName>
-                                        </p:attrNameLst>
-                                      </p:cBhvr>
-                                      <p:to>
-                                        <p:strVal val="visible"/>
-                                      </p:to>
-                                    </p:set>
-                                  </p:childTnLst>
-                                </p:cTn>
-                              </p:par>
-                              <p:par>
-                                <p:cTn id="33" presetID="1" presetClass="entr" presetSubtype="0" fill="hold" grpId="0" nodeType="withEffect">
-                                  <p:stCondLst>
-                                    <p:cond delay="0"/>
-                                  </p:stCondLst>
-                                  <p:childTnLst>
-                                    <p:set>
-                                      <p:cBhvr>
-                                        <p:cTn id="34" dur="1" fill="hold">
-                                          <p:stCondLst>
-                                            <p:cond delay="0"/>
-                                          </p:stCondLst>
-                                        </p:cTn>
-                                        <p:tgtEl>
-                                          <p:spTgt spid="3">
-                                            <p:txEl>
-                                              <p:pRg st="11" end="11"/>
-                                            </p:txEl>
-                                          </p:spTgt>
-                                        </p:tgtEl>
-                                        <p:attrNameLst>
-                                          <p:attrName>style.visibility</p:attrName>
-                                        </p:attrNameLst>
-                                      </p:cBhvr>
-                                      <p:to>
-                                        <p:strVal val="visible"/>
-                                      </p:to>
-                                    </p:set>
-                                  </p:childTnLst>
-                                </p:cTn>
-                              </p:par>
-                            </p:childTnLst>
-                          </p:cTn>
-                        </p:par>
-                      </p:childTnLst>
-                    </p:cTn>
-                  </p:par>
-                </p:childTnLst>
-              </p:cTn>
-              <p:prevCondLst>
-                <p:cond evt="onPrev" delay="0">
-                  <p:tgtEl>
-                    <p:sldTgt/>
-                  </p:tgtEl>
-                </p:cond>
-              </p:prevCondLst>
-              <p:nextCondLst>
-                <p:cond evt="onNext" delay="0">
-                  <p:tgtEl>
-                    <p:sldTgt/>
-                  </p:tgtEl>
-                </p:cond>
-              </p:nextCondLst>
-            </p:seq>
-          </p:childTnLst>
-        </p:cTn>
-      </p:par>
-    </p:tnLst>
-    <p:bldLst>
-      <p:bldP spid="3" grpId="0" build="p"/>
-    </p:bldLst>
-  </p:timing>
 </p:sld>
 </file>
 
@@ -14863,576 +10493,6 @@
   <p:clrMapOvr>
     <a:masterClrMapping/>
   </p:clrMapOvr>
-  <p:timing>
-    <p:tnLst>
-      <p:par>
-        <p:cTn id="1" dur="indefinite" restart="never" nodeType="tmRoot">
-          <p:childTnLst>
-            <p:seq concurrent="1" nextAc="seek">
-              <p:cTn id="2" dur="indefinite" nodeType="mainSeq">
-                <p:childTnLst>
-                  <p:par>
-                    <p:cTn id="3" fill="hold">
-                      <p:stCondLst>
-                        <p:cond delay="indefinite"/>
-                      </p:stCondLst>
-                      <p:childTnLst>
-                        <p:par>
-                          <p:cTn id="4" fill="hold">
-                            <p:stCondLst>
-                              <p:cond delay="0"/>
-                            </p:stCondLst>
-                            <p:childTnLst>
-                              <p:par>
-                                <p:cTn id="5" presetID="1" presetClass="entr" presetSubtype="0" fill="hold" grpId="0" nodeType="clickEffect">
-                                  <p:stCondLst>
-                                    <p:cond delay="0"/>
-                                  </p:stCondLst>
-                                  <p:childTnLst>
-                                    <p:set>
-                                      <p:cBhvr>
-                                        <p:cTn id="6" dur="1" fill="hold">
-                                          <p:stCondLst>
-                                            <p:cond delay="0"/>
-                                          </p:stCondLst>
-                                        </p:cTn>
-                                        <p:tgtEl>
-                                          <p:spTgt spid="7"/>
-                                        </p:tgtEl>
-                                        <p:attrNameLst>
-                                          <p:attrName>style.visibility</p:attrName>
-                                        </p:attrNameLst>
-                                      </p:cBhvr>
-                                      <p:to>
-                                        <p:strVal val="visible"/>
-                                      </p:to>
-                                    </p:set>
-                                  </p:childTnLst>
-                                </p:cTn>
-                              </p:par>
-                            </p:childTnLst>
-                          </p:cTn>
-                        </p:par>
-                      </p:childTnLst>
-                    </p:cTn>
-                  </p:par>
-                  <p:par>
-                    <p:cTn id="7" fill="hold">
-                      <p:stCondLst>
-                        <p:cond delay="indefinite"/>
-                      </p:stCondLst>
-                      <p:childTnLst>
-                        <p:par>
-                          <p:cTn id="8" fill="hold">
-                            <p:stCondLst>
-                              <p:cond delay="0"/>
-                            </p:stCondLst>
-                            <p:childTnLst>
-                              <p:par>
-                                <p:cTn id="9" presetID="1" presetClass="entr" presetSubtype="0" fill="hold" nodeType="clickEffect">
-                                  <p:stCondLst>
-                                    <p:cond delay="0"/>
-                                  </p:stCondLst>
-                                  <p:childTnLst>
-                                    <p:set>
-                                      <p:cBhvr>
-                                        <p:cTn id="10" dur="1" fill="hold">
-                                          <p:stCondLst>
-                                            <p:cond delay="0"/>
-                                          </p:stCondLst>
-                                        </p:cTn>
-                                        <p:tgtEl>
-                                          <p:spTgt spid="15"/>
-                                        </p:tgtEl>
-                                        <p:attrNameLst>
-                                          <p:attrName>style.visibility</p:attrName>
-                                        </p:attrNameLst>
-                                      </p:cBhvr>
-                                      <p:to>
-                                        <p:strVal val="visible"/>
-                                      </p:to>
-                                    </p:set>
-                                  </p:childTnLst>
-                                </p:cTn>
-                              </p:par>
-                              <p:par>
-                                <p:cTn id="11" presetID="1" presetClass="entr" presetSubtype="0" fill="hold" grpId="0" nodeType="withEffect">
-                                  <p:stCondLst>
-                                    <p:cond delay="0"/>
-                                  </p:stCondLst>
-                                  <p:childTnLst>
-                                    <p:set>
-                                      <p:cBhvr>
-                                        <p:cTn id="12" dur="1" fill="hold">
-                                          <p:stCondLst>
-                                            <p:cond delay="0"/>
-                                          </p:stCondLst>
-                                        </p:cTn>
-                                        <p:tgtEl>
-                                          <p:spTgt spid="9"/>
-                                        </p:tgtEl>
-                                        <p:attrNameLst>
-                                          <p:attrName>style.visibility</p:attrName>
-                                        </p:attrNameLst>
-                                      </p:cBhvr>
-                                      <p:to>
-                                        <p:strVal val="visible"/>
-                                      </p:to>
-                                    </p:set>
-                                  </p:childTnLst>
-                                </p:cTn>
-                              </p:par>
-                            </p:childTnLst>
-                          </p:cTn>
-                        </p:par>
-                      </p:childTnLst>
-                    </p:cTn>
-                  </p:par>
-                  <p:par>
-                    <p:cTn id="13" fill="hold">
-                      <p:stCondLst>
-                        <p:cond delay="indefinite"/>
-                      </p:stCondLst>
-                      <p:childTnLst>
-                        <p:par>
-                          <p:cTn id="14" fill="hold">
-                            <p:stCondLst>
-                              <p:cond delay="0"/>
-                            </p:stCondLst>
-                            <p:childTnLst>
-                              <p:par>
-                                <p:cTn id="15" presetID="1" presetClass="entr" presetSubtype="0" fill="hold" nodeType="clickEffect">
-                                  <p:stCondLst>
-                                    <p:cond delay="0"/>
-                                  </p:stCondLst>
-                                  <p:childTnLst>
-                                    <p:set>
-                                      <p:cBhvr>
-                                        <p:cTn id="16" dur="1" fill="hold">
-                                          <p:stCondLst>
-                                            <p:cond delay="0"/>
-                                          </p:stCondLst>
-                                        </p:cTn>
-                                        <p:tgtEl>
-                                          <p:spTgt spid="14"/>
-                                        </p:tgtEl>
-                                        <p:attrNameLst>
-                                          <p:attrName>style.visibility</p:attrName>
-                                        </p:attrNameLst>
-                                      </p:cBhvr>
-                                      <p:to>
-                                        <p:strVal val="visible"/>
-                                      </p:to>
-                                    </p:set>
-                                  </p:childTnLst>
-                                </p:cTn>
-                              </p:par>
-                              <p:par>
-                                <p:cTn id="17" presetID="1" presetClass="entr" presetSubtype="0" fill="hold" grpId="0" nodeType="withEffect">
-                                  <p:stCondLst>
-                                    <p:cond delay="0"/>
-                                  </p:stCondLst>
-                                  <p:childTnLst>
-                                    <p:set>
-                                      <p:cBhvr>
-                                        <p:cTn id="18" dur="1" fill="hold">
-                                          <p:stCondLst>
-                                            <p:cond delay="0"/>
-                                          </p:stCondLst>
-                                        </p:cTn>
-                                        <p:tgtEl>
-                                          <p:spTgt spid="8"/>
-                                        </p:tgtEl>
-                                        <p:attrNameLst>
-                                          <p:attrName>style.visibility</p:attrName>
-                                        </p:attrNameLst>
-                                      </p:cBhvr>
-                                      <p:to>
-                                        <p:strVal val="visible"/>
-                                      </p:to>
-                                    </p:set>
-                                  </p:childTnLst>
-                                </p:cTn>
-                              </p:par>
-                            </p:childTnLst>
-                          </p:cTn>
-                        </p:par>
-                      </p:childTnLst>
-                    </p:cTn>
-                  </p:par>
-                  <p:par>
-                    <p:cTn id="19" fill="hold">
-                      <p:stCondLst>
-                        <p:cond delay="indefinite"/>
-                      </p:stCondLst>
-                      <p:childTnLst>
-                        <p:par>
-                          <p:cTn id="20" fill="hold">
-                            <p:stCondLst>
-                              <p:cond delay="0"/>
-                            </p:stCondLst>
-                            <p:childTnLst>
-                              <p:par>
-                                <p:cTn id="21" presetID="1" presetClass="entr" presetSubtype="0" fill="hold" grpId="0" nodeType="clickEffect">
-                                  <p:stCondLst>
-                                    <p:cond delay="0"/>
-                                  </p:stCondLst>
-                                  <p:childTnLst>
-                                    <p:set>
-                                      <p:cBhvr>
-                                        <p:cTn id="22" dur="1" fill="hold">
-                                          <p:stCondLst>
-                                            <p:cond delay="0"/>
-                                          </p:stCondLst>
-                                        </p:cTn>
-                                        <p:tgtEl>
-                                          <p:spTgt spid="10"/>
-                                        </p:tgtEl>
-                                        <p:attrNameLst>
-                                          <p:attrName>style.visibility</p:attrName>
-                                        </p:attrNameLst>
-                                      </p:cBhvr>
-                                      <p:to>
-                                        <p:strVal val="visible"/>
-                                      </p:to>
-                                    </p:set>
-                                  </p:childTnLst>
-                                </p:cTn>
-                              </p:par>
-                              <p:par>
-                                <p:cTn id="23" presetID="1" presetClass="entr" presetSubtype="0" fill="hold" nodeType="withEffect">
-                                  <p:stCondLst>
-                                    <p:cond delay="0"/>
-                                  </p:stCondLst>
-                                  <p:childTnLst>
-                                    <p:set>
-                                      <p:cBhvr>
-                                        <p:cTn id="24" dur="1" fill="hold">
-                                          <p:stCondLst>
-                                            <p:cond delay="0"/>
-                                          </p:stCondLst>
-                                        </p:cTn>
-                                        <p:tgtEl>
-                                          <p:spTgt spid="17"/>
-                                        </p:tgtEl>
-                                        <p:attrNameLst>
-                                          <p:attrName>style.visibility</p:attrName>
-                                        </p:attrNameLst>
-                                      </p:cBhvr>
-                                      <p:to>
-                                        <p:strVal val="visible"/>
-                                      </p:to>
-                                    </p:set>
-                                  </p:childTnLst>
-                                </p:cTn>
-                              </p:par>
-                            </p:childTnLst>
-                          </p:cTn>
-                        </p:par>
-                      </p:childTnLst>
-                    </p:cTn>
-                  </p:par>
-                  <p:par>
-                    <p:cTn id="25" fill="hold">
-                      <p:stCondLst>
-                        <p:cond delay="indefinite"/>
-                      </p:stCondLst>
-                      <p:childTnLst>
-                        <p:par>
-                          <p:cTn id="26" fill="hold">
-                            <p:stCondLst>
-                              <p:cond delay="0"/>
-                            </p:stCondLst>
-                            <p:childTnLst>
-                              <p:par>
-                                <p:cTn id="27" presetID="1" presetClass="entr" presetSubtype="0" fill="hold" nodeType="clickEffect">
-                                  <p:stCondLst>
-                                    <p:cond delay="0"/>
-                                  </p:stCondLst>
-                                  <p:childTnLst>
-                                    <p:set>
-                                      <p:cBhvr>
-                                        <p:cTn id="28" dur="1" fill="hold">
-                                          <p:stCondLst>
-                                            <p:cond delay="0"/>
-                                          </p:stCondLst>
-                                        </p:cTn>
-                                        <p:tgtEl>
-                                          <p:spTgt spid="16"/>
-                                        </p:tgtEl>
-                                        <p:attrNameLst>
-                                          <p:attrName>style.visibility</p:attrName>
-                                        </p:attrNameLst>
-                                      </p:cBhvr>
-                                      <p:to>
-                                        <p:strVal val="visible"/>
-                                      </p:to>
-                                    </p:set>
-                                  </p:childTnLst>
-                                </p:cTn>
-                              </p:par>
-                              <p:par>
-                                <p:cTn id="29" presetID="1" presetClass="entr" presetSubtype="0" fill="hold" grpId="0" nodeType="withEffect">
-                                  <p:stCondLst>
-                                    <p:cond delay="0"/>
-                                  </p:stCondLst>
-                                  <p:childTnLst>
-                                    <p:set>
-                                      <p:cBhvr>
-                                        <p:cTn id="30" dur="1" fill="hold">
-                                          <p:stCondLst>
-                                            <p:cond delay="0"/>
-                                          </p:stCondLst>
-                                        </p:cTn>
-                                        <p:tgtEl>
-                                          <p:spTgt spid="11"/>
-                                        </p:tgtEl>
-                                        <p:attrNameLst>
-                                          <p:attrName>style.visibility</p:attrName>
-                                        </p:attrNameLst>
-                                      </p:cBhvr>
-                                      <p:to>
-                                        <p:strVal val="visible"/>
-                                      </p:to>
-                                    </p:set>
-                                  </p:childTnLst>
-                                </p:cTn>
-                              </p:par>
-                            </p:childTnLst>
-                          </p:cTn>
-                        </p:par>
-                      </p:childTnLst>
-                    </p:cTn>
-                  </p:par>
-                  <p:par>
-                    <p:cTn id="31" fill="hold">
-                      <p:stCondLst>
-                        <p:cond delay="indefinite"/>
-                      </p:stCondLst>
-                      <p:childTnLst>
-                        <p:par>
-                          <p:cTn id="32" fill="hold">
-                            <p:stCondLst>
-                              <p:cond delay="0"/>
-                            </p:stCondLst>
-                            <p:childTnLst>
-                              <p:par>
-                                <p:cTn id="33" presetID="1" presetClass="entr" presetSubtype="0" fill="hold" nodeType="clickEffect">
-                                  <p:stCondLst>
-                                    <p:cond delay="0"/>
-                                  </p:stCondLst>
-                                  <p:childTnLst>
-                                    <p:set>
-                                      <p:cBhvr>
-                                        <p:cTn id="34" dur="1" fill="hold">
-                                          <p:stCondLst>
-                                            <p:cond delay="0"/>
-                                          </p:stCondLst>
-                                        </p:cTn>
-                                        <p:tgtEl>
-                                          <p:spTgt spid="18"/>
-                                        </p:tgtEl>
-                                        <p:attrNameLst>
-                                          <p:attrName>style.visibility</p:attrName>
-                                        </p:attrNameLst>
-                                      </p:cBhvr>
-                                      <p:to>
-                                        <p:strVal val="visible"/>
-                                      </p:to>
-                                    </p:set>
-                                  </p:childTnLst>
-                                </p:cTn>
-                              </p:par>
-                              <p:par>
-                                <p:cTn id="35" presetID="1" presetClass="entr" presetSubtype="0" fill="hold" grpId="0" nodeType="withEffect">
-                                  <p:stCondLst>
-                                    <p:cond delay="0"/>
-                                  </p:stCondLst>
-                                  <p:childTnLst>
-                                    <p:set>
-                                      <p:cBhvr>
-                                        <p:cTn id="36" dur="1" fill="hold">
-                                          <p:stCondLst>
-                                            <p:cond delay="0"/>
-                                          </p:stCondLst>
-                                        </p:cTn>
-                                        <p:tgtEl>
-                                          <p:spTgt spid="12"/>
-                                        </p:tgtEl>
-                                        <p:attrNameLst>
-                                          <p:attrName>style.visibility</p:attrName>
-                                        </p:attrNameLst>
-                                      </p:cBhvr>
-                                      <p:to>
-                                        <p:strVal val="visible"/>
-                                      </p:to>
-                                    </p:set>
-                                  </p:childTnLst>
-                                </p:cTn>
-                              </p:par>
-                              <p:par>
-                                <p:cTn id="37" presetID="1" presetClass="entr" presetSubtype="0" fill="hold" nodeType="withEffect">
-                                  <p:stCondLst>
-                                    <p:cond delay="0"/>
-                                  </p:stCondLst>
-                                  <p:childTnLst>
-                                    <p:set>
-                                      <p:cBhvr>
-                                        <p:cTn id="38" dur="1" fill="hold">
-                                          <p:stCondLst>
-                                            <p:cond delay="0"/>
-                                          </p:stCondLst>
-                                        </p:cTn>
-                                        <p:tgtEl>
-                                          <p:spTgt spid="19"/>
-                                        </p:tgtEl>
-                                        <p:attrNameLst>
-                                          <p:attrName>style.visibility</p:attrName>
-                                        </p:attrNameLst>
-                                      </p:cBhvr>
-                                      <p:to>
-                                        <p:strVal val="visible"/>
-                                      </p:to>
-                                    </p:set>
-                                  </p:childTnLst>
-                                </p:cTn>
-                              </p:par>
-                            </p:childTnLst>
-                          </p:cTn>
-                        </p:par>
-                      </p:childTnLst>
-                    </p:cTn>
-                  </p:par>
-                  <p:par>
-                    <p:cTn id="39" fill="hold">
-                      <p:stCondLst>
-                        <p:cond delay="indefinite"/>
-                      </p:stCondLst>
-                      <p:childTnLst>
-                        <p:par>
-                          <p:cTn id="40" fill="hold">
-                            <p:stCondLst>
-                              <p:cond delay="0"/>
-                            </p:stCondLst>
-                            <p:childTnLst>
-                              <p:par>
-                                <p:cTn id="41" presetID="1" presetClass="entr" presetSubtype="0" fill="hold" nodeType="clickEffect">
-                                  <p:stCondLst>
-                                    <p:cond delay="0"/>
-                                  </p:stCondLst>
-                                  <p:childTnLst>
-                                    <p:set>
-                                      <p:cBhvr>
-                                        <p:cTn id="42" dur="1" fill="hold">
-                                          <p:stCondLst>
-                                            <p:cond delay="0"/>
-                                          </p:stCondLst>
-                                        </p:cTn>
-                                        <p:tgtEl>
-                                          <p:spTgt spid="20"/>
-                                        </p:tgtEl>
-                                        <p:attrNameLst>
-                                          <p:attrName>style.visibility</p:attrName>
-                                        </p:attrNameLst>
-                                      </p:cBhvr>
-                                      <p:to>
-                                        <p:strVal val="visible"/>
-                                      </p:to>
-                                    </p:set>
-                                  </p:childTnLst>
-                                </p:cTn>
-                              </p:par>
-                              <p:par>
-                                <p:cTn id="43" presetID="1" presetClass="entr" presetSubtype="0" fill="hold" grpId="0" nodeType="withEffect">
-                                  <p:stCondLst>
-                                    <p:cond delay="0"/>
-                                  </p:stCondLst>
-                                  <p:childTnLst>
-                                    <p:set>
-                                      <p:cBhvr>
-                                        <p:cTn id="44" dur="1" fill="hold">
-                                          <p:stCondLst>
-                                            <p:cond delay="0"/>
-                                          </p:stCondLst>
-                                        </p:cTn>
-                                        <p:tgtEl>
-                                          <p:spTgt spid="13"/>
-                                        </p:tgtEl>
-                                        <p:attrNameLst>
-                                          <p:attrName>style.visibility</p:attrName>
-                                        </p:attrNameLst>
-                                      </p:cBhvr>
-                                      <p:to>
-                                        <p:strVal val="visible"/>
-                                      </p:to>
-                                    </p:set>
-                                  </p:childTnLst>
-                                </p:cTn>
-                              </p:par>
-                              <p:par>
-                                <p:cTn id="45" presetID="1" presetClass="entr" presetSubtype="0" fill="hold" nodeType="withEffect">
-                                  <p:stCondLst>
-                                    <p:cond delay="0"/>
-                                  </p:stCondLst>
-                                  <p:childTnLst>
-                                    <p:set>
-                                      <p:cBhvr>
-                                        <p:cTn id="46" dur="1" fill="hold">
-                                          <p:stCondLst>
-                                            <p:cond delay="0"/>
-                                          </p:stCondLst>
-                                        </p:cTn>
-                                        <p:tgtEl>
-                                          <p:spTgt spid="21"/>
-                                        </p:tgtEl>
-                                        <p:attrNameLst>
-                                          <p:attrName>style.visibility</p:attrName>
-                                        </p:attrNameLst>
-                                      </p:cBhvr>
-                                      <p:to>
-                                        <p:strVal val="visible"/>
-                                      </p:to>
-                                    </p:set>
-                                  </p:childTnLst>
-                                </p:cTn>
-                              </p:par>
-                            </p:childTnLst>
-                          </p:cTn>
-                        </p:par>
-                      </p:childTnLst>
-                    </p:cTn>
-                  </p:par>
-                </p:childTnLst>
-              </p:cTn>
-              <p:prevCondLst>
-                <p:cond evt="onPrev" delay="0">
-                  <p:tgtEl>
-                    <p:sldTgt/>
-                  </p:tgtEl>
-                </p:cond>
-              </p:prevCondLst>
-              <p:nextCondLst>
-                <p:cond evt="onNext" delay="0">
-                  <p:tgtEl>
-                    <p:sldTgt/>
-                  </p:tgtEl>
-                </p:cond>
-              </p:nextCondLst>
-            </p:seq>
-          </p:childTnLst>
-        </p:cTn>
-      </p:par>
-    </p:tnLst>
-    <p:bldLst>
-      <p:bldP spid="7" grpId="0" animBg="1"/>
-      <p:bldP spid="8" grpId="0" animBg="1"/>
-      <p:bldP spid="9" grpId="0" animBg="1"/>
-      <p:bldP spid="10" grpId="0" animBg="1"/>
-      <p:bldP spid="11" grpId="0" animBg="1"/>
-      <p:bldP spid="12" grpId="0" animBg="1"/>
-      <p:bldP spid="13" grpId="0" animBg="1"/>
-    </p:bldLst>
-  </p:timing>
 </p:sld>
 </file>
 
@@ -15646,552 +10706,6 @@
   <p:clrMapOvr>
     <a:masterClrMapping/>
   </p:clrMapOvr>
-  <p:timing>
-    <p:tnLst>
-      <p:par>
-        <p:cTn id="1" dur="indefinite" restart="never" nodeType="tmRoot">
-          <p:childTnLst>
-            <p:seq concurrent="1" nextAc="seek">
-              <p:cTn id="2" dur="indefinite" nodeType="mainSeq">
-                <p:childTnLst>
-                  <p:par>
-                    <p:cTn id="3" fill="hold">
-                      <p:stCondLst>
-                        <p:cond delay="indefinite"/>
-                      </p:stCondLst>
-                      <p:childTnLst>
-                        <p:par>
-                          <p:cTn id="4" fill="hold">
-                            <p:stCondLst>
-                              <p:cond delay="0"/>
-                            </p:stCondLst>
-                            <p:childTnLst>
-                              <p:par>
-                                <p:cTn id="5" presetID="1" presetClass="entr" presetSubtype="0" fill="hold" nodeType="clickEffect">
-                                  <p:stCondLst>
-                                    <p:cond delay="0"/>
-                                  </p:stCondLst>
-                                  <p:childTnLst>
-                                    <p:set>
-                                      <p:cBhvr>
-                                        <p:cTn id="6" dur="1" fill="hold">
-                                          <p:stCondLst>
-                                            <p:cond delay="0"/>
-                                          </p:stCondLst>
-                                        </p:cTn>
-                                        <p:tgtEl>
-                                          <p:spTgt spid="3">
-                                            <p:txEl>
-                                              <p:pRg st="0" end="0"/>
-                                            </p:txEl>
-                                          </p:spTgt>
-                                        </p:tgtEl>
-                                        <p:attrNameLst>
-                                          <p:attrName>style.visibility</p:attrName>
-                                        </p:attrNameLst>
-                                      </p:cBhvr>
-                                      <p:to>
-                                        <p:strVal val="visible"/>
-                                      </p:to>
-                                    </p:set>
-                                  </p:childTnLst>
-                                </p:cTn>
-                              </p:par>
-                            </p:childTnLst>
-                          </p:cTn>
-                        </p:par>
-                      </p:childTnLst>
-                    </p:cTn>
-                  </p:par>
-                  <p:par>
-                    <p:cTn id="7" fill="hold">
-                      <p:stCondLst>
-                        <p:cond delay="indefinite"/>
-                      </p:stCondLst>
-                      <p:childTnLst>
-                        <p:par>
-                          <p:cTn id="8" fill="hold">
-                            <p:stCondLst>
-                              <p:cond delay="0"/>
-                            </p:stCondLst>
-                            <p:childTnLst>
-                              <p:par>
-                                <p:cTn id="9" presetID="1" presetClass="entr" presetSubtype="0" fill="hold" nodeType="clickEffect">
-                                  <p:stCondLst>
-                                    <p:cond delay="0"/>
-                                  </p:stCondLst>
-                                  <p:childTnLst>
-                                    <p:set>
-                                      <p:cBhvr>
-                                        <p:cTn id="10" dur="1" fill="hold">
-                                          <p:stCondLst>
-                                            <p:cond delay="0"/>
-                                          </p:stCondLst>
-                                        </p:cTn>
-                                        <p:tgtEl>
-                                          <p:spTgt spid="3">
-                                            <p:txEl>
-                                              <p:pRg st="1" end="1"/>
-                                            </p:txEl>
-                                          </p:spTgt>
-                                        </p:tgtEl>
-                                        <p:attrNameLst>
-                                          <p:attrName>style.visibility</p:attrName>
-                                        </p:attrNameLst>
-                                      </p:cBhvr>
-                                      <p:to>
-                                        <p:strVal val="visible"/>
-                                      </p:to>
-                                    </p:set>
-                                  </p:childTnLst>
-                                </p:cTn>
-                              </p:par>
-                              <p:par>
-                                <p:cTn id="11" presetID="1" presetClass="entr" presetSubtype="0" fill="hold" nodeType="withEffect">
-                                  <p:stCondLst>
-                                    <p:cond delay="0"/>
-                                  </p:stCondLst>
-                                  <p:childTnLst>
-                                    <p:set>
-                                      <p:cBhvr>
-                                        <p:cTn id="12" dur="1" fill="hold">
-                                          <p:stCondLst>
-                                            <p:cond delay="0"/>
-                                          </p:stCondLst>
-                                        </p:cTn>
-                                        <p:tgtEl>
-                                          <p:spTgt spid="3">
-                                            <p:txEl>
-                                              <p:pRg st="2" end="2"/>
-                                            </p:txEl>
-                                          </p:spTgt>
-                                        </p:tgtEl>
-                                        <p:attrNameLst>
-                                          <p:attrName>style.visibility</p:attrName>
-                                        </p:attrNameLst>
-                                      </p:cBhvr>
-                                      <p:to>
-                                        <p:strVal val="visible"/>
-                                      </p:to>
-                                    </p:set>
-                                  </p:childTnLst>
-                                </p:cTn>
-                              </p:par>
-                              <p:par>
-                                <p:cTn id="13" presetID="1" presetClass="entr" presetSubtype="0" fill="hold" nodeType="withEffect">
-                                  <p:stCondLst>
-                                    <p:cond delay="0"/>
-                                  </p:stCondLst>
-                                  <p:childTnLst>
-                                    <p:set>
-                                      <p:cBhvr>
-                                        <p:cTn id="14" dur="1" fill="hold">
-                                          <p:stCondLst>
-                                            <p:cond delay="0"/>
-                                          </p:stCondLst>
-                                        </p:cTn>
-                                        <p:tgtEl>
-                                          <p:spTgt spid="3">
-                                            <p:txEl>
-                                              <p:pRg st="3" end="3"/>
-                                            </p:txEl>
-                                          </p:spTgt>
-                                        </p:tgtEl>
-                                        <p:attrNameLst>
-                                          <p:attrName>style.visibility</p:attrName>
-                                        </p:attrNameLst>
-                                      </p:cBhvr>
-                                      <p:to>
-                                        <p:strVal val="visible"/>
-                                      </p:to>
-                                    </p:set>
-                                  </p:childTnLst>
-                                </p:cTn>
-                              </p:par>
-                              <p:par>
-                                <p:cTn id="15" presetID="1" presetClass="entr" presetSubtype="0" fill="hold" nodeType="withEffect">
-                                  <p:stCondLst>
-                                    <p:cond delay="0"/>
-                                  </p:stCondLst>
-                                  <p:childTnLst>
-                                    <p:set>
-                                      <p:cBhvr>
-                                        <p:cTn id="16" dur="1" fill="hold">
-                                          <p:stCondLst>
-                                            <p:cond delay="0"/>
-                                          </p:stCondLst>
-                                        </p:cTn>
-                                        <p:tgtEl>
-                                          <p:spTgt spid="3">
-                                            <p:txEl>
-                                              <p:pRg st="4" end="4"/>
-                                            </p:txEl>
-                                          </p:spTgt>
-                                        </p:tgtEl>
-                                        <p:attrNameLst>
-                                          <p:attrName>style.visibility</p:attrName>
-                                        </p:attrNameLst>
-                                      </p:cBhvr>
-                                      <p:to>
-                                        <p:strVal val="visible"/>
-                                      </p:to>
-                                    </p:set>
-                                  </p:childTnLst>
-                                </p:cTn>
-                              </p:par>
-                              <p:par>
-                                <p:cTn id="17" presetID="1" presetClass="entr" presetSubtype="0" fill="hold" nodeType="withEffect">
-                                  <p:stCondLst>
-                                    <p:cond delay="0"/>
-                                  </p:stCondLst>
-                                  <p:childTnLst>
-                                    <p:set>
-                                      <p:cBhvr>
-                                        <p:cTn id="18" dur="1" fill="hold">
-                                          <p:stCondLst>
-                                            <p:cond delay="0"/>
-                                          </p:stCondLst>
-                                        </p:cTn>
-                                        <p:tgtEl>
-                                          <p:spTgt spid="3">
-                                            <p:txEl>
-                                              <p:pRg st="5" end="5"/>
-                                            </p:txEl>
-                                          </p:spTgt>
-                                        </p:tgtEl>
-                                        <p:attrNameLst>
-                                          <p:attrName>style.visibility</p:attrName>
-                                        </p:attrNameLst>
-                                      </p:cBhvr>
-                                      <p:to>
-                                        <p:strVal val="visible"/>
-                                      </p:to>
-                                    </p:set>
-                                  </p:childTnLst>
-                                </p:cTn>
-                              </p:par>
-                            </p:childTnLst>
-                          </p:cTn>
-                        </p:par>
-                      </p:childTnLst>
-                    </p:cTn>
-                  </p:par>
-                  <p:par>
-                    <p:cTn id="19" fill="hold">
-                      <p:stCondLst>
-                        <p:cond delay="indefinite"/>
-                      </p:stCondLst>
-                      <p:childTnLst>
-                        <p:par>
-                          <p:cTn id="20" fill="hold">
-                            <p:stCondLst>
-                              <p:cond delay="0"/>
-                            </p:stCondLst>
-                            <p:childTnLst>
-                              <p:par>
-                                <p:cTn id="21" presetID="1" presetClass="entr" presetSubtype="0" fill="hold" nodeType="clickEffect">
-                                  <p:stCondLst>
-                                    <p:cond delay="0"/>
-                                  </p:stCondLst>
-                                  <p:childTnLst>
-                                    <p:set>
-                                      <p:cBhvr>
-                                        <p:cTn id="22" dur="1" fill="hold">
-                                          <p:stCondLst>
-                                            <p:cond delay="0"/>
-                                          </p:stCondLst>
-                                        </p:cTn>
-                                        <p:tgtEl>
-                                          <p:spTgt spid="3">
-                                            <p:txEl>
-                                              <p:pRg st="6" end="6"/>
-                                            </p:txEl>
-                                          </p:spTgt>
-                                        </p:tgtEl>
-                                        <p:attrNameLst>
-                                          <p:attrName>style.visibility</p:attrName>
-                                        </p:attrNameLst>
-                                      </p:cBhvr>
-                                      <p:to>
-                                        <p:strVal val="visible"/>
-                                      </p:to>
-                                    </p:set>
-                                  </p:childTnLst>
-                                </p:cTn>
-                              </p:par>
-                            </p:childTnLst>
-                          </p:cTn>
-                        </p:par>
-                      </p:childTnLst>
-                    </p:cTn>
-                  </p:par>
-                  <p:par>
-                    <p:cTn id="23" fill="hold">
-                      <p:stCondLst>
-                        <p:cond delay="indefinite"/>
-                      </p:stCondLst>
-                      <p:childTnLst>
-                        <p:par>
-                          <p:cTn id="24" fill="hold">
-                            <p:stCondLst>
-                              <p:cond delay="0"/>
-                            </p:stCondLst>
-                            <p:childTnLst>
-                              <p:par>
-                                <p:cTn id="25" presetID="1" presetClass="entr" presetSubtype="0" fill="hold" nodeType="clickEffect">
-                                  <p:stCondLst>
-                                    <p:cond delay="0"/>
-                                  </p:stCondLst>
-                                  <p:childTnLst>
-                                    <p:set>
-                                      <p:cBhvr>
-                                        <p:cTn id="26" dur="1" fill="hold">
-                                          <p:stCondLst>
-                                            <p:cond delay="0"/>
-                                          </p:stCondLst>
-                                        </p:cTn>
-                                        <p:tgtEl>
-                                          <p:spTgt spid="3">
-                                            <p:txEl>
-                                              <p:pRg st="7" end="7"/>
-                                            </p:txEl>
-                                          </p:spTgt>
-                                        </p:tgtEl>
-                                        <p:attrNameLst>
-                                          <p:attrName>style.visibility</p:attrName>
-                                        </p:attrNameLst>
-                                      </p:cBhvr>
-                                      <p:to>
-                                        <p:strVal val="visible"/>
-                                      </p:to>
-                                    </p:set>
-                                  </p:childTnLst>
-                                </p:cTn>
-                              </p:par>
-                            </p:childTnLst>
-                          </p:cTn>
-                        </p:par>
-                      </p:childTnLst>
-                    </p:cTn>
-                  </p:par>
-                  <p:par>
-                    <p:cTn id="27" fill="hold">
-                      <p:stCondLst>
-                        <p:cond delay="indefinite"/>
-                      </p:stCondLst>
-                      <p:childTnLst>
-                        <p:par>
-                          <p:cTn id="28" fill="hold">
-                            <p:stCondLst>
-                              <p:cond delay="0"/>
-                            </p:stCondLst>
-                            <p:childTnLst>
-                              <p:par>
-                                <p:cTn id="29" presetID="1" presetClass="entr" presetSubtype="0" fill="hold" nodeType="clickEffect">
-                                  <p:stCondLst>
-                                    <p:cond delay="0"/>
-                                  </p:stCondLst>
-                                  <p:childTnLst>
-                                    <p:set>
-                                      <p:cBhvr>
-                                        <p:cTn id="30" dur="1" fill="hold">
-                                          <p:stCondLst>
-                                            <p:cond delay="0"/>
-                                          </p:stCondLst>
-                                        </p:cTn>
-                                        <p:tgtEl>
-                                          <p:spTgt spid="3">
-                                            <p:txEl>
-                                              <p:pRg st="8" end="8"/>
-                                            </p:txEl>
-                                          </p:spTgt>
-                                        </p:tgtEl>
-                                        <p:attrNameLst>
-                                          <p:attrName>style.visibility</p:attrName>
-                                        </p:attrNameLst>
-                                      </p:cBhvr>
-                                      <p:to>
-                                        <p:strVal val="visible"/>
-                                      </p:to>
-                                    </p:set>
-                                  </p:childTnLst>
-                                </p:cTn>
-                              </p:par>
-                            </p:childTnLst>
-                          </p:cTn>
-                        </p:par>
-                      </p:childTnLst>
-                    </p:cTn>
-                  </p:par>
-                  <p:par>
-                    <p:cTn id="31" fill="hold">
-                      <p:stCondLst>
-                        <p:cond delay="indefinite"/>
-                      </p:stCondLst>
-                      <p:childTnLst>
-                        <p:par>
-                          <p:cTn id="32" fill="hold">
-                            <p:stCondLst>
-                              <p:cond delay="0"/>
-                            </p:stCondLst>
-                            <p:childTnLst>
-                              <p:par>
-                                <p:cTn id="33" presetID="1" presetClass="entr" presetSubtype="0" fill="hold" nodeType="clickEffect">
-                                  <p:stCondLst>
-                                    <p:cond delay="0"/>
-                                  </p:stCondLst>
-                                  <p:childTnLst>
-                                    <p:set>
-                                      <p:cBhvr>
-                                        <p:cTn id="34" dur="1" fill="hold">
-                                          <p:stCondLst>
-                                            <p:cond delay="0"/>
-                                          </p:stCondLst>
-                                        </p:cTn>
-                                        <p:tgtEl>
-                                          <p:spTgt spid="3">
-                                            <p:txEl>
-                                              <p:pRg st="9" end="9"/>
-                                            </p:txEl>
-                                          </p:spTgt>
-                                        </p:tgtEl>
-                                        <p:attrNameLst>
-                                          <p:attrName>style.visibility</p:attrName>
-                                        </p:attrNameLst>
-                                      </p:cBhvr>
-                                      <p:to>
-                                        <p:strVal val="visible"/>
-                                      </p:to>
-                                    </p:set>
-                                  </p:childTnLst>
-                                </p:cTn>
-                              </p:par>
-                            </p:childTnLst>
-                          </p:cTn>
-                        </p:par>
-                      </p:childTnLst>
-                    </p:cTn>
-                  </p:par>
-                  <p:par>
-                    <p:cTn id="35" fill="hold">
-                      <p:stCondLst>
-                        <p:cond delay="indefinite"/>
-                      </p:stCondLst>
-                      <p:childTnLst>
-                        <p:par>
-                          <p:cTn id="36" fill="hold">
-                            <p:stCondLst>
-                              <p:cond delay="0"/>
-                            </p:stCondLst>
-                            <p:childTnLst>
-                              <p:par>
-                                <p:cTn id="37" presetID="1" presetClass="entr" presetSubtype="0" fill="hold" nodeType="clickEffect">
-                                  <p:stCondLst>
-                                    <p:cond delay="0"/>
-                                  </p:stCondLst>
-                                  <p:childTnLst>
-                                    <p:set>
-                                      <p:cBhvr>
-                                        <p:cTn id="38" dur="1" fill="hold">
-                                          <p:stCondLst>
-                                            <p:cond delay="0"/>
-                                          </p:stCondLst>
-                                        </p:cTn>
-                                        <p:tgtEl>
-                                          <p:spTgt spid="3">
-                                            <p:txEl>
-                                              <p:pRg st="10" end="10"/>
-                                            </p:txEl>
-                                          </p:spTgt>
-                                        </p:tgtEl>
-                                        <p:attrNameLst>
-                                          <p:attrName>style.visibility</p:attrName>
-                                        </p:attrNameLst>
-                                      </p:cBhvr>
-                                      <p:to>
-                                        <p:strVal val="visible"/>
-                                      </p:to>
-                                    </p:set>
-                                  </p:childTnLst>
-                                </p:cTn>
-                              </p:par>
-                            </p:childTnLst>
-                          </p:cTn>
-                        </p:par>
-                      </p:childTnLst>
-                    </p:cTn>
-                  </p:par>
-                  <p:par>
-                    <p:cTn id="39" fill="hold">
-                      <p:stCondLst>
-                        <p:cond delay="indefinite"/>
-                      </p:stCondLst>
-                      <p:childTnLst>
-                        <p:par>
-                          <p:cTn id="40" fill="hold">
-                            <p:stCondLst>
-                              <p:cond delay="0"/>
-                            </p:stCondLst>
-                            <p:childTnLst>
-                              <p:par>
-                                <p:cTn id="41" presetID="1" presetClass="entr" presetSubtype="0" fill="hold" nodeType="clickEffect">
-                                  <p:stCondLst>
-                                    <p:cond delay="0"/>
-                                  </p:stCondLst>
-                                  <p:childTnLst>
-                                    <p:set>
-                                      <p:cBhvr>
-                                        <p:cTn id="42" dur="1" fill="hold">
-                                          <p:stCondLst>
-                                            <p:cond delay="0"/>
-                                          </p:stCondLst>
-                                        </p:cTn>
-                                        <p:tgtEl>
-                                          <p:spTgt spid="3">
-                                            <p:txEl>
-                                              <p:pRg st="11" end="11"/>
-                                            </p:txEl>
-                                          </p:spTgt>
-                                        </p:tgtEl>
-                                        <p:attrNameLst>
-                                          <p:attrName>style.visibility</p:attrName>
-                                        </p:attrNameLst>
-                                      </p:cBhvr>
-                                      <p:to>
-                                        <p:strVal val="visible"/>
-                                      </p:to>
-                                    </p:set>
-                                  </p:childTnLst>
-                                </p:cTn>
-                              </p:par>
-                            </p:childTnLst>
-                          </p:cTn>
-                        </p:par>
-                      </p:childTnLst>
-                    </p:cTn>
-                  </p:par>
-                </p:childTnLst>
-              </p:cTn>
-              <p:prevCondLst>
-                <p:cond evt="onPrev" delay="0">
-                  <p:tgtEl>
-                    <p:sldTgt/>
-                  </p:tgtEl>
-                </p:cond>
-              </p:prevCondLst>
-              <p:nextCondLst>
-                <p:cond evt="onNext" delay="0">
-                  <p:tgtEl>
-                    <p:sldTgt/>
-                  </p:tgtEl>
-                </p:cond>
-              </p:nextCondLst>
-            </p:seq>
-          </p:childTnLst>
-        </p:cTn>
-      </p:par>
-    </p:tnLst>
-  </p:timing>
 </p:sld>
 </file>
 
@@ -16355,330 +10869,6 @@
   <p:clrMapOvr>
     <a:masterClrMapping/>
   </p:clrMapOvr>
-  <p:timing>
-    <p:tnLst>
-      <p:par>
-        <p:cTn id="1" dur="indefinite" restart="never" nodeType="tmRoot">
-          <p:childTnLst>
-            <p:seq concurrent="1" nextAc="seek">
-              <p:cTn id="2" dur="indefinite" nodeType="mainSeq">
-                <p:childTnLst>
-                  <p:par>
-                    <p:cTn id="3" fill="hold">
-                      <p:stCondLst>
-                        <p:cond delay="indefinite"/>
-                      </p:stCondLst>
-                      <p:childTnLst>
-                        <p:par>
-                          <p:cTn id="4" fill="hold">
-                            <p:stCondLst>
-                              <p:cond delay="0"/>
-                            </p:stCondLst>
-                            <p:childTnLst>
-                              <p:par>
-                                <p:cTn id="5" presetID="1" presetClass="entr" presetSubtype="0" fill="hold" nodeType="clickEffect">
-                                  <p:stCondLst>
-                                    <p:cond delay="0"/>
-                                  </p:stCondLst>
-                                  <p:childTnLst>
-                                    <p:set>
-                                      <p:cBhvr>
-                                        <p:cTn id="6" dur="1" fill="hold">
-                                          <p:stCondLst>
-                                            <p:cond delay="0"/>
-                                          </p:stCondLst>
-                                        </p:cTn>
-                                        <p:tgtEl>
-                                          <p:spTgt spid="3">
-                                            <p:txEl>
-                                              <p:pRg st="1" end="1"/>
-                                            </p:txEl>
-                                          </p:spTgt>
-                                        </p:tgtEl>
-                                        <p:attrNameLst>
-                                          <p:attrName>style.visibility</p:attrName>
-                                        </p:attrNameLst>
-                                      </p:cBhvr>
-                                      <p:to>
-                                        <p:strVal val="visible"/>
-                                      </p:to>
-                                    </p:set>
-                                  </p:childTnLst>
-                                </p:cTn>
-                              </p:par>
-                            </p:childTnLst>
-                          </p:cTn>
-                        </p:par>
-                      </p:childTnLst>
-                    </p:cTn>
-                  </p:par>
-                  <p:par>
-                    <p:cTn id="7" fill="hold">
-                      <p:stCondLst>
-                        <p:cond delay="indefinite"/>
-                      </p:stCondLst>
-                      <p:childTnLst>
-                        <p:par>
-                          <p:cTn id="8" fill="hold">
-                            <p:stCondLst>
-                              <p:cond delay="0"/>
-                            </p:stCondLst>
-                            <p:childTnLst>
-                              <p:par>
-                                <p:cTn id="9" presetID="1" presetClass="entr" presetSubtype="0" fill="hold" nodeType="clickEffect">
-                                  <p:stCondLst>
-                                    <p:cond delay="0"/>
-                                  </p:stCondLst>
-                                  <p:childTnLst>
-                                    <p:set>
-                                      <p:cBhvr>
-                                        <p:cTn id="10" dur="1" fill="hold">
-                                          <p:stCondLst>
-                                            <p:cond delay="0"/>
-                                          </p:stCondLst>
-                                        </p:cTn>
-                                        <p:tgtEl>
-                                          <p:spTgt spid="3">
-                                            <p:txEl>
-                                              <p:pRg st="2" end="2"/>
-                                            </p:txEl>
-                                          </p:spTgt>
-                                        </p:tgtEl>
-                                        <p:attrNameLst>
-                                          <p:attrName>style.visibility</p:attrName>
-                                        </p:attrNameLst>
-                                      </p:cBhvr>
-                                      <p:to>
-                                        <p:strVal val="visible"/>
-                                      </p:to>
-                                    </p:set>
-                                  </p:childTnLst>
-                                </p:cTn>
-                              </p:par>
-                            </p:childTnLst>
-                          </p:cTn>
-                        </p:par>
-                      </p:childTnLst>
-                    </p:cTn>
-                  </p:par>
-                  <p:par>
-                    <p:cTn id="11" fill="hold">
-                      <p:stCondLst>
-                        <p:cond delay="indefinite"/>
-                      </p:stCondLst>
-                      <p:childTnLst>
-                        <p:par>
-                          <p:cTn id="12" fill="hold">
-                            <p:stCondLst>
-                              <p:cond delay="0"/>
-                            </p:stCondLst>
-                            <p:childTnLst>
-                              <p:par>
-                                <p:cTn id="13" presetID="1" presetClass="entr" presetSubtype="0" fill="hold" nodeType="clickEffect">
-                                  <p:stCondLst>
-                                    <p:cond delay="0"/>
-                                  </p:stCondLst>
-                                  <p:childTnLst>
-                                    <p:set>
-                                      <p:cBhvr>
-                                        <p:cTn id="14" dur="1" fill="hold">
-                                          <p:stCondLst>
-                                            <p:cond delay="0"/>
-                                          </p:stCondLst>
-                                        </p:cTn>
-                                        <p:tgtEl>
-                                          <p:spTgt spid="3">
-                                            <p:txEl>
-                                              <p:pRg st="3" end="3"/>
-                                            </p:txEl>
-                                          </p:spTgt>
-                                        </p:tgtEl>
-                                        <p:attrNameLst>
-                                          <p:attrName>style.visibility</p:attrName>
-                                        </p:attrNameLst>
-                                      </p:cBhvr>
-                                      <p:to>
-                                        <p:strVal val="visible"/>
-                                      </p:to>
-                                    </p:set>
-                                  </p:childTnLst>
-                                </p:cTn>
-                              </p:par>
-                            </p:childTnLst>
-                          </p:cTn>
-                        </p:par>
-                      </p:childTnLst>
-                    </p:cTn>
-                  </p:par>
-                  <p:par>
-                    <p:cTn id="15" fill="hold">
-                      <p:stCondLst>
-                        <p:cond delay="indefinite"/>
-                      </p:stCondLst>
-                      <p:childTnLst>
-                        <p:par>
-                          <p:cTn id="16" fill="hold">
-                            <p:stCondLst>
-                              <p:cond delay="0"/>
-                            </p:stCondLst>
-                            <p:childTnLst>
-                              <p:par>
-                                <p:cTn id="17" presetID="1" presetClass="entr" presetSubtype="0" fill="hold" nodeType="clickEffect">
-                                  <p:stCondLst>
-                                    <p:cond delay="0"/>
-                                  </p:stCondLst>
-                                  <p:childTnLst>
-                                    <p:set>
-                                      <p:cBhvr>
-                                        <p:cTn id="18" dur="1" fill="hold">
-                                          <p:stCondLst>
-                                            <p:cond delay="0"/>
-                                          </p:stCondLst>
-                                        </p:cTn>
-                                        <p:tgtEl>
-                                          <p:spTgt spid="3">
-                                            <p:txEl>
-                                              <p:pRg st="4" end="4"/>
-                                            </p:txEl>
-                                          </p:spTgt>
-                                        </p:tgtEl>
-                                        <p:attrNameLst>
-                                          <p:attrName>style.visibility</p:attrName>
-                                        </p:attrNameLst>
-                                      </p:cBhvr>
-                                      <p:to>
-                                        <p:strVal val="visible"/>
-                                      </p:to>
-                                    </p:set>
-                                  </p:childTnLst>
-                                </p:cTn>
-                              </p:par>
-                            </p:childTnLst>
-                          </p:cTn>
-                        </p:par>
-                      </p:childTnLst>
-                    </p:cTn>
-                  </p:par>
-                  <p:par>
-                    <p:cTn id="19" fill="hold">
-                      <p:stCondLst>
-                        <p:cond delay="indefinite"/>
-                      </p:stCondLst>
-                      <p:childTnLst>
-                        <p:par>
-                          <p:cTn id="20" fill="hold">
-                            <p:stCondLst>
-                              <p:cond delay="0"/>
-                            </p:stCondLst>
-                            <p:childTnLst>
-                              <p:par>
-                                <p:cTn id="21" presetID="1" presetClass="entr" presetSubtype="0" fill="hold" nodeType="clickEffect">
-                                  <p:stCondLst>
-                                    <p:cond delay="0"/>
-                                  </p:stCondLst>
-                                  <p:childTnLst>
-                                    <p:set>
-                                      <p:cBhvr>
-                                        <p:cTn id="22" dur="1" fill="hold">
-                                          <p:stCondLst>
-                                            <p:cond delay="0"/>
-                                          </p:stCondLst>
-                                        </p:cTn>
-                                        <p:tgtEl>
-                                          <p:spTgt spid="3">
-                                            <p:txEl>
-                                              <p:pRg st="5" end="5"/>
-                                            </p:txEl>
-                                          </p:spTgt>
-                                        </p:tgtEl>
-                                        <p:attrNameLst>
-                                          <p:attrName>style.visibility</p:attrName>
-                                        </p:attrNameLst>
-                                      </p:cBhvr>
-                                      <p:to>
-                                        <p:strVal val="visible"/>
-                                      </p:to>
-                                    </p:set>
-                                  </p:childTnLst>
-                                </p:cTn>
-                              </p:par>
-                            </p:childTnLst>
-                          </p:cTn>
-                        </p:par>
-                      </p:childTnLst>
-                    </p:cTn>
-                  </p:par>
-                  <p:par>
-                    <p:cTn id="23" fill="hold">
-                      <p:stCondLst>
-                        <p:cond delay="indefinite"/>
-                      </p:stCondLst>
-                      <p:childTnLst>
-                        <p:par>
-                          <p:cTn id="24" fill="hold">
-                            <p:stCondLst>
-                              <p:cond delay="0"/>
-                            </p:stCondLst>
-                            <p:childTnLst>
-                              <p:par>
-                                <p:cTn id="25" presetID="1" presetClass="entr" presetSubtype="0" fill="hold" nodeType="clickEffect">
-                                  <p:stCondLst>
-                                    <p:cond delay="0"/>
-                                  </p:stCondLst>
-                                  <p:childTnLst>
-                                    <p:set>
-                                      <p:cBhvr>
-                                        <p:cTn id="26" dur="1" fill="hold">
-                                          <p:stCondLst>
-                                            <p:cond delay="0"/>
-                                          </p:stCondLst>
-                                        </p:cTn>
-                                        <p:tgtEl>
-                                          <p:spTgt spid="3">
-                                            <p:txEl>
-                                              <p:pRg st="6" end="6"/>
-                                            </p:txEl>
-                                          </p:spTgt>
-                                        </p:tgtEl>
-                                        <p:attrNameLst>
-                                          <p:attrName>style.visibility</p:attrName>
-                                        </p:attrNameLst>
-                                      </p:cBhvr>
-                                      <p:to>
-                                        <p:strVal val="visible"/>
-                                      </p:to>
-                                    </p:set>
-                                  </p:childTnLst>
-                                </p:cTn>
-                              </p:par>
-                            </p:childTnLst>
-                          </p:cTn>
-                        </p:par>
-                      </p:childTnLst>
-                    </p:cTn>
-                  </p:par>
-                </p:childTnLst>
-              </p:cTn>
-              <p:prevCondLst>
-                <p:cond evt="onPrev" delay="0">
-                  <p:tgtEl>
-                    <p:sldTgt/>
-                  </p:tgtEl>
-                </p:cond>
-              </p:prevCondLst>
-              <p:nextCondLst>
-                <p:cond evt="onNext" delay="0">
-                  <p:tgtEl>
-                    <p:sldTgt/>
-                  </p:tgtEl>
-                </p:cond>
-              </p:nextCondLst>
-            </p:seq>
-          </p:childTnLst>
-        </p:cTn>
-      </p:par>
-    </p:tnLst>
-  </p:timing>
 </p:sld>
 </file>
 
@@ -16834,379 +11024,6 @@
   <p:clrMapOvr>
     <a:masterClrMapping/>
   </p:clrMapOvr>
-  <p:timing>
-    <p:tnLst>
-      <p:par>
-        <p:cTn id="1" dur="indefinite" restart="never" nodeType="tmRoot">
-          <p:childTnLst>
-            <p:seq concurrent="1" nextAc="seek">
-              <p:cTn id="2" dur="indefinite" nodeType="mainSeq">
-                <p:childTnLst>
-                  <p:par>
-                    <p:cTn id="3" fill="hold">
-                      <p:stCondLst>
-                        <p:cond delay="indefinite"/>
-                      </p:stCondLst>
-                      <p:childTnLst>
-                        <p:par>
-                          <p:cTn id="4" fill="hold">
-                            <p:stCondLst>
-                              <p:cond delay="0"/>
-                            </p:stCondLst>
-                            <p:childTnLst>
-                              <p:par>
-                                <p:cTn id="5" presetID="1" presetClass="entr" presetSubtype="0" fill="hold" nodeType="clickEffect">
-                                  <p:stCondLst>
-                                    <p:cond delay="0"/>
-                                  </p:stCondLst>
-                                  <p:childTnLst>
-                                    <p:set>
-                                      <p:cBhvr>
-                                        <p:cTn id="6" dur="1" fill="hold">
-                                          <p:stCondLst>
-                                            <p:cond delay="0"/>
-                                          </p:stCondLst>
-                                        </p:cTn>
-                                        <p:tgtEl>
-                                          <p:spTgt spid="3">
-                                            <p:txEl>
-                                              <p:pRg st="0" end="0"/>
-                                            </p:txEl>
-                                          </p:spTgt>
-                                        </p:tgtEl>
-                                        <p:attrNameLst>
-                                          <p:attrName>style.visibility</p:attrName>
-                                        </p:attrNameLst>
-                                      </p:cBhvr>
-                                      <p:to>
-                                        <p:strVal val="visible"/>
-                                      </p:to>
-                                    </p:set>
-                                  </p:childTnLst>
-                                </p:cTn>
-                              </p:par>
-                            </p:childTnLst>
-                          </p:cTn>
-                        </p:par>
-                      </p:childTnLst>
-                    </p:cTn>
-                  </p:par>
-                  <p:par>
-                    <p:cTn id="7" fill="hold">
-                      <p:stCondLst>
-                        <p:cond delay="indefinite"/>
-                      </p:stCondLst>
-                      <p:childTnLst>
-                        <p:par>
-                          <p:cTn id="8" fill="hold">
-                            <p:stCondLst>
-                              <p:cond delay="0"/>
-                            </p:stCondLst>
-                            <p:childTnLst>
-                              <p:par>
-                                <p:cTn id="9" presetID="1" presetClass="entr" presetSubtype="0" fill="hold" nodeType="clickEffect">
-                                  <p:stCondLst>
-                                    <p:cond delay="0"/>
-                                  </p:stCondLst>
-                                  <p:childTnLst>
-                                    <p:set>
-                                      <p:cBhvr>
-                                        <p:cTn id="10" dur="1" fill="hold">
-                                          <p:stCondLst>
-                                            <p:cond delay="0"/>
-                                          </p:stCondLst>
-                                        </p:cTn>
-                                        <p:tgtEl>
-                                          <p:spTgt spid="3">
-                                            <p:txEl>
-                                              <p:pRg st="1" end="1"/>
-                                            </p:txEl>
-                                          </p:spTgt>
-                                        </p:tgtEl>
-                                        <p:attrNameLst>
-                                          <p:attrName>style.visibility</p:attrName>
-                                        </p:attrNameLst>
-                                      </p:cBhvr>
-                                      <p:to>
-                                        <p:strVal val="visible"/>
-                                      </p:to>
-                                    </p:set>
-                                  </p:childTnLst>
-                                </p:cTn>
-                              </p:par>
-                            </p:childTnLst>
-                          </p:cTn>
-                        </p:par>
-                      </p:childTnLst>
-                    </p:cTn>
-                  </p:par>
-                  <p:par>
-                    <p:cTn id="11" fill="hold">
-                      <p:stCondLst>
-                        <p:cond delay="indefinite"/>
-                      </p:stCondLst>
-                      <p:childTnLst>
-                        <p:par>
-                          <p:cTn id="12" fill="hold">
-                            <p:stCondLst>
-                              <p:cond delay="0"/>
-                            </p:stCondLst>
-                            <p:childTnLst>
-                              <p:par>
-                                <p:cTn id="13" presetID="1" presetClass="entr" presetSubtype="0" fill="hold" nodeType="clickEffect">
-                                  <p:stCondLst>
-                                    <p:cond delay="0"/>
-                                  </p:stCondLst>
-                                  <p:childTnLst>
-                                    <p:set>
-                                      <p:cBhvr>
-                                        <p:cTn id="14" dur="1" fill="hold">
-                                          <p:stCondLst>
-                                            <p:cond delay="0"/>
-                                          </p:stCondLst>
-                                        </p:cTn>
-                                        <p:tgtEl>
-                                          <p:spTgt spid="3">
-                                            <p:txEl>
-                                              <p:pRg st="2" end="2"/>
-                                            </p:txEl>
-                                          </p:spTgt>
-                                        </p:tgtEl>
-                                        <p:attrNameLst>
-                                          <p:attrName>style.visibility</p:attrName>
-                                        </p:attrNameLst>
-                                      </p:cBhvr>
-                                      <p:to>
-                                        <p:strVal val="visible"/>
-                                      </p:to>
-                                    </p:set>
-                                  </p:childTnLst>
-                                </p:cTn>
-                              </p:par>
-                            </p:childTnLst>
-                          </p:cTn>
-                        </p:par>
-                      </p:childTnLst>
-                    </p:cTn>
-                  </p:par>
-                  <p:par>
-                    <p:cTn id="15" fill="hold">
-                      <p:stCondLst>
-                        <p:cond delay="indefinite"/>
-                      </p:stCondLst>
-                      <p:childTnLst>
-                        <p:par>
-                          <p:cTn id="16" fill="hold">
-                            <p:stCondLst>
-                              <p:cond delay="0"/>
-                            </p:stCondLst>
-                            <p:childTnLst>
-                              <p:par>
-                                <p:cTn id="17" presetID="1" presetClass="entr" presetSubtype="0" fill="hold" nodeType="clickEffect">
-                                  <p:stCondLst>
-                                    <p:cond delay="0"/>
-                                  </p:stCondLst>
-                                  <p:childTnLst>
-                                    <p:set>
-                                      <p:cBhvr>
-                                        <p:cTn id="18" dur="1" fill="hold">
-                                          <p:stCondLst>
-                                            <p:cond delay="0"/>
-                                          </p:stCondLst>
-                                        </p:cTn>
-                                        <p:tgtEl>
-                                          <p:spTgt spid="3">
-                                            <p:txEl>
-                                              <p:pRg st="3" end="3"/>
-                                            </p:txEl>
-                                          </p:spTgt>
-                                        </p:tgtEl>
-                                        <p:attrNameLst>
-                                          <p:attrName>style.visibility</p:attrName>
-                                        </p:attrNameLst>
-                                      </p:cBhvr>
-                                      <p:to>
-                                        <p:strVal val="visible"/>
-                                      </p:to>
-                                    </p:set>
-                                  </p:childTnLst>
-                                </p:cTn>
-                              </p:par>
-                            </p:childTnLst>
-                          </p:cTn>
-                        </p:par>
-                      </p:childTnLst>
-                    </p:cTn>
-                  </p:par>
-                  <p:par>
-                    <p:cTn id="19" fill="hold">
-                      <p:stCondLst>
-                        <p:cond delay="indefinite"/>
-                      </p:stCondLst>
-                      <p:childTnLst>
-                        <p:par>
-                          <p:cTn id="20" fill="hold">
-                            <p:stCondLst>
-                              <p:cond delay="0"/>
-                            </p:stCondLst>
-                            <p:childTnLst>
-                              <p:par>
-                                <p:cTn id="21" presetID="1" presetClass="entr" presetSubtype="0" fill="hold" nodeType="clickEffect">
-                                  <p:stCondLst>
-                                    <p:cond delay="0"/>
-                                  </p:stCondLst>
-                                  <p:childTnLst>
-                                    <p:set>
-                                      <p:cBhvr>
-                                        <p:cTn id="22" dur="1" fill="hold">
-                                          <p:stCondLst>
-                                            <p:cond delay="0"/>
-                                          </p:stCondLst>
-                                        </p:cTn>
-                                        <p:tgtEl>
-                                          <p:spTgt spid="3">
-                                            <p:txEl>
-                                              <p:pRg st="4" end="4"/>
-                                            </p:txEl>
-                                          </p:spTgt>
-                                        </p:tgtEl>
-                                        <p:attrNameLst>
-                                          <p:attrName>style.visibility</p:attrName>
-                                        </p:attrNameLst>
-                                      </p:cBhvr>
-                                      <p:to>
-                                        <p:strVal val="visible"/>
-                                      </p:to>
-                                    </p:set>
-                                  </p:childTnLst>
-                                </p:cTn>
-                              </p:par>
-                            </p:childTnLst>
-                          </p:cTn>
-                        </p:par>
-                      </p:childTnLst>
-                    </p:cTn>
-                  </p:par>
-                  <p:par>
-                    <p:cTn id="23" fill="hold">
-                      <p:stCondLst>
-                        <p:cond delay="indefinite"/>
-                      </p:stCondLst>
-                      <p:childTnLst>
-                        <p:par>
-                          <p:cTn id="24" fill="hold">
-                            <p:stCondLst>
-                              <p:cond delay="0"/>
-                            </p:stCondLst>
-                            <p:childTnLst>
-                              <p:par>
-                                <p:cTn id="25" presetID="1" presetClass="entr" presetSubtype="0" fill="hold" nodeType="clickEffect">
-                                  <p:stCondLst>
-                                    <p:cond delay="0"/>
-                                  </p:stCondLst>
-                                  <p:childTnLst>
-                                    <p:set>
-                                      <p:cBhvr>
-                                        <p:cTn id="26" dur="1" fill="hold">
-                                          <p:stCondLst>
-                                            <p:cond delay="0"/>
-                                          </p:stCondLst>
-                                        </p:cTn>
-                                        <p:tgtEl>
-                                          <p:spTgt spid="3">
-                                            <p:txEl>
-                                              <p:pRg st="5" end="5"/>
-                                            </p:txEl>
-                                          </p:spTgt>
-                                        </p:tgtEl>
-                                        <p:attrNameLst>
-                                          <p:attrName>style.visibility</p:attrName>
-                                        </p:attrNameLst>
-                                      </p:cBhvr>
-                                      <p:to>
-                                        <p:strVal val="visible"/>
-                                      </p:to>
-                                    </p:set>
-                                  </p:childTnLst>
-                                </p:cTn>
-                              </p:par>
-                            </p:childTnLst>
-                          </p:cTn>
-                        </p:par>
-                      </p:childTnLst>
-                    </p:cTn>
-                  </p:par>
-                  <p:par>
-                    <p:cTn id="27" fill="hold">
-                      <p:stCondLst>
-                        <p:cond delay="indefinite"/>
-                      </p:stCondLst>
-                      <p:childTnLst>
-                        <p:par>
-                          <p:cTn id="28" fill="hold">
-                            <p:stCondLst>
-                              <p:cond delay="0"/>
-                            </p:stCondLst>
-                            <p:childTnLst>
-                              <p:par>
-                                <p:cTn id="29" presetID="1" presetClass="entr" presetSubtype="0" fill="hold" nodeType="clickEffect">
-                                  <p:stCondLst>
-                                    <p:cond delay="0"/>
-                                  </p:stCondLst>
-                                  <p:childTnLst>
-                                    <p:set>
-                                      <p:cBhvr>
-                                        <p:cTn id="30" dur="1" fill="hold">
-                                          <p:stCondLst>
-                                            <p:cond delay="0"/>
-                                          </p:stCondLst>
-                                        </p:cTn>
-                                        <p:tgtEl>
-                                          <p:spTgt spid="3">
-                                            <p:txEl>
-                                              <p:pRg st="6" end="6"/>
-                                            </p:txEl>
-                                          </p:spTgt>
-                                        </p:tgtEl>
-                                        <p:attrNameLst>
-                                          <p:attrName>style.visibility</p:attrName>
-                                        </p:attrNameLst>
-                                      </p:cBhvr>
-                                      <p:to>
-                                        <p:strVal val="visible"/>
-                                      </p:to>
-                                    </p:set>
-                                  </p:childTnLst>
-                                </p:cTn>
-                              </p:par>
-                            </p:childTnLst>
-                          </p:cTn>
-                        </p:par>
-                      </p:childTnLst>
-                    </p:cTn>
-                  </p:par>
-                </p:childTnLst>
-              </p:cTn>
-              <p:prevCondLst>
-                <p:cond evt="onPrev" delay="0">
-                  <p:tgtEl>
-                    <p:sldTgt/>
-                  </p:tgtEl>
-                </p:cond>
-              </p:prevCondLst>
-              <p:nextCondLst>
-                <p:cond evt="onNext" delay="0">
-                  <p:tgtEl>
-                    <p:sldTgt/>
-                  </p:tgtEl>
-                </p:cond>
-              </p:nextCondLst>
-            </p:seq>
-          </p:childTnLst>
-        </p:cTn>
-      </p:par>
-    </p:tnLst>
-  </p:timing>
 </p:sld>
 </file>
 
@@ -17776,12 +11593,6 @@
 </file>
 
 <file path=customXml/item2.xml><?xml version="1.0" encoding="utf-8"?>
-<p:properties xmlns:p="http://schemas.microsoft.com/office/2006/metadata/properties" xmlns:xsi="http://www.w3.org/2001/XMLSchema-instance" xmlns:pc="http://schemas.microsoft.com/office/infopath/2007/PartnerControls">
-  <documentManagement/>
-</p:properties>
-</file>
-
-<file path=customXml/item3.xml><?xml version="1.0" encoding="utf-8"?>
 <ct:contentTypeSchema xmlns:ct="http://schemas.microsoft.com/office/2006/metadata/contentType" xmlns:ma="http://schemas.microsoft.com/office/2006/metadata/properties/metaAttributes" ct:_="" ma:_="" ma:contentTypeName="Document" ma:contentTypeID="0x01010028AAC203550B4E40A8ED4C6A11385C01" ma:contentTypeVersion="11" ma:contentTypeDescription="Create a new document." ma:contentTypeScope="" ma:versionID="181c61fe5df22d1f59c38d74292c5168">
   <xsd:schema xmlns:xsd="http://www.w3.org/2001/XMLSchema" xmlns:xs="http://www.w3.org/2001/XMLSchema" xmlns:p="http://schemas.microsoft.com/office/2006/metadata/properties" xmlns:ns2="af12d3ca-d309-4d9b-872e-f669d895b06e" xmlns:ns3="6354f033-77ec-451f-a4b1-89785309665d" targetNamespace="http://schemas.microsoft.com/office/2006/metadata/properties" ma:root="true" ma:fieldsID="bd40b66ef5728273303597190f92243d" ns2:_="" ns3:_="">
     <xsd:import namespace="af12d3ca-d309-4d9b-872e-f669d895b06e"/>
@@ -17992,6 +11803,12 @@
 </ct:contentTypeSchema>
 </file>
 
+<file path=customXml/item3.xml><?xml version="1.0" encoding="utf-8"?>
+<p:properties xmlns:p="http://schemas.microsoft.com/office/2006/metadata/properties" xmlns:xsi="http://www.w3.org/2001/XMLSchema-instance" xmlns:pc="http://schemas.microsoft.com/office/infopath/2007/PartnerControls">
+  <documentManagement/>
+</p:properties>
+</file>
+
 <file path=customXml/itemProps1.xml><?xml version="1.0" encoding="utf-8"?>
 <ds:datastoreItem xmlns:ds="http://schemas.openxmlformats.org/officeDocument/2006/customXml" ds:itemID="{4E880100-AD93-4165-9435-CF4F80F1243C}">
   <ds:schemaRefs>
@@ -18001,15 +11818,6 @@
 </file>
 
 <file path=customXml/itemProps2.xml><?xml version="1.0" encoding="utf-8"?>
-<ds:datastoreItem xmlns:ds="http://schemas.openxmlformats.org/officeDocument/2006/customXml" ds:itemID="{C1D56013-FFA3-4AA5-BFCF-7C4A0141612A}">
-  <ds:schemaRefs>
-    <ds:schemaRef ds:uri="http://schemas.microsoft.com/office/2006/metadata/properties"/>
-    <ds:schemaRef ds:uri="http://schemas.microsoft.com/office/infopath/2007/PartnerControls"/>
-  </ds:schemaRefs>
-</ds:datastoreItem>
-</file>
-
-<file path=customXml/itemProps3.xml><?xml version="1.0" encoding="utf-8"?>
 <ds:datastoreItem xmlns:ds="http://schemas.openxmlformats.org/officeDocument/2006/customXml" ds:itemID="{3EE3664A-EA3C-4E18-894D-9B94C9B30BD7}">
   <ds:schemaRefs>
     <ds:schemaRef ds:uri="http://schemas.microsoft.com/office/2006/metadata/contentType"/>
@@ -18026,4 +11834,13 @@
     <ds:schemaRef ds:uri="http://schemas.microsoft.com/internal/obd"/>
   </ds:schemaRefs>
 </ds:datastoreItem>
+</file>
+
+<file path=customXml/itemProps3.xml><?xml version="1.0" encoding="utf-8"?>
+<ds:datastoreItem xmlns:ds="http://schemas.openxmlformats.org/officeDocument/2006/customXml" ds:itemID="{C1D56013-FFA3-4AA5-BFCF-7C4A0141612A}">
+  <ds:schemaRefs>
+    <ds:schemaRef ds:uri="http://schemas.microsoft.com/office/2006/metadata/properties"/>
+    <ds:schemaRef ds:uri="http://schemas.microsoft.com/office/infopath/2007/PartnerControls"/>
+  </ds:schemaRefs>
+</ds:datastoreItem>
 </file>